--- a/Presentation/elmz_edit.pptx
+++ b/Presentation/elmz_edit.pptx
@@ -5,21 +5,30 @@
     <p:sldMasterId id="2147483648" r:id="rId1"/>
   </p:sldMasterIdLst>
   <p:notesMasterIdLst>
-    <p:notesMasterId r:id="rId14"/>
+    <p:notesMasterId r:id="rId23"/>
   </p:notesMasterIdLst>
   <p:sldIdLst>
     <p:sldId id="256" r:id="rId2"/>
     <p:sldId id="257" r:id="rId3"/>
     <p:sldId id="258" r:id="rId4"/>
-    <p:sldId id="260" r:id="rId5"/>
-    <p:sldId id="259" r:id="rId6"/>
-    <p:sldId id="263" r:id="rId7"/>
-    <p:sldId id="267" r:id="rId8"/>
-    <p:sldId id="261" r:id="rId9"/>
-    <p:sldId id="262" r:id="rId10"/>
-    <p:sldId id="265" r:id="rId11"/>
-    <p:sldId id="266" r:id="rId12"/>
-    <p:sldId id="269" r:id="rId13"/>
+    <p:sldId id="276" r:id="rId5"/>
+    <p:sldId id="275" r:id="rId6"/>
+    <p:sldId id="260" r:id="rId7"/>
+    <p:sldId id="259" r:id="rId8"/>
+    <p:sldId id="270" r:id="rId9"/>
+    <p:sldId id="271" r:id="rId10"/>
+    <p:sldId id="272" r:id="rId11"/>
+    <p:sldId id="273" r:id="rId12"/>
+    <p:sldId id="263" r:id="rId13"/>
+    <p:sldId id="267" r:id="rId14"/>
+    <p:sldId id="261" r:id="rId15"/>
+    <p:sldId id="278" r:id="rId16"/>
+    <p:sldId id="277" r:id="rId17"/>
+    <p:sldId id="262" r:id="rId18"/>
+    <p:sldId id="279" r:id="rId19"/>
+    <p:sldId id="265" r:id="rId20"/>
+    <p:sldId id="266" r:id="rId21"/>
+    <p:sldId id="269" r:id="rId22"/>
   </p:sldIdLst>
   <p:sldSz cx="12192000" cy="6858000"/>
   <p:notesSz cx="6858000" cy="9144000"/>
@@ -555,6 +564,278 @@
 </p:notes>
 </file>
 
+<file path=ppt/notesSlides/notesSlide10.xml><?xml version="1.0" encoding="utf-8"?>
+<p:notes xmlns:a="http://schemas.openxmlformats.org/drawingml/2006/main" xmlns:r="http://schemas.openxmlformats.org/officeDocument/2006/relationships" xmlns:p="http://schemas.openxmlformats.org/presentationml/2006/main">
+  <p:cSld>
+    <p:spTree>
+      <p:nvGrpSpPr>
+        <p:cNvPr id="1" name=""/>
+        <p:cNvGrpSpPr/>
+        <p:nvPr/>
+      </p:nvGrpSpPr>
+      <p:grpSpPr>
+        <a:xfrm>
+          <a:off x="0" y="0"/>
+          <a:ext cx="0" cy="0"/>
+          <a:chOff x="0" y="0"/>
+          <a:chExt cx="0" cy="0"/>
+        </a:xfrm>
+      </p:grpSpPr>
+      <p:sp>
+        <p:nvSpPr>
+          <p:cNvPr id="2" name="Slide Image Placeholder 1"/>
+          <p:cNvSpPr>
+            <a:spLocks noGrp="1" noRot="1" noChangeAspect="1"/>
+          </p:cNvSpPr>
+          <p:nvPr>
+            <p:ph type="sldImg"/>
+          </p:nvPr>
+        </p:nvSpPr>
+        <p:spPr/>
+      </p:sp>
+      <p:sp>
+        <p:nvSpPr>
+          <p:cNvPr id="3" name="Notes Placeholder 2"/>
+          <p:cNvSpPr>
+            <a:spLocks noGrp="1"/>
+          </p:cNvSpPr>
+          <p:nvPr>
+            <p:ph type="body" idx="1"/>
+          </p:nvPr>
+        </p:nvSpPr>
+        <p:spPr/>
+        <p:txBody>
+          <a:bodyPr/>
+          <a:lstStyle/>
+          <a:p>
+            <a:pPr marL="171450" indent="-171450">
+              <a:buFont typeface="Arial" panose="020B0604020202020204" pitchFamily="34" charset="0"/>
+              <a:buChar char="•"/>
+            </a:pPr>
+            <a:r>
+              <a:rPr lang="en-GB" dirty="0" smtClean="0"/>
+              <a:t>Likely will need some small</a:t>
+            </a:r>
+            <a:r>
+              <a:rPr lang="en-GB" baseline="0" dirty="0" smtClean="0"/>
+              <a:t> ELMs to control core impurity levels </a:t>
+            </a:r>
+            <a:r>
+              <a:rPr lang="en-GB" baseline="0" dirty="0" smtClean="0">
+                <a:sym typeface="Wingdings" panose="05000000000000000000" pitchFamily="2" charset="2"/>
+              </a:rPr>
+              <a:t> unless alternatives can be found to increase internal transport</a:t>
+            </a:r>
+            <a:endParaRPr lang="en-GB" dirty="0"/>
+          </a:p>
+        </p:txBody>
+      </p:sp>
+      <p:sp>
+        <p:nvSpPr>
+          <p:cNvPr id="4" name="Slide Number Placeholder 3"/>
+          <p:cNvSpPr>
+            <a:spLocks noGrp="1"/>
+          </p:cNvSpPr>
+          <p:nvPr>
+            <p:ph type="sldNum" sz="quarter" idx="10"/>
+          </p:nvPr>
+        </p:nvSpPr>
+        <p:spPr/>
+        <p:txBody>
+          <a:bodyPr/>
+          <a:lstStyle/>
+          <a:p>
+            <a:fld id="{6F31B685-21A3-4587-A005-9DD9EF7F13EA}" type="slidenum">
+              <a:rPr lang="en-GB" smtClean="0"/>
+              <a:t>19</a:t>
+            </a:fld>
+            <a:endParaRPr lang="en-GB"/>
+          </a:p>
+        </p:txBody>
+      </p:sp>
+    </p:spTree>
+    <p:extLst>
+      <p:ext uri="{BB962C8B-B14F-4D97-AF65-F5344CB8AC3E}">
+        <p14:creationId xmlns:p14="http://schemas.microsoft.com/office/powerpoint/2010/main" val="414322479"/>
+      </p:ext>
+    </p:extLst>
+  </p:cSld>
+  <p:clrMapOvr>
+    <a:masterClrMapping/>
+  </p:clrMapOvr>
+</p:notes>
+</file>
+
+<file path=ppt/notesSlides/notesSlide11.xml><?xml version="1.0" encoding="utf-8"?>
+<p:notes xmlns:a="http://schemas.openxmlformats.org/drawingml/2006/main" xmlns:r="http://schemas.openxmlformats.org/officeDocument/2006/relationships" xmlns:p="http://schemas.openxmlformats.org/presentationml/2006/main">
+  <p:cSld>
+    <p:spTree>
+      <p:nvGrpSpPr>
+        <p:cNvPr id="1" name=""/>
+        <p:cNvGrpSpPr/>
+        <p:nvPr/>
+      </p:nvGrpSpPr>
+      <p:grpSpPr>
+        <a:xfrm>
+          <a:off x="0" y="0"/>
+          <a:ext cx="0" cy="0"/>
+          <a:chOff x="0" y="0"/>
+          <a:chExt cx="0" cy="0"/>
+        </a:xfrm>
+      </p:grpSpPr>
+      <p:sp>
+        <p:nvSpPr>
+          <p:cNvPr id="2" name="Slide Image Placeholder 1"/>
+          <p:cNvSpPr>
+            <a:spLocks noGrp="1" noRot="1" noChangeAspect="1"/>
+          </p:cNvSpPr>
+          <p:nvPr>
+            <p:ph type="sldImg"/>
+          </p:nvPr>
+        </p:nvSpPr>
+        <p:spPr/>
+      </p:sp>
+      <p:sp>
+        <p:nvSpPr>
+          <p:cNvPr id="3" name="Notes Placeholder 2"/>
+          <p:cNvSpPr>
+            <a:spLocks noGrp="1"/>
+          </p:cNvSpPr>
+          <p:nvPr>
+            <p:ph type="body" idx="1"/>
+          </p:nvPr>
+        </p:nvSpPr>
+        <p:spPr/>
+        <p:txBody>
+          <a:bodyPr/>
+          <a:lstStyle/>
+          <a:p>
+            <a:pPr marL="171450" marR="0" indent="-171450" algn="l" defTabSz="914400" rtl="0" eaLnBrk="1" fontAlgn="auto" latinLnBrk="0" hangingPunct="1">
+              <a:lnSpc>
+                <a:spcPct val="100000"/>
+              </a:lnSpc>
+              <a:spcBef>
+                <a:spcPts val="0"/>
+              </a:spcBef>
+              <a:spcAft>
+                <a:spcPts val="0"/>
+              </a:spcAft>
+              <a:buClrTx/>
+              <a:buSzTx/>
+              <a:buFont typeface="Arial" panose="020B0604020202020204" pitchFamily="34" charset="0"/>
+              <a:buChar char="•"/>
+              <a:tabLst/>
+              <a:defRPr/>
+            </a:pPr>
+            <a:r>
+              <a:rPr lang="en-GB" dirty="0" smtClean="0"/>
+              <a:t>Sounds worth investigating, if not for ITER then at least for the next generation of tokamaks</a:t>
+            </a:r>
+          </a:p>
+          <a:p>
+            <a:pPr marL="171450" marR="0" indent="-171450" algn="l" defTabSz="914400" rtl="0" eaLnBrk="1" fontAlgn="auto" latinLnBrk="0" hangingPunct="1">
+              <a:lnSpc>
+                <a:spcPct val="100000"/>
+              </a:lnSpc>
+              <a:spcBef>
+                <a:spcPts val="0"/>
+              </a:spcBef>
+              <a:spcAft>
+                <a:spcPts val="0"/>
+              </a:spcAft>
+              <a:buClrTx/>
+              <a:buSzTx/>
+              <a:buFont typeface="Arial" panose="020B0604020202020204" pitchFamily="34" charset="0"/>
+              <a:buChar char="•"/>
+              <a:tabLst/>
+              <a:defRPr/>
+            </a:pPr>
+            <a:r>
+              <a:rPr lang="en-GB" dirty="0" smtClean="0"/>
+              <a:t>Control</a:t>
+            </a:r>
+            <a:r>
+              <a:rPr lang="en-GB" baseline="0" dirty="0" smtClean="0"/>
+              <a:t> techniques discussed don’t work in every scenario </a:t>
+            </a:r>
+            <a:r>
+              <a:rPr lang="en-GB" baseline="0" dirty="0" smtClean="0">
+                <a:sym typeface="Wingdings" panose="05000000000000000000" pitchFamily="2" charset="2"/>
+              </a:rPr>
+              <a:t> need something more robust</a:t>
+            </a:r>
+          </a:p>
+          <a:p>
+            <a:pPr marL="628650" marR="0" lvl="1" indent="-171450" algn="l" defTabSz="914400" rtl="0" eaLnBrk="1" fontAlgn="auto" latinLnBrk="0" hangingPunct="1">
+              <a:lnSpc>
+                <a:spcPct val="100000"/>
+              </a:lnSpc>
+              <a:spcBef>
+                <a:spcPts val="0"/>
+              </a:spcBef>
+              <a:spcAft>
+                <a:spcPts val="0"/>
+              </a:spcAft>
+              <a:buClrTx/>
+              <a:buSzTx/>
+              <a:buFont typeface="Arial" panose="020B0604020202020204" pitchFamily="34" charset="0"/>
+              <a:buChar char="•"/>
+              <a:tabLst/>
+              <a:defRPr/>
+            </a:pPr>
+            <a:r>
+              <a:rPr lang="en-GB" baseline="0" dirty="0" smtClean="0">
+                <a:sym typeface="Wingdings" panose="05000000000000000000" pitchFamily="2" charset="2"/>
+              </a:rPr>
+              <a:t>A new, more stable operating regime would be ideal for a fusion power plant</a:t>
+            </a:r>
+            <a:endParaRPr lang="en-GB" dirty="0" smtClean="0"/>
+          </a:p>
+          <a:p>
+            <a:pPr marL="171450" indent="-171450">
+              <a:buFont typeface="Arial" panose="020B0604020202020204" pitchFamily="34" charset="0"/>
+              <a:buChar char="•"/>
+            </a:pPr>
+            <a:endParaRPr lang="en-GB" dirty="0"/>
+          </a:p>
+        </p:txBody>
+      </p:sp>
+      <p:sp>
+        <p:nvSpPr>
+          <p:cNvPr id="4" name="Slide Number Placeholder 3"/>
+          <p:cNvSpPr>
+            <a:spLocks noGrp="1"/>
+          </p:cNvSpPr>
+          <p:nvPr>
+            <p:ph type="sldNum" sz="quarter" idx="10"/>
+          </p:nvPr>
+        </p:nvSpPr>
+        <p:spPr/>
+        <p:txBody>
+          <a:bodyPr/>
+          <a:lstStyle/>
+          <a:p>
+            <a:fld id="{6F31B685-21A3-4587-A005-9DD9EF7F13EA}" type="slidenum">
+              <a:rPr lang="en-GB" smtClean="0"/>
+              <a:t>20</a:t>
+            </a:fld>
+            <a:endParaRPr lang="en-GB"/>
+          </a:p>
+        </p:txBody>
+      </p:sp>
+    </p:spTree>
+    <p:extLst>
+      <p:ext uri="{BB962C8B-B14F-4D97-AF65-F5344CB8AC3E}">
+        <p14:creationId xmlns:p14="http://schemas.microsoft.com/office/powerpoint/2010/main" val="2015765167"/>
+      </p:ext>
+    </p:extLst>
+  </p:cSld>
+  <p:clrMapOvr>
+    <a:masterClrMapping/>
+  </p:clrMapOvr>
+</p:notes>
+</file>
+
 <file path=ppt/notesSlides/notesSlide2.xml><?xml version="1.0" encoding="utf-8"?>
 <p:notes xmlns:a="http://schemas.openxmlformats.org/drawingml/2006/main" xmlns:r="http://schemas.openxmlformats.org/officeDocument/2006/relationships" xmlns:p="http://schemas.openxmlformats.org/presentationml/2006/main">
   <p:cSld>
@@ -708,7 +989,7 @@
           <a:p>
             <a:fld id="{6F31B685-21A3-4587-A005-9DD9EF7F13EA}" type="slidenum">
               <a:rPr lang="en-GB" smtClean="0"/>
-              <a:t>4</a:t>
+              <a:t>6</a:t>
             </a:fld>
             <a:endParaRPr lang="en-GB"/>
           </a:p>
@@ -796,7 +1077,7 @@
           <a:p>
             <a:fld id="{6F31B685-21A3-4587-A005-9DD9EF7F13EA}" type="slidenum">
               <a:rPr lang="en-GB" smtClean="0"/>
-              <a:t>7</a:t>
+              <a:t>13</a:t>
             </a:fld>
             <a:endParaRPr lang="en-GB"/>
           </a:p>
@@ -959,7 +1240,7 @@
           <a:p>
             <a:fld id="{6F31B685-21A3-4587-A005-9DD9EF7F13EA}" type="slidenum">
               <a:rPr lang="en-GB" smtClean="0"/>
-              <a:t>8</a:t>
+              <a:t>14</a:t>
             </a:fld>
             <a:endParaRPr lang="en-GB"/>
           </a:p>
@@ -1022,62 +1303,49 @@
           <a:bodyPr/>
           <a:lstStyle/>
           <a:p>
-            <a:pPr marL="171450" marR="0" indent="-171450" algn="l" defTabSz="914400" rtl="0" eaLnBrk="1" fontAlgn="auto" latinLnBrk="0" hangingPunct="1">
-              <a:lnSpc>
-                <a:spcPct val="100000"/>
-              </a:lnSpc>
-              <a:spcBef>
-                <a:spcPts val="0"/>
-              </a:spcBef>
-              <a:spcAft>
-                <a:spcPts val="0"/>
-              </a:spcAft>
-              <a:buClrTx/>
-              <a:buSzTx/>
+            <a:pPr marL="171450" indent="-171450">
               <a:buFont typeface="Arial" panose="020B0604020202020204" pitchFamily="34" charset="0"/>
               <a:buChar char="•"/>
-              <a:tabLst/>
-              <a:defRPr/>
             </a:pPr>
             <a:r>
               <a:rPr lang="en-GB" dirty="0" smtClean="0">
                 <a:latin typeface="Batang" panose="02030600000101010101" pitchFamily="18" charset="-127"/>
                 <a:ea typeface="Batang" panose="02030600000101010101" pitchFamily="18" charset="-127"/>
               </a:rPr>
-              <a:t>Non-resonant effect so can be used at all times throughout at discharge </a:t>
-            </a:r>
-          </a:p>
-          <a:p>
-            <a:pPr marL="171450" marR="0" indent="-171450" algn="l" defTabSz="914400" rtl="0" eaLnBrk="1" fontAlgn="auto" latinLnBrk="0" hangingPunct="1">
-              <a:lnSpc>
-                <a:spcPct val="100000"/>
-              </a:lnSpc>
-              <a:spcBef>
-                <a:spcPts val="0"/>
-              </a:spcBef>
-              <a:spcAft>
-                <a:spcPts val="0"/>
-              </a:spcAft>
-              <a:buClrTx/>
-              <a:buSzTx/>
+              <a:t>Complete suppression is ideal</a:t>
+            </a:r>
+          </a:p>
+          <a:p>
+            <a:pPr marL="171450" indent="-171450">
               <a:buFont typeface="Arial" panose="020B0604020202020204" pitchFamily="34" charset="0"/>
               <a:buChar char="•"/>
-              <a:tabLst/>
-              <a:defRPr/>
             </a:pPr>
             <a:r>
               <a:rPr lang="en-GB" dirty="0" smtClean="0">
                 <a:latin typeface="Batang" panose="02030600000101010101" pitchFamily="18" charset="-127"/>
                 <a:ea typeface="Batang" panose="02030600000101010101" pitchFamily="18" charset="-127"/>
               </a:rPr>
-              <a:t>Thought to be caused</a:t>
+              <a:t>Small perturbations disrupt toroidal</a:t>
             </a:r>
             <a:r>
               <a:rPr lang="en-GB" baseline="0" dirty="0" smtClean="0">
                 <a:latin typeface="Batang" panose="02030600000101010101" pitchFamily="18" charset="-127"/>
                 <a:ea typeface="Batang" panose="02030600000101010101" pitchFamily="18" charset="-127"/>
               </a:rPr>
-              <a:t> by ablation of pellet in pedestal region </a:t>
+              <a:t> symmetry</a:t>
+            </a:r>
+          </a:p>
+          <a:p>
+            <a:pPr marL="628650" lvl="1" indent="-171450">
+              <a:buFont typeface="Arial" panose="020B0604020202020204" pitchFamily="34" charset="0"/>
+              <a:buChar char="•"/>
+            </a:pPr>
+            <a:r>
+              <a:rPr lang="en-GB" baseline="0" dirty="0" smtClean="0">
+                <a:latin typeface="Batang" panose="02030600000101010101" pitchFamily="18" charset="-127"/>
+                <a:ea typeface="Batang" panose="02030600000101010101" pitchFamily="18" charset="-127"/>
+              </a:rPr>
+              <a:t>Divertor heat loads become non uniform </a:t>
             </a:r>
             <a:r>
               <a:rPr lang="en-GB" baseline="0" dirty="0" smtClean="0">
@@ -1085,7 +1353,21 @@
                 <a:ea typeface="Batang" panose="02030600000101010101" pitchFamily="18" charset="-127"/>
                 <a:sym typeface="Wingdings" panose="05000000000000000000" pitchFamily="2" charset="2"/>
               </a:rPr>
-              <a:t> increasing local pressure above ballooning stability limit and provoking an ELM</a:t>
+              <a:t> perturbations must be varied around tokamak or mode number changed to even out this divertor degradation</a:t>
+            </a:r>
+          </a:p>
+          <a:p>
+            <a:pPr marL="171450" lvl="0" indent="-171450">
+              <a:buFont typeface="Arial" panose="020B0604020202020204" pitchFamily="34" charset="0"/>
+              <a:buChar char="•"/>
+            </a:pPr>
+            <a:r>
+              <a:rPr lang="en-GB" baseline="0" dirty="0" smtClean="0">
+                <a:latin typeface="Batang" panose="02030600000101010101" pitchFamily="18" charset="-127"/>
+                <a:ea typeface="Batang" panose="02030600000101010101" pitchFamily="18" charset="-127"/>
+                <a:sym typeface="Wingdings" panose="05000000000000000000" pitchFamily="2" charset="2"/>
+              </a:rPr>
+              <a:t>Not always achievable  Parameters for RMP success need to be calculated in ITER’s early operation</a:t>
             </a:r>
             <a:endParaRPr lang="en-GB" dirty="0" smtClean="0">
               <a:latin typeface="Batang" panose="02030600000101010101" pitchFamily="18" charset="-127"/>
@@ -1097,15 +1379,10 @@
               <a:buFont typeface="Arial" panose="020B0604020202020204" pitchFamily="34" charset="0"/>
               <a:buChar char="•"/>
             </a:pPr>
-            <a:r>
-              <a:rPr lang="en-GB" dirty="0" smtClean="0"/>
-              <a:t>Can cause over-fuelling</a:t>
-            </a:r>
-            <a:r>
-              <a:rPr lang="en-GB" baseline="0" dirty="0" smtClean="0"/>
-              <a:t> of the plasma which reduces fusion performance</a:t>
-            </a:r>
-            <a:endParaRPr lang="en-GB" dirty="0"/>
+            <a:endParaRPr lang="en-GB" dirty="0">
+              <a:latin typeface="Batang" panose="02030600000101010101" pitchFamily="18" charset="-127"/>
+              <a:ea typeface="Batang" panose="02030600000101010101" pitchFamily="18" charset="-127"/>
+            </a:endParaRPr>
           </a:p>
         </p:txBody>
       </p:sp>
@@ -1126,7 +1403,7 @@
           <a:p>
             <a:fld id="{6F31B685-21A3-4587-A005-9DD9EF7F13EA}" type="slidenum">
               <a:rPr lang="en-GB" smtClean="0"/>
-              <a:t>9</a:t>
+              <a:t>15</a:t>
             </a:fld>
             <a:endParaRPr lang="en-GB"/>
           </a:p>
@@ -1135,7 +1412,7 @@
     </p:spTree>
     <p:extLst>
       <p:ext uri="{BB962C8B-B14F-4D97-AF65-F5344CB8AC3E}">
-        <p14:creationId xmlns:p14="http://schemas.microsoft.com/office/powerpoint/2010/main" val="3131653472"/>
+        <p14:creationId xmlns:p14="http://schemas.microsoft.com/office/powerpoint/2010/main" val="955348718"/>
       </p:ext>
     </p:extLst>
   </p:cSld>
@@ -1194,20 +1471,81 @@
               <a:buChar char="•"/>
             </a:pPr>
             <a:r>
-              <a:rPr lang="en-GB" dirty="0" smtClean="0"/>
-              <a:t>Likely will need some small</a:t>
-            </a:r>
-            <a:r>
-              <a:rPr lang="en-GB" baseline="0" dirty="0" smtClean="0"/>
-              <a:t> ELMs to control core impurity levels </a:t>
+              <a:rPr lang="en-GB" dirty="0" smtClean="0">
+                <a:latin typeface="Batang" panose="02030600000101010101" pitchFamily="18" charset="-127"/>
+                <a:ea typeface="Batang" panose="02030600000101010101" pitchFamily="18" charset="-127"/>
+              </a:rPr>
+              <a:t>Complete suppression is ideal</a:t>
+            </a:r>
+          </a:p>
+          <a:p>
+            <a:pPr marL="171450" indent="-171450">
+              <a:buFont typeface="Arial" panose="020B0604020202020204" pitchFamily="34" charset="0"/>
+              <a:buChar char="•"/>
+            </a:pPr>
+            <a:r>
+              <a:rPr lang="en-GB" dirty="0" smtClean="0">
+                <a:latin typeface="Batang" panose="02030600000101010101" pitchFamily="18" charset="-127"/>
+                <a:ea typeface="Batang" panose="02030600000101010101" pitchFamily="18" charset="-127"/>
+              </a:rPr>
+              <a:t>Small perturbations disrupt toroidal</a:t>
             </a:r>
             <a:r>
               <a:rPr lang="en-GB" baseline="0" dirty="0" smtClean="0">
+                <a:latin typeface="Batang" panose="02030600000101010101" pitchFamily="18" charset="-127"/>
+                <a:ea typeface="Batang" panose="02030600000101010101" pitchFamily="18" charset="-127"/>
+              </a:rPr>
+              <a:t> symmetry</a:t>
+            </a:r>
+          </a:p>
+          <a:p>
+            <a:pPr marL="628650" lvl="1" indent="-171450">
+              <a:buFont typeface="Arial" panose="020B0604020202020204" pitchFamily="34" charset="0"/>
+              <a:buChar char="•"/>
+            </a:pPr>
+            <a:r>
+              <a:rPr lang="en-GB" baseline="0" dirty="0" smtClean="0">
+                <a:latin typeface="Batang" panose="02030600000101010101" pitchFamily="18" charset="-127"/>
+                <a:ea typeface="Batang" panose="02030600000101010101" pitchFamily="18" charset="-127"/>
+              </a:rPr>
+              <a:t>Divertor heat loads become non uniform </a:t>
+            </a:r>
+            <a:r>
+              <a:rPr lang="en-GB" baseline="0" dirty="0" smtClean="0">
+                <a:latin typeface="Batang" panose="02030600000101010101" pitchFamily="18" charset="-127"/>
+                <a:ea typeface="Batang" panose="02030600000101010101" pitchFamily="18" charset="-127"/>
                 <a:sym typeface="Wingdings" panose="05000000000000000000" pitchFamily="2" charset="2"/>
               </a:rPr>
-              <a:t> unless alternatives can be found to increase internal transport</a:t>
-            </a:r>
-            <a:endParaRPr lang="en-GB" dirty="0"/>
+              <a:t> perturbations must be varied around tokamak or mode number changed to even out this divertor degradation</a:t>
+            </a:r>
+          </a:p>
+          <a:p>
+            <a:pPr marL="171450" lvl="0" indent="-171450">
+              <a:buFont typeface="Arial" panose="020B0604020202020204" pitchFamily="34" charset="0"/>
+              <a:buChar char="•"/>
+            </a:pPr>
+            <a:r>
+              <a:rPr lang="en-GB" baseline="0" dirty="0" smtClean="0">
+                <a:latin typeface="Batang" panose="02030600000101010101" pitchFamily="18" charset="-127"/>
+                <a:ea typeface="Batang" panose="02030600000101010101" pitchFamily="18" charset="-127"/>
+                <a:sym typeface="Wingdings" panose="05000000000000000000" pitchFamily="2" charset="2"/>
+              </a:rPr>
+              <a:t>Not always achievable  Parameters for RMP success need to be calculated in ITER’s early operation</a:t>
+            </a:r>
+            <a:endParaRPr lang="en-GB" dirty="0" smtClean="0">
+              <a:latin typeface="Batang" panose="02030600000101010101" pitchFamily="18" charset="-127"/>
+              <a:ea typeface="Batang" panose="02030600000101010101" pitchFamily="18" charset="-127"/>
+            </a:endParaRPr>
+          </a:p>
+          <a:p>
+            <a:pPr marL="171450" indent="-171450">
+              <a:buFont typeface="Arial" panose="020B0604020202020204" pitchFamily="34" charset="0"/>
+              <a:buChar char="•"/>
+            </a:pPr>
+            <a:endParaRPr lang="en-GB" dirty="0">
+              <a:latin typeface="Batang" panose="02030600000101010101" pitchFamily="18" charset="-127"/>
+              <a:ea typeface="Batang" panose="02030600000101010101" pitchFamily="18" charset="-127"/>
+            </a:endParaRPr>
           </a:p>
         </p:txBody>
       </p:sp>
@@ -1228,7 +1566,7 @@
           <a:p>
             <a:fld id="{6F31B685-21A3-4587-A005-9DD9EF7F13EA}" type="slidenum">
               <a:rPr lang="en-GB" smtClean="0"/>
-              <a:t>10</a:t>
+              <a:t>16</a:t>
             </a:fld>
             <a:endParaRPr lang="en-GB"/>
           </a:p>
@@ -1237,7 +1575,7 @@
     </p:spTree>
     <p:extLst>
       <p:ext uri="{BB962C8B-B14F-4D97-AF65-F5344CB8AC3E}">
-        <p14:creationId xmlns:p14="http://schemas.microsoft.com/office/powerpoint/2010/main" val="414322479"/>
+        <p14:creationId xmlns:p14="http://schemas.microsoft.com/office/powerpoint/2010/main" val="955348718"/>
       </p:ext>
     </p:extLst>
   </p:cSld>
@@ -1309,8 +1647,11 @@
               <a:defRPr/>
             </a:pPr>
             <a:r>
-              <a:rPr lang="en-GB" dirty="0" smtClean="0"/>
-              <a:t>Sounds worth investigating, if not for ITER then at least for the next generation of tokamaks</a:t>
+              <a:rPr lang="en-GB" dirty="0" smtClean="0">
+                <a:latin typeface="Batang" panose="02030600000101010101" pitchFamily="18" charset="-127"/>
+                <a:ea typeface="Batang" panose="02030600000101010101" pitchFamily="18" charset="-127"/>
+              </a:rPr>
+              <a:t>Non-resonant effect so can be used at all times throughout at discharge </a:t>
             </a:r>
           </a:p>
           <a:p>
@@ -1332,22 +1673,130 @@
               <a:defRPr/>
             </a:pPr>
             <a:r>
+              <a:rPr lang="en-GB" dirty="0" smtClean="0">
+                <a:latin typeface="Batang" panose="02030600000101010101" pitchFamily="18" charset="-127"/>
+                <a:ea typeface="Batang" panose="02030600000101010101" pitchFamily="18" charset="-127"/>
+              </a:rPr>
+              <a:t>Thought to be caused</a:t>
+            </a:r>
+            <a:r>
+              <a:rPr lang="en-GB" baseline="0" dirty="0" smtClean="0">
+                <a:latin typeface="Batang" panose="02030600000101010101" pitchFamily="18" charset="-127"/>
+                <a:ea typeface="Batang" panose="02030600000101010101" pitchFamily="18" charset="-127"/>
+              </a:rPr>
+              <a:t> by ablation of pellet in pedestal region </a:t>
+            </a:r>
+            <a:r>
+              <a:rPr lang="en-GB" baseline="0" dirty="0" smtClean="0">
+                <a:latin typeface="Batang" panose="02030600000101010101" pitchFamily="18" charset="-127"/>
+                <a:ea typeface="Batang" panose="02030600000101010101" pitchFamily="18" charset="-127"/>
+                <a:sym typeface="Wingdings" panose="05000000000000000000" pitchFamily="2" charset="2"/>
+              </a:rPr>
+              <a:t> increasing local pressure above ballooning stability limit and provoking an ELM</a:t>
+            </a:r>
+            <a:endParaRPr lang="en-GB" dirty="0" smtClean="0">
+              <a:latin typeface="Batang" panose="02030600000101010101" pitchFamily="18" charset="-127"/>
+              <a:ea typeface="Batang" panose="02030600000101010101" pitchFamily="18" charset="-127"/>
+            </a:endParaRPr>
+          </a:p>
+          <a:p>
+            <a:pPr marL="171450" indent="-171450">
+              <a:buFont typeface="Arial" panose="020B0604020202020204" pitchFamily="34" charset="0"/>
+              <a:buChar char="•"/>
+            </a:pPr>
+            <a:r>
               <a:rPr lang="en-GB" dirty="0" smtClean="0"/>
-              <a:t>Control</a:t>
+              <a:t>Can cause over-fuelling</a:t>
             </a:r>
             <a:r>
               <a:rPr lang="en-GB" baseline="0" dirty="0" smtClean="0"/>
-              <a:t> techniques discussed don’t work in every scenario </a:t>
-            </a:r>
-            <a:r>
-              <a:rPr lang="en-GB" baseline="0" dirty="0" smtClean="0">
-                <a:sym typeface="Wingdings" panose="05000000000000000000" pitchFamily="2" charset="2"/>
-              </a:rPr>
-              <a:t> need something more robust</a:t>
-            </a:r>
-          </a:p>
-          <a:p>
-            <a:pPr marL="628650" marR="0" lvl="1" indent="-171450" algn="l" defTabSz="914400" rtl="0" eaLnBrk="1" fontAlgn="auto" latinLnBrk="0" hangingPunct="1">
+              <a:t> of the plasma which reduces fusion performance</a:t>
+            </a:r>
+            <a:endParaRPr lang="en-GB" dirty="0"/>
+          </a:p>
+        </p:txBody>
+      </p:sp>
+      <p:sp>
+        <p:nvSpPr>
+          <p:cNvPr id="4" name="Slide Number Placeholder 3"/>
+          <p:cNvSpPr>
+            <a:spLocks noGrp="1"/>
+          </p:cNvSpPr>
+          <p:nvPr>
+            <p:ph type="sldNum" sz="quarter" idx="10"/>
+          </p:nvPr>
+        </p:nvSpPr>
+        <p:spPr/>
+        <p:txBody>
+          <a:bodyPr/>
+          <a:lstStyle/>
+          <a:p>
+            <a:fld id="{6F31B685-21A3-4587-A005-9DD9EF7F13EA}" type="slidenum">
+              <a:rPr lang="en-GB" smtClean="0"/>
+              <a:t>17</a:t>
+            </a:fld>
+            <a:endParaRPr lang="en-GB"/>
+          </a:p>
+        </p:txBody>
+      </p:sp>
+    </p:spTree>
+    <p:extLst>
+      <p:ext uri="{BB962C8B-B14F-4D97-AF65-F5344CB8AC3E}">
+        <p14:creationId xmlns:p14="http://schemas.microsoft.com/office/powerpoint/2010/main" val="3131653472"/>
+      </p:ext>
+    </p:extLst>
+  </p:cSld>
+  <p:clrMapOvr>
+    <a:masterClrMapping/>
+  </p:clrMapOvr>
+</p:notes>
+</file>
+
+<file path=ppt/notesSlides/notesSlide9.xml><?xml version="1.0" encoding="utf-8"?>
+<p:notes xmlns:a="http://schemas.openxmlformats.org/drawingml/2006/main" xmlns:r="http://schemas.openxmlformats.org/officeDocument/2006/relationships" xmlns:p="http://schemas.openxmlformats.org/presentationml/2006/main">
+  <p:cSld>
+    <p:spTree>
+      <p:nvGrpSpPr>
+        <p:cNvPr id="1" name=""/>
+        <p:cNvGrpSpPr/>
+        <p:nvPr/>
+      </p:nvGrpSpPr>
+      <p:grpSpPr>
+        <a:xfrm>
+          <a:off x="0" y="0"/>
+          <a:ext cx="0" cy="0"/>
+          <a:chOff x="0" y="0"/>
+          <a:chExt cx="0" cy="0"/>
+        </a:xfrm>
+      </p:grpSpPr>
+      <p:sp>
+        <p:nvSpPr>
+          <p:cNvPr id="2" name="Slide Image Placeholder 1"/>
+          <p:cNvSpPr>
+            <a:spLocks noGrp="1" noRot="1" noChangeAspect="1"/>
+          </p:cNvSpPr>
+          <p:nvPr>
+            <p:ph type="sldImg"/>
+          </p:nvPr>
+        </p:nvSpPr>
+        <p:spPr/>
+      </p:sp>
+      <p:sp>
+        <p:nvSpPr>
+          <p:cNvPr id="3" name="Notes Placeholder 2"/>
+          <p:cNvSpPr>
+            <a:spLocks noGrp="1"/>
+          </p:cNvSpPr>
+          <p:nvPr>
+            <p:ph type="body" idx="1"/>
+          </p:nvPr>
+        </p:nvSpPr>
+        <p:spPr/>
+        <p:txBody>
+          <a:bodyPr/>
+          <a:lstStyle/>
+          <a:p>
+            <a:pPr marL="171450" marR="0" indent="-171450" algn="l" defTabSz="914400" rtl="0" eaLnBrk="1" fontAlgn="auto" latinLnBrk="0" hangingPunct="1">
               <a:lnSpc>
                 <a:spcPct val="100000"/>
               </a:lnSpc>
@@ -1365,18 +1814,71 @@
               <a:defRPr/>
             </a:pPr>
             <a:r>
+              <a:rPr lang="en-GB" dirty="0" smtClean="0">
+                <a:latin typeface="Batang" panose="02030600000101010101" pitchFamily="18" charset="-127"/>
+                <a:ea typeface="Batang" panose="02030600000101010101" pitchFamily="18" charset="-127"/>
+              </a:rPr>
+              <a:t>Non-resonant effect so can be used at all times throughout at discharge </a:t>
+            </a:r>
+          </a:p>
+          <a:p>
+            <a:pPr marL="171450" marR="0" indent="-171450" algn="l" defTabSz="914400" rtl="0" eaLnBrk="1" fontAlgn="auto" latinLnBrk="0" hangingPunct="1">
+              <a:lnSpc>
+                <a:spcPct val="100000"/>
+              </a:lnSpc>
+              <a:spcBef>
+                <a:spcPts val="0"/>
+              </a:spcBef>
+              <a:spcAft>
+                <a:spcPts val="0"/>
+              </a:spcAft>
+              <a:buClrTx/>
+              <a:buSzTx/>
+              <a:buFont typeface="Arial" panose="020B0604020202020204" pitchFamily="34" charset="0"/>
+              <a:buChar char="•"/>
+              <a:tabLst/>
+              <a:defRPr/>
+            </a:pPr>
+            <a:r>
+              <a:rPr lang="en-GB" dirty="0" smtClean="0">
+                <a:latin typeface="Batang" panose="02030600000101010101" pitchFamily="18" charset="-127"/>
+                <a:ea typeface="Batang" panose="02030600000101010101" pitchFamily="18" charset="-127"/>
+              </a:rPr>
+              <a:t>Thought to be caused</a:t>
+            </a:r>
+            <a:r>
               <a:rPr lang="en-GB" baseline="0" dirty="0" smtClean="0">
+                <a:latin typeface="Batang" panose="02030600000101010101" pitchFamily="18" charset="-127"/>
+                <a:ea typeface="Batang" panose="02030600000101010101" pitchFamily="18" charset="-127"/>
+              </a:rPr>
+              <a:t> by ablation of pellet in pedestal region </a:t>
+            </a:r>
+            <a:r>
+              <a:rPr lang="en-GB" baseline="0" dirty="0" smtClean="0">
+                <a:latin typeface="Batang" panose="02030600000101010101" pitchFamily="18" charset="-127"/>
+                <a:ea typeface="Batang" panose="02030600000101010101" pitchFamily="18" charset="-127"/>
                 <a:sym typeface="Wingdings" panose="05000000000000000000" pitchFamily="2" charset="2"/>
               </a:rPr>
-              <a:t>A new, more stable operating regime would be ideal for a fusion power plant</a:t>
-            </a:r>
-            <a:endParaRPr lang="en-GB" dirty="0" smtClean="0"/>
+              <a:t> increasing local pressure above ballooning stability limit and provoking an ELM</a:t>
+            </a:r>
+            <a:endParaRPr lang="en-GB" dirty="0" smtClean="0">
+              <a:latin typeface="Batang" panose="02030600000101010101" pitchFamily="18" charset="-127"/>
+              <a:ea typeface="Batang" panose="02030600000101010101" pitchFamily="18" charset="-127"/>
+            </a:endParaRPr>
           </a:p>
           <a:p>
             <a:pPr marL="171450" indent="-171450">
               <a:buFont typeface="Arial" panose="020B0604020202020204" pitchFamily="34" charset="0"/>
               <a:buChar char="•"/>
             </a:pPr>
+            <a:r>
+              <a:rPr lang="en-GB" dirty="0" smtClean="0"/>
+              <a:t>Can cause over-fuelling</a:t>
+            </a:r>
+            <a:r>
+              <a:rPr lang="en-GB" baseline="0" dirty="0" smtClean="0"/>
+              <a:t> of the plasma which reduces fusion performance</a:t>
+            </a:r>
             <a:endParaRPr lang="en-GB" dirty="0"/>
           </a:p>
         </p:txBody>
@@ -1398,7 +1900,7 @@
           <a:p>
             <a:fld id="{6F31B685-21A3-4587-A005-9DD9EF7F13EA}" type="slidenum">
               <a:rPr lang="en-GB" smtClean="0"/>
-              <a:t>11</a:t>
+              <a:t>18</a:t>
             </a:fld>
             <a:endParaRPr lang="en-GB"/>
           </a:p>
@@ -1407,7 +1909,7 @@
     </p:spTree>
     <p:extLst>
       <p:ext uri="{BB962C8B-B14F-4D97-AF65-F5344CB8AC3E}">
-        <p14:creationId xmlns:p14="http://schemas.microsoft.com/office/powerpoint/2010/main" val="2015765167"/>
+        <p14:creationId xmlns:p14="http://schemas.microsoft.com/office/powerpoint/2010/main" val="3131653472"/>
       </p:ext>
     </p:extLst>
   </p:cSld>
@@ -2842,6 +3344,3460 @@
           <a:chExt cx="0" cy="0"/>
         </a:xfrm>
       </p:grpSpPr>
+      <p:sp>
+        <p:nvSpPr>
+          <p:cNvPr id="2" name="Title 1"/>
+          <p:cNvSpPr>
+            <a:spLocks noGrp="1"/>
+          </p:cNvSpPr>
+          <p:nvPr>
+            <p:ph type="title"/>
+          </p:nvPr>
+        </p:nvSpPr>
+        <p:spPr>
+          <a:xfrm>
+            <a:off x="838200" y="0"/>
+            <a:ext cx="10515600" cy="1325563"/>
+          </a:xfrm>
+        </p:spPr>
+        <p:txBody>
+          <a:bodyPr/>
+          <a:lstStyle/>
+          <a:p>
+            <a:r>
+              <a:rPr lang="en-GB" sz="6000" dirty="0" smtClean="0"/>
+              <a:t>2. Problems ELMs cause</a:t>
+            </a:r>
+            <a:endParaRPr lang="en-GB" dirty="0"/>
+          </a:p>
+        </p:txBody>
+      </p:sp>
+      <p:pic>
+        <p:nvPicPr>
+          <p:cNvPr id="7" name="Content Placeholder 6"/>
+          <p:cNvPicPr>
+            <a:picLocks noGrp="1" noChangeAspect="1"/>
+          </p:cNvPicPr>
+          <p:nvPr>
+            <p:ph idx="1"/>
+          </p:nvPr>
+        </p:nvPicPr>
+        <p:blipFill>
+          <a:blip r:embed="rId2">
+            <a:extLst>
+              <a:ext uri="{28A0092B-C50C-407E-A947-70E740481C1C}">
+                <a14:useLocalDpi xmlns:a14="http://schemas.microsoft.com/office/drawing/2010/main" val="0"/>
+              </a:ext>
+            </a:extLst>
+          </a:blip>
+          <a:stretch>
+            <a:fillRect/>
+          </a:stretch>
+        </p:blipFill>
+        <p:spPr>
+          <a:xfrm>
+            <a:off x="2032041" y="1047749"/>
+            <a:ext cx="8127918" cy="5491163"/>
+          </a:xfrm>
+        </p:spPr>
+      </p:pic>
+      <p:sp>
+        <p:nvSpPr>
+          <p:cNvPr id="4" name="Date Placeholder 3"/>
+          <p:cNvSpPr>
+            <a:spLocks noGrp="1"/>
+          </p:cNvSpPr>
+          <p:nvPr>
+            <p:ph type="dt" sz="half" idx="10"/>
+          </p:nvPr>
+        </p:nvSpPr>
+        <p:spPr/>
+        <p:txBody>
+          <a:bodyPr/>
+          <a:lstStyle/>
+          <a:p>
+            <a:r>
+              <a:rPr lang="en-GB" smtClean="0"/>
+              <a:t>31/05/2016</a:t>
+            </a:r>
+            <a:endParaRPr lang="en-GB" dirty="0"/>
+          </a:p>
+        </p:txBody>
+      </p:sp>
+      <p:sp>
+        <p:nvSpPr>
+          <p:cNvPr id="5" name="Footer Placeholder 4"/>
+          <p:cNvSpPr>
+            <a:spLocks noGrp="1"/>
+          </p:cNvSpPr>
+          <p:nvPr>
+            <p:ph type="ftr" sz="quarter" idx="3"/>
+          </p:nvPr>
+        </p:nvSpPr>
+        <p:spPr>
+          <a:xfrm>
+            <a:off x="7912100" y="6343650"/>
+            <a:ext cx="4114800" cy="365125"/>
+          </a:xfrm>
+        </p:spPr>
+        <p:txBody>
+          <a:bodyPr/>
+          <a:lstStyle/>
+          <a:p>
+            <a:r>
+              <a:rPr lang="en-GB" smtClean="0"/>
+              <a:t>JOA509 – Frontiers of Fusion</a:t>
+            </a:r>
+            <a:endParaRPr lang="en-GB" dirty="0"/>
+          </a:p>
+        </p:txBody>
+      </p:sp>
+      <p:sp>
+        <p:nvSpPr>
+          <p:cNvPr id="6" name="Slide Number Placeholder 5"/>
+          <p:cNvSpPr>
+            <a:spLocks noGrp="1"/>
+          </p:cNvSpPr>
+          <p:nvPr>
+            <p:ph type="sldNum" sz="quarter" idx="12"/>
+          </p:nvPr>
+        </p:nvSpPr>
+        <p:spPr>
+          <a:xfrm>
+            <a:off x="4724400" y="6356350"/>
+            <a:ext cx="2743200" cy="365125"/>
+          </a:xfrm>
+        </p:spPr>
+        <p:txBody>
+          <a:bodyPr/>
+          <a:lstStyle/>
+          <a:p>
+            <a:fld id="{581BB28B-6C27-444C-B2E2-3960C28AE47A}" type="slidenum">
+              <a:rPr lang="en-GB" smtClean="0"/>
+              <a:t>10</a:t>
+            </a:fld>
+            <a:endParaRPr lang="en-GB" dirty="0"/>
+          </a:p>
+        </p:txBody>
+      </p:sp>
+      <p:sp>
+        <p:nvSpPr>
+          <p:cNvPr id="8" name="TextBox 7"/>
+          <p:cNvSpPr txBox="1"/>
+          <p:nvPr/>
+        </p:nvSpPr>
+        <p:spPr>
+          <a:xfrm>
+            <a:off x="2567455" y="1610018"/>
+            <a:ext cx="7100015" cy="3439239"/>
+          </a:xfrm>
+          <a:prstGeom prst="roundRect">
+            <a:avLst/>
+          </a:prstGeom>
+          <a:solidFill>
+            <a:schemeClr val="bg1">
+              <a:alpha val="94000"/>
+            </a:schemeClr>
+          </a:solidFill>
+        </p:spPr>
+        <p:txBody>
+          <a:bodyPr wrap="square" rtlCol="0">
+            <a:spAutoFit/>
+          </a:bodyPr>
+          <a:lstStyle/>
+          <a:p>
+            <a:pPr marL="457200" indent="-457200">
+              <a:buSzPct val="120000"/>
+              <a:buFont typeface="Wingdings" panose="05000000000000000000" pitchFamily="2" charset="2"/>
+              <a:buChar char="Ø"/>
+            </a:pPr>
+            <a:r>
+              <a:rPr lang="en-GB" sz="2800" dirty="0" smtClean="0">
+                <a:latin typeface="Baskerville Old Face" panose="02020602080505020303" pitchFamily="18" charset="0"/>
+              </a:rPr>
+              <a:t>Loss of confinement</a:t>
+            </a:r>
+          </a:p>
+          <a:p>
+            <a:pPr marL="457200" indent="-457200">
+              <a:buSzPct val="120000"/>
+              <a:buFont typeface="Wingdings" panose="05000000000000000000" pitchFamily="2" charset="2"/>
+              <a:buChar char="Ø"/>
+            </a:pPr>
+            <a:endParaRPr lang="en-GB" sz="2800" dirty="0" smtClean="0">
+              <a:latin typeface="Baskerville Old Face" panose="02020602080505020303" pitchFamily="18" charset="0"/>
+            </a:endParaRPr>
+          </a:p>
+          <a:p>
+            <a:pPr marL="457200" indent="-457200">
+              <a:buSzPct val="120000"/>
+              <a:buFont typeface="Wingdings" panose="05000000000000000000" pitchFamily="2" charset="2"/>
+              <a:buChar char="Ø"/>
+            </a:pPr>
+            <a:r>
+              <a:rPr lang="en-GB" sz="2800" dirty="0" smtClean="0">
+                <a:latin typeface="Baskerville Old Face" panose="02020602080505020303" pitchFamily="18" charset="0"/>
+              </a:rPr>
+              <a:t>High heat flux expelled from the plasma</a:t>
+            </a:r>
+          </a:p>
+          <a:p>
+            <a:pPr marL="914400" lvl="1" indent="-457200">
+              <a:buSzPct val="120000"/>
+              <a:buFont typeface="Wingdings" panose="05000000000000000000" pitchFamily="2" charset="2"/>
+              <a:buChar char="Ø"/>
+            </a:pPr>
+            <a:r>
+              <a:rPr lang="en-GB" sz="2800" dirty="0" smtClean="0">
+                <a:latin typeface="Baskerville Old Face" panose="02020602080505020303" pitchFamily="18" charset="0"/>
+              </a:rPr>
+              <a:t>Can cause critical damage to PFCs</a:t>
+            </a:r>
+          </a:p>
+          <a:p>
+            <a:pPr marL="457200" indent="-457200">
+              <a:buSzPct val="120000"/>
+              <a:buFont typeface="Wingdings" panose="05000000000000000000" pitchFamily="2" charset="2"/>
+              <a:buChar char="Ø"/>
+            </a:pPr>
+            <a:endParaRPr lang="en-GB" sz="2800" dirty="0">
+              <a:latin typeface="Baskerville Old Face" panose="02020602080505020303" pitchFamily="18" charset="0"/>
+            </a:endParaRPr>
+          </a:p>
+          <a:p>
+            <a:pPr marL="457200" indent="-457200">
+              <a:buSzPct val="120000"/>
+              <a:buFont typeface="Wingdings" panose="05000000000000000000" pitchFamily="2" charset="2"/>
+              <a:buChar char="Ø"/>
+            </a:pPr>
+            <a:r>
+              <a:rPr lang="en-GB" sz="2800" dirty="0" smtClean="0">
+                <a:latin typeface="Baskerville Old Face" panose="02020602080505020303" pitchFamily="18" charset="0"/>
+              </a:rPr>
+              <a:t>May destabilise core plasma modes</a:t>
+            </a:r>
+          </a:p>
+          <a:p>
+            <a:pPr marL="457200" indent="-457200">
+              <a:buSzPct val="120000"/>
+              <a:buFont typeface="Wingdings" panose="05000000000000000000" pitchFamily="2" charset="2"/>
+              <a:buChar char="Ø"/>
+            </a:pPr>
+            <a:endParaRPr lang="en-GB" sz="2800" dirty="0">
+              <a:latin typeface="Baskerville Old Face" panose="02020602080505020303" pitchFamily="18" charset="0"/>
+            </a:endParaRPr>
+          </a:p>
+        </p:txBody>
+      </p:sp>
+      <p:sp>
+        <p:nvSpPr>
+          <p:cNvPr id="3" name="Multiply 2"/>
+          <p:cNvSpPr/>
+          <p:nvPr/>
+        </p:nvSpPr>
+        <p:spPr>
+          <a:xfrm>
+            <a:off x="6190033" y="1549767"/>
+            <a:ext cx="1133341" cy="1159096"/>
+          </a:xfrm>
+          <a:prstGeom prst="mathMultiply">
+            <a:avLst/>
+          </a:prstGeom>
+          <a:solidFill>
+            <a:srgbClr val="FF0000"/>
+          </a:solidFill>
+          <a:ln>
+            <a:solidFill>
+              <a:srgbClr val="FF0000"/>
+            </a:solidFill>
+          </a:ln>
+        </p:spPr>
+        <p:style>
+          <a:lnRef idx="2">
+            <a:schemeClr val="accent1">
+              <a:shade val="50000"/>
+            </a:schemeClr>
+          </a:lnRef>
+          <a:fillRef idx="1">
+            <a:schemeClr val="accent1"/>
+          </a:fillRef>
+          <a:effectRef idx="0">
+            <a:schemeClr val="accent1"/>
+          </a:effectRef>
+          <a:fontRef idx="minor">
+            <a:schemeClr val="lt1"/>
+          </a:fontRef>
+        </p:style>
+        <p:txBody>
+          <a:bodyPr rtlCol="0" anchor="ctr"/>
+          <a:lstStyle/>
+          <a:p>
+            <a:pPr algn="ctr"/>
+            <a:endParaRPr lang="en-GB"/>
+          </a:p>
+        </p:txBody>
+      </p:sp>
+      <p:sp>
+        <p:nvSpPr>
+          <p:cNvPr id="9" name="Multiply 8"/>
+          <p:cNvSpPr/>
+          <p:nvPr/>
+        </p:nvSpPr>
+        <p:spPr>
+          <a:xfrm>
+            <a:off x="8758118" y="2468407"/>
+            <a:ext cx="1045336" cy="1026783"/>
+          </a:xfrm>
+          <a:prstGeom prst="mathMultiply">
+            <a:avLst/>
+          </a:prstGeom>
+          <a:solidFill>
+            <a:srgbClr val="FF0000"/>
+          </a:solidFill>
+          <a:ln>
+            <a:solidFill>
+              <a:srgbClr val="FF0000"/>
+            </a:solidFill>
+          </a:ln>
+        </p:spPr>
+        <p:style>
+          <a:lnRef idx="2">
+            <a:schemeClr val="accent1">
+              <a:shade val="50000"/>
+            </a:schemeClr>
+          </a:lnRef>
+          <a:fillRef idx="1">
+            <a:schemeClr val="accent1"/>
+          </a:fillRef>
+          <a:effectRef idx="0">
+            <a:schemeClr val="accent1"/>
+          </a:effectRef>
+          <a:fontRef idx="minor">
+            <a:schemeClr val="lt1"/>
+          </a:fontRef>
+        </p:style>
+        <p:txBody>
+          <a:bodyPr rtlCol="0" anchor="ctr"/>
+          <a:lstStyle/>
+          <a:p>
+            <a:pPr algn="ctr"/>
+            <a:endParaRPr lang="en-GB"/>
+          </a:p>
+        </p:txBody>
+      </p:sp>
+      <p:sp>
+        <p:nvSpPr>
+          <p:cNvPr id="10" name="Multiply 9"/>
+          <p:cNvSpPr/>
+          <p:nvPr/>
+        </p:nvSpPr>
+        <p:spPr>
+          <a:xfrm>
+            <a:off x="8168959" y="3683289"/>
+            <a:ext cx="1140855" cy="1075156"/>
+          </a:xfrm>
+          <a:prstGeom prst="mathMultiply">
+            <a:avLst/>
+          </a:prstGeom>
+          <a:solidFill>
+            <a:srgbClr val="FF0000"/>
+          </a:solidFill>
+          <a:ln>
+            <a:solidFill>
+              <a:srgbClr val="FF0000"/>
+            </a:solidFill>
+          </a:ln>
+        </p:spPr>
+        <p:style>
+          <a:lnRef idx="2">
+            <a:schemeClr val="accent1">
+              <a:shade val="50000"/>
+            </a:schemeClr>
+          </a:lnRef>
+          <a:fillRef idx="1">
+            <a:schemeClr val="accent1"/>
+          </a:fillRef>
+          <a:effectRef idx="0">
+            <a:schemeClr val="accent1"/>
+          </a:effectRef>
+          <a:fontRef idx="minor">
+            <a:schemeClr val="lt1"/>
+          </a:fontRef>
+        </p:style>
+        <p:txBody>
+          <a:bodyPr rtlCol="0" anchor="ctr"/>
+          <a:lstStyle/>
+          <a:p>
+            <a:pPr algn="ctr"/>
+            <a:endParaRPr lang="en-GB"/>
+          </a:p>
+        </p:txBody>
+      </p:sp>
+    </p:spTree>
+    <p:extLst>
+      <p:ext uri="{BB962C8B-B14F-4D97-AF65-F5344CB8AC3E}">
+        <p14:creationId xmlns:p14="http://schemas.microsoft.com/office/powerpoint/2010/main" val="1583338990"/>
+      </p:ext>
+    </p:extLst>
+  </p:cSld>
+  <p:clrMapOvr>
+    <a:masterClrMapping/>
+  </p:clrMapOvr>
+  <p:timing>
+    <p:tnLst>
+      <p:par>
+        <p:cTn id="1" dur="indefinite" restart="never" nodeType="tmRoot"/>
+      </p:par>
+    </p:tnLst>
+  </p:timing>
+</p:sld>
+</file>
+
+<file path=ppt/slides/slide11.xml><?xml version="1.0" encoding="utf-8"?>
+<p:sld xmlns:a="http://schemas.openxmlformats.org/drawingml/2006/main" xmlns:r="http://schemas.openxmlformats.org/officeDocument/2006/relationships" xmlns:p="http://schemas.openxmlformats.org/presentationml/2006/main">
+  <p:cSld>
+    <p:spTree>
+      <p:nvGrpSpPr>
+        <p:cNvPr id="1" name=""/>
+        <p:cNvGrpSpPr/>
+        <p:nvPr/>
+      </p:nvGrpSpPr>
+      <p:grpSpPr>
+        <a:xfrm>
+          <a:off x="0" y="0"/>
+          <a:ext cx="0" cy="0"/>
+          <a:chOff x="0" y="0"/>
+          <a:chExt cx="0" cy="0"/>
+        </a:xfrm>
+      </p:grpSpPr>
+      <p:sp>
+        <p:nvSpPr>
+          <p:cNvPr id="2" name="Title 1"/>
+          <p:cNvSpPr>
+            <a:spLocks noGrp="1"/>
+          </p:cNvSpPr>
+          <p:nvPr>
+            <p:ph type="title"/>
+          </p:nvPr>
+        </p:nvSpPr>
+        <p:spPr>
+          <a:xfrm>
+            <a:off x="838200" y="0"/>
+            <a:ext cx="10515600" cy="1325563"/>
+          </a:xfrm>
+        </p:spPr>
+        <p:txBody>
+          <a:bodyPr/>
+          <a:lstStyle/>
+          <a:p>
+            <a:r>
+              <a:rPr lang="en-GB" sz="6000" dirty="0" smtClean="0"/>
+              <a:t>2. Problems ELMs cause</a:t>
+            </a:r>
+            <a:endParaRPr lang="en-GB" dirty="0"/>
+          </a:p>
+        </p:txBody>
+      </p:sp>
+      <p:pic>
+        <p:nvPicPr>
+          <p:cNvPr id="7" name="Content Placeholder 6"/>
+          <p:cNvPicPr>
+            <a:picLocks noGrp="1" noChangeAspect="1"/>
+          </p:cNvPicPr>
+          <p:nvPr>
+            <p:ph idx="1"/>
+          </p:nvPr>
+        </p:nvPicPr>
+        <p:blipFill>
+          <a:blip r:embed="rId2">
+            <a:extLst>
+              <a:ext uri="{28A0092B-C50C-407E-A947-70E740481C1C}">
+                <a14:useLocalDpi xmlns:a14="http://schemas.microsoft.com/office/drawing/2010/main" val="0"/>
+              </a:ext>
+            </a:extLst>
+          </a:blip>
+          <a:stretch>
+            <a:fillRect/>
+          </a:stretch>
+        </p:blipFill>
+        <p:spPr>
+          <a:xfrm>
+            <a:off x="2032041" y="1047749"/>
+            <a:ext cx="8127918" cy="5491163"/>
+          </a:xfrm>
+        </p:spPr>
+      </p:pic>
+      <p:sp>
+        <p:nvSpPr>
+          <p:cNvPr id="4" name="Date Placeholder 3"/>
+          <p:cNvSpPr>
+            <a:spLocks noGrp="1"/>
+          </p:cNvSpPr>
+          <p:nvPr>
+            <p:ph type="dt" sz="half" idx="10"/>
+          </p:nvPr>
+        </p:nvSpPr>
+        <p:spPr/>
+        <p:txBody>
+          <a:bodyPr/>
+          <a:lstStyle/>
+          <a:p>
+            <a:r>
+              <a:rPr lang="en-GB" smtClean="0"/>
+              <a:t>31/05/2016</a:t>
+            </a:r>
+            <a:endParaRPr lang="en-GB" dirty="0"/>
+          </a:p>
+        </p:txBody>
+      </p:sp>
+      <p:sp>
+        <p:nvSpPr>
+          <p:cNvPr id="5" name="Footer Placeholder 4"/>
+          <p:cNvSpPr>
+            <a:spLocks noGrp="1"/>
+          </p:cNvSpPr>
+          <p:nvPr>
+            <p:ph type="ftr" sz="quarter" idx="3"/>
+          </p:nvPr>
+        </p:nvSpPr>
+        <p:spPr>
+          <a:xfrm>
+            <a:off x="7912100" y="6343650"/>
+            <a:ext cx="4114800" cy="365125"/>
+          </a:xfrm>
+        </p:spPr>
+        <p:txBody>
+          <a:bodyPr/>
+          <a:lstStyle/>
+          <a:p>
+            <a:r>
+              <a:rPr lang="en-GB" smtClean="0"/>
+              <a:t>JOA509 – Frontiers of Fusion</a:t>
+            </a:r>
+            <a:endParaRPr lang="en-GB" dirty="0"/>
+          </a:p>
+        </p:txBody>
+      </p:sp>
+      <p:sp>
+        <p:nvSpPr>
+          <p:cNvPr id="6" name="Slide Number Placeholder 5"/>
+          <p:cNvSpPr>
+            <a:spLocks noGrp="1"/>
+          </p:cNvSpPr>
+          <p:nvPr>
+            <p:ph type="sldNum" sz="quarter" idx="12"/>
+          </p:nvPr>
+        </p:nvSpPr>
+        <p:spPr>
+          <a:xfrm>
+            <a:off x="4724400" y="6356350"/>
+            <a:ext cx="2743200" cy="365125"/>
+          </a:xfrm>
+        </p:spPr>
+        <p:txBody>
+          <a:bodyPr/>
+          <a:lstStyle/>
+          <a:p>
+            <a:fld id="{581BB28B-6C27-444C-B2E2-3960C28AE47A}" type="slidenum">
+              <a:rPr lang="en-GB" smtClean="0"/>
+              <a:t>11</a:t>
+            </a:fld>
+            <a:endParaRPr lang="en-GB" dirty="0"/>
+          </a:p>
+        </p:txBody>
+      </p:sp>
+      <p:sp>
+        <p:nvSpPr>
+          <p:cNvPr id="8" name="TextBox 7"/>
+          <p:cNvSpPr txBox="1"/>
+          <p:nvPr/>
+        </p:nvSpPr>
+        <p:spPr>
+          <a:xfrm>
+            <a:off x="2567455" y="1610018"/>
+            <a:ext cx="7100015" cy="4392692"/>
+          </a:xfrm>
+          <a:prstGeom prst="roundRect">
+            <a:avLst/>
+          </a:prstGeom>
+          <a:solidFill>
+            <a:schemeClr val="bg1">
+              <a:alpha val="94000"/>
+            </a:schemeClr>
+          </a:solidFill>
+        </p:spPr>
+        <p:txBody>
+          <a:bodyPr wrap="square" rtlCol="0">
+            <a:spAutoFit/>
+          </a:bodyPr>
+          <a:lstStyle/>
+          <a:p>
+            <a:pPr marL="457200" indent="-457200">
+              <a:buSzPct val="120000"/>
+              <a:buFont typeface="Wingdings" panose="05000000000000000000" pitchFamily="2" charset="2"/>
+              <a:buChar char="Ø"/>
+            </a:pPr>
+            <a:r>
+              <a:rPr lang="en-GB" sz="2800" dirty="0" smtClean="0">
+                <a:latin typeface="Baskerville Old Face" panose="02020602080505020303" pitchFamily="18" charset="0"/>
+              </a:rPr>
+              <a:t>Loss of confinement</a:t>
+            </a:r>
+          </a:p>
+          <a:p>
+            <a:pPr marL="457200" indent="-457200">
+              <a:buSzPct val="120000"/>
+              <a:buFont typeface="Wingdings" panose="05000000000000000000" pitchFamily="2" charset="2"/>
+              <a:buChar char="Ø"/>
+            </a:pPr>
+            <a:endParaRPr lang="en-GB" sz="2800" dirty="0" smtClean="0">
+              <a:latin typeface="Baskerville Old Face" panose="02020602080505020303" pitchFamily="18" charset="0"/>
+            </a:endParaRPr>
+          </a:p>
+          <a:p>
+            <a:pPr marL="457200" indent="-457200">
+              <a:buSzPct val="120000"/>
+              <a:buFont typeface="Wingdings" panose="05000000000000000000" pitchFamily="2" charset="2"/>
+              <a:buChar char="Ø"/>
+            </a:pPr>
+            <a:r>
+              <a:rPr lang="en-GB" sz="2800" dirty="0" smtClean="0">
+                <a:latin typeface="Baskerville Old Face" panose="02020602080505020303" pitchFamily="18" charset="0"/>
+              </a:rPr>
+              <a:t>High heat flux expelled from the plasma</a:t>
+            </a:r>
+          </a:p>
+          <a:p>
+            <a:pPr marL="914400" lvl="1" indent="-457200">
+              <a:buSzPct val="120000"/>
+              <a:buFont typeface="Wingdings" panose="05000000000000000000" pitchFamily="2" charset="2"/>
+              <a:buChar char="Ø"/>
+            </a:pPr>
+            <a:r>
+              <a:rPr lang="en-GB" sz="2800" dirty="0" smtClean="0">
+                <a:latin typeface="Baskerville Old Face" panose="02020602080505020303" pitchFamily="18" charset="0"/>
+              </a:rPr>
+              <a:t>Can cause critical damage to PFCs</a:t>
+            </a:r>
+          </a:p>
+          <a:p>
+            <a:pPr marL="457200" indent="-457200">
+              <a:buSzPct val="120000"/>
+              <a:buFont typeface="Wingdings" panose="05000000000000000000" pitchFamily="2" charset="2"/>
+              <a:buChar char="Ø"/>
+            </a:pPr>
+            <a:endParaRPr lang="en-GB" sz="2800" dirty="0">
+              <a:latin typeface="Baskerville Old Face" panose="02020602080505020303" pitchFamily="18" charset="0"/>
+            </a:endParaRPr>
+          </a:p>
+          <a:p>
+            <a:pPr marL="457200" indent="-457200">
+              <a:buSzPct val="120000"/>
+              <a:buFont typeface="Wingdings" panose="05000000000000000000" pitchFamily="2" charset="2"/>
+              <a:buChar char="Ø"/>
+            </a:pPr>
+            <a:r>
+              <a:rPr lang="en-GB" sz="2800" dirty="0" smtClean="0">
+                <a:latin typeface="Baskerville Old Face" panose="02020602080505020303" pitchFamily="18" charset="0"/>
+              </a:rPr>
+              <a:t>May destabilise core plasma modes</a:t>
+            </a:r>
+          </a:p>
+          <a:p>
+            <a:pPr marL="457200" indent="-457200">
+              <a:buSzPct val="120000"/>
+              <a:buFont typeface="Wingdings" panose="05000000000000000000" pitchFamily="2" charset="2"/>
+              <a:buChar char="Ø"/>
+            </a:pPr>
+            <a:endParaRPr lang="en-GB" sz="2800" dirty="0">
+              <a:latin typeface="Baskerville Old Face" panose="02020602080505020303" pitchFamily="18" charset="0"/>
+            </a:endParaRPr>
+          </a:p>
+          <a:p>
+            <a:pPr marL="457200" indent="-457200">
+              <a:buSzPct val="120000"/>
+              <a:buFont typeface="Wingdings" panose="05000000000000000000" pitchFamily="2" charset="2"/>
+              <a:buChar char="Ø"/>
+            </a:pPr>
+            <a:r>
+              <a:rPr lang="en-GB" sz="2800" dirty="0" smtClean="0">
+                <a:latin typeface="Baskerville Old Face" panose="02020602080505020303" pitchFamily="18" charset="0"/>
+              </a:rPr>
+              <a:t>However they reduce plasma impurity levels </a:t>
+            </a:r>
+            <a:endParaRPr lang="en-GB" sz="2800" dirty="0">
+              <a:latin typeface="Baskerville Old Face" panose="02020602080505020303" pitchFamily="18" charset="0"/>
+            </a:endParaRPr>
+          </a:p>
+        </p:txBody>
+      </p:sp>
+      <p:sp>
+        <p:nvSpPr>
+          <p:cNvPr id="3" name="Multiply 2"/>
+          <p:cNvSpPr/>
+          <p:nvPr/>
+        </p:nvSpPr>
+        <p:spPr>
+          <a:xfrm>
+            <a:off x="6190033" y="1549767"/>
+            <a:ext cx="1133341" cy="1159096"/>
+          </a:xfrm>
+          <a:prstGeom prst="mathMultiply">
+            <a:avLst/>
+          </a:prstGeom>
+          <a:solidFill>
+            <a:srgbClr val="FF0000"/>
+          </a:solidFill>
+          <a:ln>
+            <a:solidFill>
+              <a:srgbClr val="FF0000"/>
+            </a:solidFill>
+          </a:ln>
+        </p:spPr>
+        <p:style>
+          <a:lnRef idx="2">
+            <a:schemeClr val="accent1">
+              <a:shade val="50000"/>
+            </a:schemeClr>
+          </a:lnRef>
+          <a:fillRef idx="1">
+            <a:schemeClr val="accent1"/>
+          </a:fillRef>
+          <a:effectRef idx="0">
+            <a:schemeClr val="accent1"/>
+          </a:effectRef>
+          <a:fontRef idx="minor">
+            <a:schemeClr val="lt1"/>
+          </a:fontRef>
+        </p:style>
+        <p:txBody>
+          <a:bodyPr rtlCol="0" anchor="ctr"/>
+          <a:lstStyle/>
+          <a:p>
+            <a:pPr algn="ctr"/>
+            <a:endParaRPr lang="en-GB"/>
+          </a:p>
+        </p:txBody>
+      </p:sp>
+      <p:sp>
+        <p:nvSpPr>
+          <p:cNvPr id="9" name="Multiply 8"/>
+          <p:cNvSpPr/>
+          <p:nvPr/>
+        </p:nvSpPr>
+        <p:spPr>
+          <a:xfrm>
+            <a:off x="8758118" y="2468407"/>
+            <a:ext cx="1045336" cy="1026783"/>
+          </a:xfrm>
+          <a:prstGeom prst="mathMultiply">
+            <a:avLst/>
+          </a:prstGeom>
+          <a:solidFill>
+            <a:srgbClr val="FF0000"/>
+          </a:solidFill>
+          <a:ln>
+            <a:solidFill>
+              <a:srgbClr val="FF0000"/>
+            </a:solidFill>
+          </a:ln>
+        </p:spPr>
+        <p:style>
+          <a:lnRef idx="2">
+            <a:schemeClr val="accent1">
+              <a:shade val="50000"/>
+            </a:schemeClr>
+          </a:lnRef>
+          <a:fillRef idx="1">
+            <a:schemeClr val="accent1"/>
+          </a:fillRef>
+          <a:effectRef idx="0">
+            <a:schemeClr val="accent1"/>
+          </a:effectRef>
+          <a:fontRef idx="minor">
+            <a:schemeClr val="lt1"/>
+          </a:fontRef>
+        </p:style>
+        <p:txBody>
+          <a:bodyPr rtlCol="0" anchor="ctr"/>
+          <a:lstStyle/>
+          <a:p>
+            <a:pPr algn="ctr"/>
+            <a:endParaRPr lang="en-GB"/>
+          </a:p>
+        </p:txBody>
+      </p:sp>
+      <p:sp>
+        <p:nvSpPr>
+          <p:cNvPr id="10" name="Multiply 9"/>
+          <p:cNvSpPr/>
+          <p:nvPr/>
+        </p:nvSpPr>
+        <p:spPr>
+          <a:xfrm>
+            <a:off x="8168959" y="3683289"/>
+            <a:ext cx="1140855" cy="1075156"/>
+          </a:xfrm>
+          <a:prstGeom prst="mathMultiply">
+            <a:avLst/>
+          </a:prstGeom>
+          <a:solidFill>
+            <a:srgbClr val="FF0000"/>
+          </a:solidFill>
+          <a:ln>
+            <a:solidFill>
+              <a:srgbClr val="FF0000"/>
+            </a:solidFill>
+          </a:ln>
+        </p:spPr>
+        <p:style>
+          <a:lnRef idx="2">
+            <a:schemeClr val="accent1">
+              <a:shade val="50000"/>
+            </a:schemeClr>
+          </a:lnRef>
+          <a:fillRef idx="1">
+            <a:schemeClr val="accent1"/>
+          </a:fillRef>
+          <a:effectRef idx="0">
+            <a:schemeClr val="accent1"/>
+          </a:effectRef>
+          <a:fontRef idx="minor">
+            <a:schemeClr val="lt1"/>
+          </a:fontRef>
+        </p:style>
+        <p:txBody>
+          <a:bodyPr rtlCol="0" anchor="ctr"/>
+          <a:lstStyle/>
+          <a:p>
+            <a:pPr algn="ctr"/>
+            <a:endParaRPr lang="en-GB"/>
+          </a:p>
+        </p:txBody>
+      </p:sp>
+      <p:pic>
+        <p:nvPicPr>
+          <p:cNvPr id="4098" name="Picture 2" descr="https://upload.wikimedia.org/wikipedia/commons/thumb/e/e5/Green_tick_pointed.svg/1024px-Green_tick_pointed.svg.png"/>
+          <p:cNvPicPr>
+            <a:picLocks noChangeAspect="1" noChangeArrowheads="1"/>
+          </p:cNvPicPr>
+          <p:nvPr/>
+        </p:nvPicPr>
+        <p:blipFill>
+          <a:blip r:embed="rId3" cstate="print">
+            <a:extLst>
+              <a:ext uri="{28A0092B-C50C-407E-A947-70E740481C1C}">
+                <a14:useLocalDpi xmlns:a14="http://schemas.microsoft.com/office/drawing/2010/main" val="0"/>
+              </a:ext>
+            </a:extLst>
+          </a:blip>
+          <a:srcRect/>
+          <a:stretch>
+            <a:fillRect/>
+          </a:stretch>
+        </p:blipFill>
+        <p:spPr bwMode="auto">
+          <a:xfrm>
+            <a:off x="8122015" y="4978399"/>
+            <a:ext cx="893681" cy="893681"/>
+          </a:xfrm>
+          <a:prstGeom prst="rect">
+            <a:avLst/>
+          </a:prstGeom>
+          <a:noFill/>
+          <a:extLst>
+            <a:ext uri="{909E8E84-426E-40DD-AFC4-6F175D3DCCD1}">
+              <a14:hiddenFill xmlns:a14="http://schemas.microsoft.com/office/drawing/2010/main">
+                <a:solidFill>
+                  <a:srgbClr val="FFFFFF"/>
+                </a:solidFill>
+              </a14:hiddenFill>
+            </a:ext>
+          </a:extLst>
+        </p:spPr>
+      </p:pic>
+    </p:spTree>
+    <p:extLst>
+      <p:ext uri="{BB962C8B-B14F-4D97-AF65-F5344CB8AC3E}">
+        <p14:creationId xmlns:p14="http://schemas.microsoft.com/office/powerpoint/2010/main" val="1012859619"/>
+      </p:ext>
+    </p:extLst>
+  </p:cSld>
+  <p:clrMapOvr>
+    <a:masterClrMapping/>
+  </p:clrMapOvr>
+  <p:timing>
+    <p:tnLst>
+      <p:par>
+        <p:cTn id="1" dur="indefinite" restart="never" nodeType="tmRoot"/>
+      </p:par>
+    </p:tnLst>
+  </p:timing>
+</p:sld>
+</file>
+
+<file path=ppt/slides/slide12.xml><?xml version="1.0" encoding="utf-8"?>
+<p:sld xmlns:a="http://schemas.openxmlformats.org/drawingml/2006/main" xmlns:r="http://schemas.openxmlformats.org/officeDocument/2006/relationships" xmlns:p="http://schemas.openxmlformats.org/presentationml/2006/main">
+  <p:cSld>
+    <p:spTree>
+      <p:nvGrpSpPr>
+        <p:cNvPr id="1" name=""/>
+        <p:cNvGrpSpPr/>
+        <p:nvPr/>
+      </p:nvGrpSpPr>
+      <p:grpSpPr>
+        <a:xfrm>
+          <a:off x="0" y="0"/>
+          <a:ext cx="0" cy="0"/>
+          <a:chOff x="0" y="0"/>
+          <a:chExt cx="0" cy="0"/>
+        </a:xfrm>
+      </p:grpSpPr>
+      <p:sp>
+        <p:nvSpPr>
+          <p:cNvPr id="2" name="Title 1"/>
+          <p:cNvSpPr>
+            <a:spLocks noGrp="1"/>
+          </p:cNvSpPr>
+          <p:nvPr>
+            <p:ph type="title"/>
+          </p:nvPr>
+        </p:nvSpPr>
+        <p:spPr/>
+        <p:txBody>
+          <a:bodyPr/>
+          <a:lstStyle/>
+          <a:p>
+            <a:r>
+              <a:rPr lang="en-GB" dirty="0" smtClean="0"/>
+              <a:t>2. ITER’s requirements</a:t>
+            </a:r>
+            <a:endParaRPr lang="en-GB" dirty="0"/>
+          </a:p>
+        </p:txBody>
+      </p:sp>
+      <p:sp>
+        <p:nvSpPr>
+          <p:cNvPr id="3" name="Content Placeholder 2"/>
+          <p:cNvSpPr>
+            <a:spLocks noGrp="1"/>
+          </p:cNvSpPr>
+          <p:nvPr>
+            <p:ph idx="1"/>
+          </p:nvPr>
+        </p:nvSpPr>
+        <p:spPr>
+          <a:xfrm>
+            <a:off x="838200" y="1520824"/>
+            <a:ext cx="6629400" cy="4879975"/>
+          </a:xfrm>
+        </p:spPr>
+        <p:txBody>
+          <a:bodyPr>
+            <a:normAutofit/>
+          </a:bodyPr>
+          <a:lstStyle/>
+          <a:p>
+            <a:r>
+              <a:rPr lang="en-GB" dirty="0" smtClean="0"/>
+              <a:t>Natural ELMs on ITER could release up to 20 MJ</a:t>
+            </a:r>
+          </a:p>
+          <a:p>
+            <a:pPr lvl="3"/>
+            <a:endParaRPr lang="en-GB" dirty="0" smtClean="0"/>
+          </a:p>
+          <a:p>
+            <a:pPr lvl="1"/>
+            <a:r>
+              <a:rPr lang="en-GB" b="1" dirty="0" smtClean="0"/>
+              <a:t>The first wall can tolerate &lt; 1 MJ eruptions</a:t>
+            </a:r>
+          </a:p>
+          <a:p>
+            <a:pPr lvl="1"/>
+            <a:endParaRPr lang="en-GB" b="1" dirty="0" smtClean="0"/>
+          </a:p>
+          <a:p>
+            <a:endParaRPr lang="en-GB" dirty="0"/>
+          </a:p>
+          <a:p>
+            <a:r>
+              <a:rPr lang="en-GB" dirty="0" smtClean="0"/>
+              <a:t>Target operation: 15 MA</a:t>
+            </a:r>
+          </a:p>
+          <a:p>
+            <a:pPr lvl="1"/>
+            <a:r>
+              <a:rPr lang="en-GB" dirty="0" smtClean="0"/>
+              <a:t>AT LEAST need a sustained </a:t>
+            </a:r>
+            <a:r>
+              <a:rPr lang="en-GB" b="1" dirty="0" smtClean="0"/>
+              <a:t>&gt;40 </a:t>
+            </a:r>
+            <a:r>
+              <a:rPr lang="en-GB" dirty="0" smtClean="0"/>
+              <a:t>times </a:t>
+            </a:r>
+            <a:r>
+              <a:rPr lang="en-GB" b="1" dirty="0" err="1" smtClean="0"/>
+              <a:t>f</a:t>
+            </a:r>
+            <a:r>
+              <a:rPr lang="en-GB" b="1" baseline="-25000" dirty="0" err="1" smtClean="0"/>
+              <a:t>ELM</a:t>
+            </a:r>
+            <a:r>
+              <a:rPr lang="en-GB" dirty="0" smtClean="0"/>
+              <a:t> increase</a:t>
+            </a:r>
+            <a:endParaRPr lang="en-GB" dirty="0"/>
+          </a:p>
+        </p:txBody>
+      </p:sp>
+      <p:sp>
+        <p:nvSpPr>
+          <p:cNvPr id="4" name="Date Placeholder 3"/>
+          <p:cNvSpPr>
+            <a:spLocks noGrp="1"/>
+          </p:cNvSpPr>
+          <p:nvPr>
+            <p:ph type="dt" sz="half" idx="10"/>
+          </p:nvPr>
+        </p:nvSpPr>
+        <p:spPr/>
+        <p:txBody>
+          <a:bodyPr/>
+          <a:lstStyle/>
+          <a:p>
+            <a:r>
+              <a:rPr lang="en-GB" dirty="0" smtClean="0"/>
+              <a:t>31/05/2016</a:t>
+            </a:r>
+            <a:endParaRPr lang="en-GB" dirty="0"/>
+          </a:p>
+        </p:txBody>
+      </p:sp>
+      <p:sp>
+        <p:nvSpPr>
+          <p:cNvPr id="5" name="Footer Placeholder 4"/>
+          <p:cNvSpPr>
+            <a:spLocks noGrp="1"/>
+          </p:cNvSpPr>
+          <p:nvPr>
+            <p:ph type="ftr" sz="quarter" idx="3"/>
+          </p:nvPr>
+        </p:nvSpPr>
+        <p:spPr>
+          <a:xfrm>
+            <a:off x="7912100" y="6343650"/>
+            <a:ext cx="4114800" cy="365125"/>
+          </a:xfrm>
+        </p:spPr>
+        <p:txBody>
+          <a:bodyPr/>
+          <a:lstStyle/>
+          <a:p>
+            <a:r>
+              <a:rPr lang="en-GB" smtClean="0"/>
+              <a:t>JOA509 – Frontiers of Fusion</a:t>
+            </a:r>
+            <a:endParaRPr lang="en-GB" dirty="0"/>
+          </a:p>
+        </p:txBody>
+      </p:sp>
+      <p:sp>
+        <p:nvSpPr>
+          <p:cNvPr id="6" name="Slide Number Placeholder 5"/>
+          <p:cNvSpPr>
+            <a:spLocks noGrp="1"/>
+          </p:cNvSpPr>
+          <p:nvPr>
+            <p:ph type="sldNum" sz="quarter" idx="12"/>
+          </p:nvPr>
+        </p:nvSpPr>
+        <p:spPr>
+          <a:xfrm>
+            <a:off x="4724400" y="6356350"/>
+            <a:ext cx="2743200" cy="365125"/>
+          </a:xfrm>
+        </p:spPr>
+        <p:txBody>
+          <a:bodyPr/>
+          <a:lstStyle/>
+          <a:p>
+            <a:fld id="{581BB28B-6C27-444C-B2E2-3960C28AE47A}" type="slidenum">
+              <a:rPr lang="en-GB" smtClean="0"/>
+              <a:t>12</a:t>
+            </a:fld>
+            <a:endParaRPr lang="en-GB" dirty="0"/>
+          </a:p>
+        </p:txBody>
+      </p:sp>
+      <p:pic>
+        <p:nvPicPr>
+          <p:cNvPr id="1026" name="Picture 2" descr="C:\Users\joe\Documents\GitHub\FFessay\Latex_documents\Figures\FreqEnhance.PNG"/>
+          <p:cNvPicPr>
+            <a:picLocks noChangeAspect="1" noChangeArrowheads="1"/>
+          </p:cNvPicPr>
+          <p:nvPr/>
+        </p:nvPicPr>
+        <p:blipFill>
+          <a:blip r:embed="rId2">
+            <a:extLst>
+              <a:ext uri="{28A0092B-C50C-407E-A947-70E740481C1C}">
+                <a14:useLocalDpi xmlns:a14="http://schemas.microsoft.com/office/drawing/2010/main" val="0"/>
+              </a:ext>
+            </a:extLst>
+          </a:blip>
+          <a:srcRect/>
+          <a:stretch>
+            <a:fillRect/>
+          </a:stretch>
+        </p:blipFill>
+        <p:spPr bwMode="auto">
+          <a:xfrm>
+            <a:off x="7629525" y="1538288"/>
+            <a:ext cx="3806574" cy="4138612"/>
+          </a:xfrm>
+          <a:prstGeom prst="rect">
+            <a:avLst/>
+          </a:prstGeom>
+          <a:noFill/>
+          <a:extLst>
+            <a:ext uri="{909E8E84-426E-40DD-AFC4-6F175D3DCCD1}">
+              <a14:hiddenFill xmlns:a14="http://schemas.microsoft.com/office/drawing/2010/main">
+                <a:solidFill>
+                  <a:srgbClr val="FFFFFF"/>
+                </a:solidFill>
+              </a14:hiddenFill>
+            </a:ext>
+          </a:extLst>
+        </p:spPr>
+      </p:pic>
+      <p:sp>
+        <p:nvSpPr>
+          <p:cNvPr id="7" name="TextBox 6"/>
+          <p:cNvSpPr txBox="1"/>
+          <p:nvPr/>
+        </p:nvSpPr>
+        <p:spPr>
+          <a:xfrm>
+            <a:off x="7629525" y="5676900"/>
+            <a:ext cx="3806574" cy="338554"/>
+          </a:xfrm>
+          <a:prstGeom prst="rect">
+            <a:avLst/>
+          </a:prstGeom>
+          <a:noFill/>
+        </p:spPr>
+        <p:txBody>
+          <a:bodyPr wrap="square" rtlCol="0">
+            <a:spAutoFit/>
+          </a:bodyPr>
+          <a:lstStyle/>
+          <a:p>
+            <a:r>
+              <a:rPr lang="en-GB" sz="1600" dirty="0">
+                <a:latin typeface="Batang" panose="02030600000101010101" pitchFamily="18" charset="-127"/>
+                <a:ea typeface="Batang" panose="02030600000101010101" pitchFamily="18" charset="-127"/>
+              </a:rPr>
+              <a:t>A. Kirk </a:t>
+            </a:r>
+            <a:r>
+              <a:rPr lang="en-GB" sz="1600" dirty="0" smtClean="0">
+                <a:latin typeface="Batang" panose="02030600000101010101" pitchFamily="18" charset="-127"/>
+                <a:ea typeface="Batang" panose="02030600000101010101" pitchFamily="18" charset="-127"/>
+              </a:rPr>
+              <a:t>Phys. Rev. Lett. </a:t>
+            </a:r>
+            <a:r>
+              <a:rPr lang="en-GB" sz="1600" dirty="0">
+                <a:latin typeface="Batang" panose="02030600000101010101" pitchFamily="18" charset="-127"/>
+                <a:ea typeface="Batang" panose="02030600000101010101" pitchFamily="18" charset="-127"/>
+              </a:rPr>
+              <a:t>108.25 </a:t>
+            </a:r>
+            <a:r>
+              <a:rPr lang="en-GB" sz="1600" dirty="0" smtClean="0">
+                <a:latin typeface="Batang" panose="02030600000101010101" pitchFamily="18" charset="-127"/>
+                <a:ea typeface="Batang" panose="02030600000101010101" pitchFamily="18" charset="-127"/>
+              </a:rPr>
+              <a:t>2013</a:t>
+            </a:r>
+            <a:endParaRPr lang="en-GB" sz="1600" dirty="0">
+              <a:latin typeface="Batang" panose="02030600000101010101" pitchFamily="18" charset="-127"/>
+              <a:ea typeface="Batang" panose="02030600000101010101" pitchFamily="18" charset="-127"/>
+            </a:endParaRPr>
+          </a:p>
+        </p:txBody>
+      </p:sp>
+      <p:sp>
+        <p:nvSpPr>
+          <p:cNvPr id="8" name="Rectangle 7"/>
+          <p:cNvSpPr/>
+          <p:nvPr/>
+        </p:nvSpPr>
+        <p:spPr>
+          <a:xfrm>
+            <a:off x="1249250" y="2537237"/>
+            <a:ext cx="5743977" cy="702205"/>
+          </a:xfrm>
+          <a:prstGeom prst="rect">
+            <a:avLst/>
+          </a:prstGeom>
+          <a:noFill/>
+          <a:ln w="101600">
+            <a:solidFill>
+              <a:srgbClr val="FF0000"/>
+            </a:solidFill>
+          </a:ln>
+        </p:spPr>
+        <p:style>
+          <a:lnRef idx="2">
+            <a:schemeClr val="accent1">
+              <a:shade val="50000"/>
+            </a:schemeClr>
+          </a:lnRef>
+          <a:fillRef idx="1">
+            <a:schemeClr val="accent1"/>
+          </a:fillRef>
+          <a:effectRef idx="0">
+            <a:schemeClr val="accent1"/>
+          </a:effectRef>
+          <a:fontRef idx="minor">
+            <a:schemeClr val="lt1"/>
+          </a:fontRef>
+        </p:style>
+        <p:txBody>
+          <a:bodyPr rtlCol="0" anchor="ctr"/>
+          <a:lstStyle/>
+          <a:p>
+            <a:pPr algn="ctr"/>
+            <a:endParaRPr lang="en-GB"/>
+          </a:p>
+        </p:txBody>
+      </p:sp>
+    </p:spTree>
+    <p:extLst>
+      <p:ext uri="{BB962C8B-B14F-4D97-AF65-F5344CB8AC3E}">
+        <p14:creationId xmlns:p14="http://schemas.microsoft.com/office/powerpoint/2010/main" val="1207119539"/>
+      </p:ext>
+    </p:extLst>
+  </p:cSld>
+  <p:clrMapOvr>
+    <a:masterClrMapping/>
+  </p:clrMapOvr>
+  <p:timing>
+    <p:tnLst>
+      <p:par>
+        <p:cTn id="1" dur="indefinite" restart="never" nodeType="tmRoot"/>
+      </p:par>
+    </p:tnLst>
+  </p:timing>
+</p:sld>
+</file>
+
+<file path=ppt/slides/slide13.xml><?xml version="1.0" encoding="utf-8"?>
+<p:sld xmlns:a="http://schemas.openxmlformats.org/drawingml/2006/main" xmlns:r="http://schemas.openxmlformats.org/officeDocument/2006/relationships" xmlns:p="http://schemas.openxmlformats.org/presentationml/2006/main">
+  <p:cSld>
+    <p:spTree>
+      <p:nvGrpSpPr>
+        <p:cNvPr id="1" name=""/>
+        <p:cNvGrpSpPr/>
+        <p:nvPr/>
+      </p:nvGrpSpPr>
+      <p:grpSpPr>
+        <a:xfrm>
+          <a:off x="0" y="0"/>
+          <a:ext cx="0" cy="0"/>
+          <a:chOff x="0" y="0"/>
+          <a:chExt cx="0" cy="0"/>
+        </a:xfrm>
+      </p:grpSpPr>
+      <p:sp>
+        <p:nvSpPr>
+          <p:cNvPr id="4" name="Date Placeholder 3"/>
+          <p:cNvSpPr>
+            <a:spLocks noGrp="1"/>
+          </p:cNvSpPr>
+          <p:nvPr>
+            <p:ph type="dt" sz="half" idx="10"/>
+          </p:nvPr>
+        </p:nvSpPr>
+        <p:spPr/>
+        <p:txBody>
+          <a:bodyPr/>
+          <a:lstStyle/>
+          <a:p>
+            <a:r>
+              <a:rPr lang="en-GB" smtClean="0"/>
+              <a:t>31/05/2016</a:t>
+            </a:r>
+            <a:endParaRPr lang="en-GB" dirty="0"/>
+          </a:p>
+        </p:txBody>
+      </p:sp>
+      <p:sp>
+        <p:nvSpPr>
+          <p:cNvPr id="5" name="Slide Number Placeholder 4"/>
+          <p:cNvSpPr>
+            <a:spLocks noGrp="1"/>
+          </p:cNvSpPr>
+          <p:nvPr>
+            <p:ph type="sldNum" sz="quarter" idx="12"/>
+          </p:nvPr>
+        </p:nvSpPr>
+        <p:spPr/>
+        <p:txBody>
+          <a:bodyPr/>
+          <a:lstStyle/>
+          <a:p>
+            <a:fld id="{581BB28B-6C27-444C-B2E2-3960C28AE47A}" type="slidenum">
+              <a:rPr lang="en-GB" smtClean="0"/>
+              <a:pPr/>
+              <a:t>13</a:t>
+            </a:fld>
+            <a:endParaRPr lang="en-GB" dirty="0"/>
+          </a:p>
+        </p:txBody>
+      </p:sp>
+      <p:sp>
+        <p:nvSpPr>
+          <p:cNvPr id="6" name="Footer Placeholder 5"/>
+          <p:cNvSpPr>
+            <a:spLocks noGrp="1"/>
+          </p:cNvSpPr>
+          <p:nvPr>
+            <p:ph type="ftr" sz="quarter" idx="3"/>
+          </p:nvPr>
+        </p:nvSpPr>
+        <p:spPr/>
+        <p:txBody>
+          <a:bodyPr/>
+          <a:lstStyle/>
+          <a:p>
+            <a:r>
+              <a:rPr lang="en-GB" smtClean="0"/>
+              <a:t>JOA509 - Frontiers of Fusion</a:t>
+            </a:r>
+            <a:endParaRPr lang="en-GB" dirty="0"/>
+          </a:p>
+        </p:txBody>
+      </p:sp>
+      <p:sp>
+        <p:nvSpPr>
+          <p:cNvPr id="7" name="Title 1"/>
+          <p:cNvSpPr>
+            <a:spLocks noGrp="1"/>
+          </p:cNvSpPr>
+          <p:nvPr>
+            <p:ph type="title"/>
+          </p:nvPr>
+        </p:nvSpPr>
+        <p:spPr>
+          <a:xfrm>
+            <a:off x="579552" y="0"/>
+            <a:ext cx="11037194" cy="1325563"/>
+          </a:xfrm>
+        </p:spPr>
+        <p:txBody>
+          <a:bodyPr>
+            <a:normAutofit fontScale="90000"/>
+          </a:bodyPr>
+          <a:lstStyle/>
+          <a:p>
+            <a:r>
+              <a:rPr lang="en-GB" dirty="0" smtClean="0"/>
+              <a:t>3. Methods </a:t>
+            </a:r>
+            <a:r>
+              <a:rPr lang="en-GB" dirty="0"/>
+              <a:t>for ELM </a:t>
+            </a:r>
+            <a:r>
+              <a:rPr lang="en-GB" dirty="0" smtClean="0"/>
+              <a:t>control on ITER</a:t>
+            </a:r>
+            <a:endParaRPr lang="en-GB" dirty="0"/>
+          </a:p>
+        </p:txBody>
+      </p:sp>
+      <p:sp>
+        <p:nvSpPr>
+          <p:cNvPr id="8" name="Content Placeholder 2"/>
+          <p:cNvSpPr>
+            <a:spLocks noGrp="1"/>
+          </p:cNvSpPr>
+          <p:nvPr>
+            <p:ph idx="1"/>
+          </p:nvPr>
+        </p:nvSpPr>
+        <p:spPr>
+          <a:xfrm>
+            <a:off x="838200" y="1520825"/>
+            <a:ext cx="5991225" cy="4308475"/>
+          </a:xfrm>
+        </p:spPr>
+        <p:txBody>
+          <a:bodyPr/>
+          <a:lstStyle/>
+          <a:p>
+            <a:r>
+              <a:rPr lang="en-GB" dirty="0" smtClean="0"/>
+              <a:t>Vertical stability coils already included</a:t>
+            </a:r>
+          </a:p>
+          <a:p>
+            <a:endParaRPr lang="en-GB" dirty="0" smtClean="0"/>
+          </a:p>
+          <a:p>
+            <a:r>
+              <a:rPr lang="en-GB" dirty="0" smtClean="0"/>
+              <a:t>27 RMP coils added to design</a:t>
+            </a:r>
+            <a:endParaRPr lang="en-GB" dirty="0"/>
+          </a:p>
+          <a:p>
+            <a:endParaRPr lang="en-GB" dirty="0" smtClean="0"/>
+          </a:p>
+          <a:p>
+            <a:r>
+              <a:rPr lang="en-GB" dirty="0" smtClean="0"/>
+              <a:t>Pellet injectors also added</a:t>
+            </a:r>
+            <a:endParaRPr lang="en-GB" dirty="0"/>
+          </a:p>
+        </p:txBody>
+      </p:sp>
+      <p:pic>
+        <p:nvPicPr>
+          <p:cNvPr id="9" name="Picture 2" descr="C:\Users\joe\Documents\GitHub\FFessay\Latex_documents\Figures\ITERcoils.PNG"/>
+          <p:cNvPicPr>
+            <a:picLocks noChangeAspect="1" noChangeArrowheads="1"/>
+          </p:cNvPicPr>
+          <p:nvPr/>
+        </p:nvPicPr>
+        <p:blipFill>
+          <a:blip r:embed="rId3">
+            <a:extLst>
+              <a:ext uri="{28A0092B-C50C-407E-A947-70E740481C1C}">
+                <a14:useLocalDpi xmlns:a14="http://schemas.microsoft.com/office/drawing/2010/main" val="0"/>
+              </a:ext>
+            </a:extLst>
+          </a:blip>
+          <a:srcRect/>
+          <a:stretch>
+            <a:fillRect/>
+          </a:stretch>
+        </p:blipFill>
+        <p:spPr bwMode="auto">
+          <a:xfrm>
+            <a:off x="6829425" y="1409700"/>
+            <a:ext cx="5162550" cy="4419600"/>
+          </a:xfrm>
+          <a:prstGeom prst="rect">
+            <a:avLst/>
+          </a:prstGeom>
+          <a:noFill/>
+          <a:extLst>
+            <a:ext uri="{909E8E84-426E-40DD-AFC4-6F175D3DCCD1}">
+              <a14:hiddenFill xmlns:a14="http://schemas.microsoft.com/office/drawing/2010/main">
+                <a:solidFill>
+                  <a:srgbClr val="FFFFFF"/>
+                </a:solidFill>
+              </a14:hiddenFill>
+            </a:ext>
+          </a:extLst>
+        </p:spPr>
+      </p:pic>
+      <p:sp>
+        <p:nvSpPr>
+          <p:cNvPr id="10" name="TextBox 9"/>
+          <p:cNvSpPr txBox="1"/>
+          <p:nvPr/>
+        </p:nvSpPr>
+        <p:spPr>
+          <a:xfrm>
+            <a:off x="6829425" y="5829300"/>
+            <a:ext cx="5162550" cy="369332"/>
+          </a:xfrm>
+          <a:prstGeom prst="rect">
+            <a:avLst/>
+          </a:prstGeom>
+          <a:noFill/>
+        </p:spPr>
+        <p:txBody>
+          <a:bodyPr wrap="square" rtlCol="0">
+            <a:spAutoFit/>
+          </a:bodyPr>
+          <a:lstStyle/>
+          <a:p>
+            <a:r>
+              <a:rPr lang="da-DK" dirty="0" smtClean="0">
+                <a:latin typeface="Batang" panose="02030600000101010101" pitchFamily="18" charset="-127"/>
+                <a:ea typeface="Batang" panose="02030600000101010101" pitchFamily="18" charset="-127"/>
+              </a:rPr>
+              <a:t>P. Lang </a:t>
+            </a:r>
+            <a:r>
+              <a:rPr lang="da-DK" i="1" dirty="0">
+                <a:latin typeface="Batang" panose="02030600000101010101" pitchFamily="18" charset="-127"/>
+                <a:ea typeface="Batang" panose="02030600000101010101" pitchFamily="18" charset="-127"/>
+              </a:rPr>
+              <a:t>Nuclear Fusion </a:t>
+            </a:r>
+            <a:r>
+              <a:rPr lang="da-DK" dirty="0">
+                <a:latin typeface="Batang" panose="02030600000101010101" pitchFamily="18" charset="-127"/>
+                <a:ea typeface="Batang" panose="02030600000101010101" pitchFamily="18" charset="-127"/>
+              </a:rPr>
+              <a:t>53.4 </a:t>
+            </a:r>
+            <a:r>
+              <a:rPr lang="da-DK" dirty="0" smtClean="0">
+                <a:latin typeface="Batang" panose="02030600000101010101" pitchFamily="18" charset="-127"/>
+                <a:ea typeface="Batang" panose="02030600000101010101" pitchFamily="18" charset="-127"/>
+              </a:rPr>
+              <a:t>2013</a:t>
+            </a:r>
+            <a:endParaRPr lang="da-DK" dirty="0">
+              <a:latin typeface="Batang" panose="02030600000101010101" pitchFamily="18" charset="-127"/>
+              <a:ea typeface="Batang" panose="02030600000101010101" pitchFamily="18" charset="-127"/>
+            </a:endParaRPr>
+          </a:p>
+        </p:txBody>
+      </p:sp>
+    </p:spTree>
+    <p:extLst>
+      <p:ext uri="{BB962C8B-B14F-4D97-AF65-F5344CB8AC3E}">
+        <p14:creationId xmlns:p14="http://schemas.microsoft.com/office/powerpoint/2010/main" val="4129829245"/>
+      </p:ext>
+    </p:extLst>
+  </p:cSld>
+  <p:clrMapOvr>
+    <a:masterClrMapping/>
+  </p:clrMapOvr>
+  <p:timing>
+    <p:tnLst>
+      <p:par>
+        <p:cTn id="1" dur="indefinite" restart="never" nodeType="tmRoot"/>
+      </p:par>
+    </p:tnLst>
+  </p:timing>
+</p:sld>
+</file>
+
+<file path=ppt/slides/slide14.xml><?xml version="1.0" encoding="utf-8"?>
+<p:sld xmlns:a="http://schemas.openxmlformats.org/drawingml/2006/main" xmlns:r="http://schemas.openxmlformats.org/officeDocument/2006/relationships" xmlns:p="http://schemas.openxmlformats.org/presentationml/2006/main">
+  <p:cSld>
+    <p:spTree>
+      <p:nvGrpSpPr>
+        <p:cNvPr id="1" name=""/>
+        <p:cNvGrpSpPr/>
+        <p:nvPr/>
+      </p:nvGrpSpPr>
+      <p:grpSpPr>
+        <a:xfrm>
+          <a:off x="0" y="0"/>
+          <a:ext cx="0" cy="0"/>
+          <a:chOff x="0" y="0"/>
+          <a:chExt cx="0" cy="0"/>
+        </a:xfrm>
+      </p:grpSpPr>
+      <p:sp>
+        <p:nvSpPr>
+          <p:cNvPr id="2" name="Title 1"/>
+          <p:cNvSpPr>
+            <a:spLocks noGrp="1"/>
+          </p:cNvSpPr>
+          <p:nvPr>
+            <p:ph type="title"/>
+          </p:nvPr>
+        </p:nvSpPr>
+        <p:spPr/>
+        <p:txBody>
+          <a:bodyPr>
+            <a:normAutofit/>
+          </a:bodyPr>
+          <a:lstStyle/>
+          <a:p>
+            <a:r>
+              <a:rPr lang="en-GB" dirty="0" smtClean="0"/>
+              <a:t>3. </a:t>
+            </a:r>
+            <a:r>
+              <a:rPr lang="en-GB" dirty="0" err="1" smtClean="0"/>
+              <a:t>i</a:t>
+            </a:r>
+            <a:r>
+              <a:rPr lang="en-GB" dirty="0"/>
+              <a:t>)</a:t>
+            </a:r>
+            <a:r>
+              <a:rPr lang="en-GB" dirty="0" smtClean="0"/>
+              <a:t> RMPs </a:t>
+            </a:r>
+            <a:r>
+              <a:rPr lang="en-GB" sz="3600" dirty="0" smtClean="0"/>
+              <a:t>(Resonant Magnetic Perturbations)</a:t>
+            </a:r>
+            <a:endParaRPr lang="en-GB" dirty="0"/>
+          </a:p>
+        </p:txBody>
+      </p:sp>
+      <p:sp>
+        <p:nvSpPr>
+          <p:cNvPr id="3" name="Content Placeholder 2"/>
+          <p:cNvSpPr>
+            <a:spLocks noGrp="1"/>
+          </p:cNvSpPr>
+          <p:nvPr>
+            <p:ph idx="1"/>
+          </p:nvPr>
+        </p:nvSpPr>
+        <p:spPr>
+          <a:xfrm>
+            <a:off x="838200" y="1520825"/>
+            <a:ext cx="6429375" cy="4351338"/>
+          </a:xfrm>
+        </p:spPr>
+        <p:txBody>
+          <a:bodyPr/>
+          <a:lstStyle/>
+          <a:p>
+            <a:r>
+              <a:rPr lang="en-GB" dirty="0" smtClean="0"/>
+              <a:t>Suppress ELMs </a:t>
+            </a:r>
+            <a:r>
+              <a:rPr lang="en-GB" dirty="0" smtClean="0"/>
+              <a:t>by keeping below PB stability </a:t>
+            </a:r>
+            <a:r>
+              <a:rPr lang="en-GB" dirty="0" smtClean="0"/>
+              <a:t>limit</a:t>
+            </a:r>
+          </a:p>
+        </p:txBody>
+      </p:sp>
+      <p:sp>
+        <p:nvSpPr>
+          <p:cNvPr id="4" name="Date Placeholder 3"/>
+          <p:cNvSpPr>
+            <a:spLocks noGrp="1"/>
+          </p:cNvSpPr>
+          <p:nvPr>
+            <p:ph type="dt" sz="half" idx="10"/>
+          </p:nvPr>
+        </p:nvSpPr>
+        <p:spPr/>
+        <p:txBody>
+          <a:bodyPr/>
+          <a:lstStyle/>
+          <a:p>
+            <a:r>
+              <a:rPr lang="en-GB" smtClean="0"/>
+              <a:t>31/05/2016</a:t>
+            </a:r>
+            <a:endParaRPr lang="en-GB" dirty="0"/>
+          </a:p>
+        </p:txBody>
+      </p:sp>
+      <p:sp>
+        <p:nvSpPr>
+          <p:cNvPr id="5" name="Footer Placeholder 4"/>
+          <p:cNvSpPr>
+            <a:spLocks noGrp="1"/>
+          </p:cNvSpPr>
+          <p:nvPr>
+            <p:ph type="ftr" sz="quarter" idx="3"/>
+          </p:nvPr>
+        </p:nvSpPr>
+        <p:spPr>
+          <a:xfrm>
+            <a:off x="7912100" y="6343650"/>
+            <a:ext cx="4114800" cy="365125"/>
+          </a:xfrm>
+        </p:spPr>
+        <p:txBody>
+          <a:bodyPr/>
+          <a:lstStyle/>
+          <a:p>
+            <a:r>
+              <a:rPr lang="en-GB" smtClean="0"/>
+              <a:t>JOA509 – Frontiers of Fusion</a:t>
+            </a:r>
+            <a:endParaRPr lang="en-GB" dirty="0"/>
+          </a:p>
+        </p:txBody>
+      </p:sp>
+      <p:sp>
+        <p:nvSpPr>
+          <p:cNvPr id="6" name="Slide Number Placeholder 5"/>
+          <p:cNvSpPr>
+            <a:spLocks noGrp="1"/>
+          </p:cNvSpPr>
+          <p:nvPr>
+            <p:ph type="sldNum" sz="quarter" idx="12"/>
+          </p:nvPr>
+        </p:nvSpPr>
+        <p:spPr>
+          <a:xfrm>
+            <a:off x="4724400" y="6356350"/>
+            <a:ext cx="2743200" cy="365125"/>
+          </a:xfrm>
+        </p:spPr>
+        <p:txBody>
+          <a:bodyPr/>
+          <a:lstStyle/>
+          <a:p>
+            <a:fld id="{581BB28B-6C27-444C-B2E2-3960C28AE47A}" type="slidenum">
+              <a:rPr lang="en-GB" smtClean="0"/>
+              <a:t>14</a:t>
+            </a:fld>
+            <a:endParaRPr lang="en-GB" dirty="0"/>
+          </a:p>
+        </p:txBody>
+      </p:sp>
+      <p:pic>
+        <p:nvPicPr>
+          <p:cNvPr id="1026" name="Picture 2" descr="C:\Users\joe\Documents\GitHub\FFessay\Presentation\RMP_PBprofile.PNG"/>
+          <p:cNvPicPr>
+            <a:picLocks noChangeAspect="1" noChangeArrowheads="1"/>
+          </p:cNvPicPr>
+          <p:nvPr/>
+        </p:nvPicPr>
+        <p:blipFill>
+          <a:blip r:embed="rId3">
+            <a:extLst>
+              <a:ext uri="{28A0092B-C50C-407E-A947-70E740481C1C}">
+                <a14:useLocalDpi xmlns:a14="http://schemas.microsoft.com/office/drawing/2010/main" val="0"/>
+              </a:ext>
+            </a:extLst>
+          </a:blip>
+          <a:srcRect/>
+          <a:stretch>
+            <a:fillRect/>
+          </a:stretch>
+        </p:blipFill>
+        <p:spPr bwMode="auto">
+          <a:xfrm>
+            <a:off x="7267575" y="941867"/>
+            <a:ext cx="4625016" cy="4956013"/>
+          </a:xfrm>
+          <a:prstGeom prst="rect">
+            <a:avLst/>
+          </a:prstGeom>
+          <a:noFill/>
+          <a:extLst>
+            <a:ext uri="{909E8E84-426E-40DD-AFC4-6F175D3DCCD1}">
+              <a14:hiddenFill xmlns:a14="http://schemas.microsoft.com/office/drawing/2010/main">
+                <a:solidFill>
+                  <a:srgbClr val="FFFFFF"/>
+                </a:solidFill>
+              </a14:hiddenFill>
+            </a:ext>
+          </a:extLst>
+        </p:spPr>
+      </p:pic>
+      <p:sp>
+        <p:nvSpPr>
+          <p:cNvPr id="9" name="TextBox 8"/>
+          <p:cNvSpPr txBox="1"/>
+          <p:nvPr/>
+        </p:nvSpPr>
+        <p:spPr>
+          <a:xfrm>
+            <a:off x="7267574" y="5898524"/>
+            <a:ext cx="4758415" cy="338554"/>
+          </a:xfrm>
+          <a:prstGeom prst="rect">
+            <a:avLst/>
+          </a:prstGeom>
+          <a:noFill/>
+        </p:spPr>
+        <p:txBody>
+          <a:bodyPr wrap="square" rtlCol="0">
+            <a:spAutoFit/>
+          </a:bodyPr>
+          <a:lstStyle/>
+          <a:p>
+            <a:r>
+              <a:rPr lang="en-GB" sz="1600" dirty="0" smtClean="0">
+                <a:latin typeface="Batang" panose="02030600000101010101" pitchFamily="18" charset="-127"/>
+                <a:ea typeface="Batang" panose="02030600000101010101" pitchFamily="18" charset="-127"/>
+              </a:rPr>
+              <a:t>A Kirk Frontiers Lectures 2016</a:t>
+            </a:r>
+            <a:endParaRPr lang="en-GB" sz="1600" dirty="0">
+              <a:latin typeface="Batang" panose="02030600000101010101" pitchFamily="18" charset="-127"/>
+              <a:ea typeface="Batang" panose="02030600000101010101" pitchFamily="18" charset="-127"/>
+            </a:endParaRPr>
+          </a:p>
+        </p:txBody>
+      </p:sp>
+    </p:spTree>
+    <p:extLst>
+      <p:ext uri="{BB962C8B-B14F-4D97-AF65-F5344CB8AC3E}">
+        <p14:creationId xmlns:p14="http://schemas.microsoft.com/office/powerpoint/2010/main" val="3862240862"/>
+      </p:ext>
+    </p:extLst>
+  </p:cSld>
+  <p:clrMapOvr>
+    <a:masterClrMapping/>
+  </p:clrMapOvr>
+  <p:timing>
+    <p:tnLst>
+      <p:par>
+        <p:cTn id="1" dur="indefinite" restart="never" nodeType="tmRoot"/>
+      </p:par>
+    </p:tnLst>
+  </p:timing>
+</p:sld>
+</file>
+
+<file path=ppt/slides/slide15.xml><?xml version="1.0" encoding="utf-8"?>
+<p:sld xmlns:a="http://schemas.openxmlformats.org/drawingml/2006/main" xmlns:r="http://schemas.openxmlformats.org/officeDocument/2006/relationships" xmlns:p="http://schemas.openxmlformats.org/presentationml/2006/main">
+  <p:cSld>
+    <p:spTree>
+      <p:nvGrpSpPr>
+        <p:cNvPr id="1" name=""/>
+        <p:cNvGrpSpPr/>
+        <p:nvPr/>
+      </p:nvGrpSpPr>
+      <p:grpSpPr>
+        <a:xfrm>
+          <a:off x="0" y="0"/>
+          <a:ext cx="0" cy="0"/>
+          <a:chOff x="0" y="0"/>
+          <a:chExt cx="0" cy="0"/>
+        </a:xfrm>
+      </p:grpSpPr>
+      <p:sp>
+        <p:nvSpPr>
+          <p:cNvPr id="2" name="Title 1"/>
+          <p:cNvSpPr>
+            <a:spLocks noGrp="1"/>
+          </p:cNvSpPr>
+          <p:nvPr>
+            <p:ph type="title"/>
+          </p:nvPr>
+        </p:nvSpPr>
+        <p:spPr/>
+        <p:txBody>
+          <a:bodyPr>
+            <a:normAutofit/>
+          </a:bodyPr>
+          <a:lstStyle/>
+          <a:p>
+            <a:r>
+              <a:rPr lang="en-GB" dirty="0" smtClean="0"/>
+              <a:t>3. </a:t>
+            </a:r>
+            <a:r>
+              <a:rPr lang="en-GB" dirty="0" err="1" smtClean="0"/>
+              <a:t>i</a:t>
+            </a:r>
+            <a:r>
+              <a:rPr lang="en-GB" dirty="0"/>
+              <a:t>)</a:t>
+            </a:r>
+            <a:r>
+              <a:rPr lang="en-GB" dirty="0" smtClean="0"/>
+              <a:t> RMPs </a:t>
+            </a:r>
+            <a:r>
+              <a:rPr lang="en-GB" sz="3600" dirty="0" smtClean="0"/>
+              <a:t>(Resonant Magnetic Perturbations)</a:t>
+            </a:r>
+            <a:endParaRPr lang="en-GB" dirty="0"/>
+          </a:p>
+        </p:txBody>
+      </p:sp>
+      <p:sp>
+        <p:nvSpPr>
+          <p:cNvPr id="3" name="Content Placeholder 2"/>
+          <p:cNvSpPr>
+            <a:spLocks noGrp="1"/>
+          </p:cNvSpPr>
+          <p:nvPr>
+            <p:ph idx="1"/>
+          </p:nvPr>
+        </p:nvSpPr>
+        <p:spPr>
+          <a:xfrm>
+            <a:off x="838200" y="1520825"/>
+            <a:ext cx="6429375" cy="4351338"/>
+          </a:xfrm>
+        </p:spPr>
+        <p:txBody>
+          <a:bodyPr/>
+          <a:lstStyle/>
+          <a:p>
+            <a:r>
+              <a:rPr lang="en-GB" dirty="0" smtClean="0"/>
+              <a:t>Suppress ELMs </a:t>
+            </a:r>
+            <a:r>
+              <a:rPr lang="en-GB" dirty="0" smtClean="0"/>
+              <a:t>by keeping below PB stability </a:t>
+            </a:r>
+            <a:r>
+              <a:rPr lang="en-GB" dirty="0" smtClean="0"/>
+              <a:t>limit</a:t>
+            </a:r>
+          </a:p>
+          <a:p>
+            <a:endParaRPr lang="en-GB" dirty="0" smtClean="0"/>
+          </a:p>
+          <a:p>
+            <a:r>
+              <a:rPr lang="en-GB" dirty="0" smtClean="0">
+                <a:sym typeface="Wingdings" panose="05000000000000000000" pitchFamily="2" charset="2"/>
+              </a:rPr>
+              <a:t>Small perturbations</a:t>
+            </a:r>
+            <a:r>
+              <a:rPr lang="en-GB" b="1" dirty="0" smtClean="0">
+                <a:sym typeface="Wingdings" panose="05000000000000000000" pitchFamily="2" charset="2"/>
+              </a:rPr>
+              <a:t> </a:t>
+            </a:r>
+            <a:r>
+              <a:rPr lang="en-GB" sz="3200" b="1" dirty="0" smtClean="0">
+                <a:sym typeface="Wingdings" panose="05000000000000000000" pitchFamily="2" charset="2"/>
+              </a:rPr>
+              <a:t>≈</a:t>
+            </a:r>
+            <a:r>
+              <a:rPr lang="en-GB" b="1" dirty="0" smtClean="0">
+                <a:sym typeface="Wingdings" panose="05000000000000000000" pitchFamily="2" charset="2"/>
+              </a:rPr>
+              <a:t> </a:t>
+            </a:r>
+            <a:r>
+              <a:rPr lang="en-GB" dirty="0" smtClean="0"/>
+              <a:t>10</a:t>
+            </a:r>
+            <a:r>
+              <a:rPr lang="en-GB" baseline="30000" dirty="0" smtClean="0"/>
+              <a:t>-4</a:t>
+            </a:r>
+            <a:r>
+              <a:rPr lang="en-GB" dirty="0" smtClean="0"/>
+              <a:t> T </a:t>
+            </a:r>
+          </a:p>
+        </p:txBody>
+      </p:sp>
+      <p:sp>
+        <p:nvSpPr>
+          <p:cNvPr id="4" name="Date Placeholder 3"/>
+          <p:cNvSpPr>
+            <a:spLocks noGrp="1"/>
+          </p:cNvSpPr>
+          <p:nvPr>
+            <p:ph type="dt" sz="half" idx="10"/>
+          </p:nvPr>
+        </p:nvSpPr>
+        <p:spPr/>
+        <p:txBody>
+          <a:bodyPr/>
+          <a:lstStyle/>
+          <a:p>
+            <a:r>
+              <a:rPr lang="en-GB" smtClean="0"/>
+              <a:t>31/05/2016</a:t>
+            </a:r>
+            <a:endParaRPr lang="en-GB" dirty="0"/>
+          </a:p>
+        </p:txBody>
+      </p:sp>
+      <p:sp>
+        <p:nvSpPr>
+          <p:cNvPr id="5" name="Footer Placeholder 4"/>
+          <p:cNvSpPr>
+            <a:spLocks noGrp="1"/>
+          </p:cNvSpPr>
+          <p:nvPr>
+            <p:ph type="ftr" sz="quarter" idx="3"/>
+          </p:nvPr>
+        </p:nvSpPr>
+        <p:spPr>
+          <a:xfrm>
+            <a:off x="7912100" y="6343650"/>
+            <a:ext cx="4114800" cy="365125"/>
+          </a:xfrm>
+        </p:spPr>
+        <p:txBody>
+          <a:bodyPr/>
+          <a:lstStyle/>
+          <a:p>
+            <a:r>
+              <a:rPr lang="en-GB" smtClean="0"/>
+              <a:t>JOA509 – Frontiers of Fusion</a:t>
+            </a:r>
+            <a:endParaRPr lang="en-GB" dirty="0"/>
+          </a:p>
+        </p:txBody>
+      </p:sp>
+      <p:sp>
+        <p:nvSpPr>
+          <p:cNvPr id="6" name="Slide Number Placeholder 5"/>
+          <p:cNvSpPr>
+            <a:spLocks noGrp="1"/>
+          </p:cNvSpPr>
+          <p:nvPr>
+            <p:ph type="sldNum" sz="quarter" idx="12"/>
+          </p:nvPr>
+        </p:nvSpPr>
+        <p:spPr>
+          <a:xfrm>
+            <a:off x="4724400" y="6356350"/>
+            <a:ext cx="2743200" cy="365125"/>
+          </a:xfrm>
+        </p:spPr>
+        <p:txBody>
+          <a:bodyPr/>
+          <a:lstStyle/>
+          <a:p>
+            <a:fld id="{581BB28B-6C27-444C-B2E2-3960C28AE47A}" type="slidenum">
+              <a:rPr lang="en-GB" smtClean="0"/>
+              <a:t>15</a:t>
+            </a:fld>
+            <a:endParaRPr lang="en-GB" dirty="0"/>
+          </a:p>
+        </p:txBody>
+      </p:sp>
+      <p:pic>
+        <p:nvPicPr>
+          <p:cNvPr id="1026" name="Picture 2" descr="C:\Users\joe\Documents\GitHub\FFessay\Presentation\RMP_PBprofile.PNG"/>
+          <p:cNvPicPr>
+            <a:picLocks noChangeAspect="1" noChangeArrowheads="1"/>
+          </p:cNvPicPr>
+          <p:nvPr/>
+        </p:nvPicPr>
+        <p:blipFill>
+          <a:blip r:embed="rId3">
+            <a:extLst>
+              <a:ext uri="{28A0092B-C50C-407E-A947-70E740481C1C}">
+                <a14:useLocalDpi xmlns:a14="http://schemas.microsoft.com/office/drawing/2010/main" val="0"/>
+              </a:ext>
+            </a:extLst>
+          </a:blip>
+          <a:srcRect/>
+          <a:stretch>
+            <a:fillRect/>
+          </a:stretch>
+        </p:blipFill>
+        <p:spPr bwMode="auto">
+          <a:xfrm>
+            <a:off x="7267575" y="941867"/>
+            <a:ext cx="4625016" cy="4956013"/>
+          </a:xfrm>
+          <a:prstGeom prst="rect">
+            <a:avLst/>
+          </a:prstGeom>
+          <a:noFill/>
+          <a:extLst>
+            <a:ext uri="{909E8E84-426E-40DD-AFC4-6F175D3DCCD1}">
+              <a14:hiddenFill xmlns:a14="http://schemas.microsoft.com/office/drawing/2010/main">
+                <a:solidFill>
+                  <a:srgbClr val="FFFFFF"/>
+                </a:solidFill>
+              </a14:hiddenFill>
+            </a:ext>
+          </a:extLst>
+        </p:spPr>
+      </p:pic>
+      <p:sp>
+        <p:nvSpPr>
+          <p:cNvPr id="9" name="TextBox 8"/>
+          <p:cNvSpPr txBox="1"/>
+          <p:nvPr/>
+        </p:nvSpPr>
+        <p:spPr>
+          <a:xfrm>
+            <a:off x="7267574" y="5898524"/>
+            <a:ext cx="4758415" cy="338554"/>
+          </a:xfrm>
+          <a:prstGeom prst="rect">
+            <a:avLst/>
+          </a:prstGeom>
+          <a:noFill/>
+        </p:spPr>
+        <p:txBody>
+          <a:bodyPr wrap="square" rtlCol="0">
+            <a:spAutoFit/>
+          </a:bodyPr>
+          <a:lstStyle/>
+          <a:p>
+            <a:r>
+              <a:rPr lang="en-GB" sz="1600" dirty="0" smtClean="0">
+                <a:latin typeface="Batang" panose="02030600000101010101" pitchFamily="18" charset="-127"/>
+                <a:ea typeface="Batang" panose="02030600000101010101" pitchFamily="18" charset="-127"/>
+              </a:rPr>
+              <a:t>A Kirk Frontiers Lectures 2016</a:t>
+            </a:r>
+            <a:endParaRPr lang="en-GB" sz="1600" dirty="0">
+              <a:latin typeface="Batang" panose="02030600000101010101" pitchFamily="18" charset="-127"/>
+              <a:ea typeface="Batang" panose="02030600000101010101" pitchFamily="18" charset="-127"/>
+            </a:endParaRPr>
+          </a:p>
+        </p:txBody>
+      </p:sp>
+    </p:spTree>
+    <p:extLst>
+      <p:ext uri="{BB962C8B-B14F-4D97-AF65-F5344CB8AC3E}">
+        <p14:creationId xmlns:p14="http://schemas.microsoft.com/office/powerpoint/2010/main" val="52660414"/>
+      </p:ext>
+    </p:extLst>
+  </p:cSld>
+  <p:clrMapOvr>
+    <a:masterClrMapping/>
+  </p:clrMapOvr>
+  <p:timing>
+    <p:tnLst>
+      <p:par>
+        <p:cTn id="1" dur="indefinite" restart="never" nodeType="tmRoot"/>
+      </p:par>
+    </p:tnLst>
+  </p:timing>
+</p:sld>
+</file>
+
+<file path=ppt/slides/slide16.xml><?xml version="1.0" encoding="utf-8"?>
+<p:sld xmlns:a="http://schemas.openxmlformats.org/drawingml/2006/main" xmlns:r="http://schemas.openxmlformats.org/officeDocument/2006/relationships" xmlns:p="http://schemas.openxmlformats.org/presentationml/2006/main">
+  <p:cSld>
+    <p:spTree>
+      <p:nvGrpSpPr>
+        <p:cNvPr id="1" name=""/>
+        <p:cNvGrpSpPr/>
+        <p:nvPr/>
+      </p:nvGrpSpPr>
+      <p:grpSpPr>
+        <a:xfrm>
+          <a:off x="0" y="0"/>
+          <a:ext cx="0" cy="0"/>
+          <a:chOff x="0" y="0"/>
+          <a:chExt cx="0" cy="0"/>
+        </a:xfrm>
+      </p:grpSpPr>
+      <p:sp>
+        <p:nvSpPr>
+          <p:cNvPr id="2" name="Title 1"/>
+          <p:cNvSpPr>
+            <a:spLocks noGrp="1"/>
+          </p:cNvSpPr>
+          <p:nvPr>
+            <p:ph type="title"/>
+          </p:nvPr>
+        </p:nvSpPr>
+        <p:spPr/>
+        <p:txBody>
+          <a:bodyPr>
+            <a:normAutofit/>
+          </a:bodyPr>
+          <a:lstStyle/>
+          <a:p>
+            <a:r>
+              <a:rPr lang="en-GB" dirty="0" smtClean="0"/>
+              <a:t>3. </a:t>
+            </a:r>
+            <a:r>
+              <a:rPr lang="en-GB" dirty="0" err="1" smtClean="0"/>
+              <a:t>i</a:t>
+            </a:r>
+            <a:r>
+              <a:rPr lang="en-GB" dirty="0"/>
+              <a:t>)</a:t>
+            </a:r>
+            <a:r>
+              <a:rPr lang="en-GB" dirty="0" smtClean="0"/>
+              <a:t> RMPs </a:t>
+            </a:r>
+            <a:r>
+              <a:rPr lang="en-GB" sz="3600" dirty="0" smtClean="0"/>
+              <a:t>(Resonant Magnetic Perturbations)</a:t>
+            </a:r>
+            <a:endParaRPr lang="en-GB" dirty="0"/>
+          </a:p>
+        </p:txBody>
+      </p:sp>
+      <p:sp>
+        <p:nvSpPr>
+          <p:cNvPr id="3" name="Content Placeholder 2"/>
+          <p:cNvSpPr>
+            <a:spLocks noGrp="1"/>
+          </p:cNvSpPr>
+          <p:nvPr>
+            <p:ph idx="1"/>
+          </p:nvPr>
+        </p:nvSpPr>
+        <p:spPr>
+          <a:xfrm>
+            <a:off x="838200" y="1520825"/>
+            <a:ext cx="6429375" cy="4351338"/>
+          </a:xfrm>
+        </p:spPr>
+        <p:txBody>
+          <a:bodyPr/>
+          <a:lstStyle/>
+          <a:p>
+            <a:r>
+              <a:rPr lang="en-GB" dirty="0" smtClean="0"/>
+              <a:t>Suppress ELMs </a:t>
+            </a:r>
+            <a:r>
+              <a:rPr lang="en-GB" dirty="0" smtClean="0"/>
+              <a:t>by keeping below PB stability </a:t>
+            </a:r>
+            <a:r>
+              <a:rPr lang="en-GB" dirty="0" smtClean="0"/>
+              <a:t>limit</a:t>
+            </a:r>
+          </a:p>
+          <a:p>
+            <a:endParaRPr lang="en-GB" dirty="0" smtClean="0"/>
+          </a:p>
+          <a:p>
+            <a:r>
+              <a:rPr lang="en-GB" dirty="0" smtClean="0">
+                <a:sym typeface="Wingdings" panose="05000000000000000000" pitchFamily="2" charset="2"/>
+              </a:rPr>
+              <a:t>Small perturbations</a:t>
+            </a:r>
+            <a:r>
+              <a:rPr lang="en-GB" b="1" dirty="0" smtClean="0">
+                <a:sym typeface="Wingdings" panose="05000000000000000000" pitchFamily="2" charset="2"/>
+              </a:rPr>
+              <a:t> </a:t>
+            </a:r>
+            <a:r>
+              <a:rPr lang="en-GB" sz="3200" b="1" dirty="0" smtClean="0">
+                <a:sym typeface="Wingdings" panose="05000000000000000000" pitchFamily="2" charset="2"/>
+              </a:rPr>
+              <a:t>≈</a:t>
+            </a:r>
+            <a:r>
+              <a:rPr lang="en-GB" b="1" dirty="0" smtClean="0">
+                <a:sym typeface="Wingdings" panose="05000000000000000000" pitchFamily="2" charset="2"/>
+              </a:rPr>
+              <a:t> </a:t>
+            </a:r>
+            <a:r>
+              <a:rPr lang="en-GB" dirty="0" smtClean="0"/>
+              <a:t>10</a:t>
+            </a:r>
+            <a:r>
+              <a:rPr lang="en-GB" baseline="30000" dirty="0" smtClean="0"/>
+              <a:t>-4</a:t>
+            </a:r>
+            <a:r>
+              <a:rPr lang="en-GB" dirty="0" smtClean="0"/>
+              <a:t> T </a:t>
+            </a:r>
+          </a:p>
+          <a:p>
+            <a:endParaRPr lang="en-GB" dirty="0" smtClean="0"/>
+          </a:p>
+          <a:p>
+            <a:r>
+              <a:rPr lang="en-GB" dirty="0" smtClean="0"/>
+              <a:t>Perturbations must be toroidally cycled to keep divertor damage uniform</a:t>
+            </a:r>
+          </a:p>
+        </p:txBody>
+      </p:sp>
+      <p:sp>
+        <p:nvSpPr>
+          <p:cNvPr id="4" name="Date Placeholder 3"/>
+          <p:cNvSpPr>
+            <a:spLocks noGrp="1"/>
+          </p:cNvSpPr>
+          <p:nvPr>
+            <p:ph type="dt" sz="half" idx="10"/>
+          </p:nvPr>
+        </p:nvSpPr>
+        <p:spPr/>
+        <p:txBody>
+          <a:bodyPr/>
+          <a:lstStyle/>
+          <a:p>
+            <a:r>
+              <a:rPr lang="en-GB" smtClean="0"/>
+              <a:t>31/05/2016</a:t>
+            </a:r>
+            <a:endParaRPr lang="en-GB" dirty="0"/>
+          </a:p>
+        </p:txBody>
+      </p:sp>
+      <p:sp>
+        <p:nvSpPr>
+          <p:cNvPr id="5" name="Footer Placeholder 4"/>
+          <p:cNvSpPr>
+            <a:spLocks noGrp="1"/>
+          </p:cNvSpPr>
+          <p:nvPr>
+            <p:ph type="ftr" sz="quarter" idx="3"/>
+          </p:nvPr>
+        </p:nvSpPr>
+        <p:spPr>
+          <a:xfrm>
+            <a:off x="7912100" y="6343650"/>
+            <a:ext cx="4114800" cy="365125"/>
+          </a:xfrm>
+        </p:spPr>
+        <p:txBody>
+          <a:bodyPr/>
+          <a:lstStyle/>
+          <a:p>
+            <a:r>
+              <a:rPr lang="en-GB" smtClean="0"/>
+              <a:t>JOA509 – Frontiers of Fusion</a:t>
+            </a:r>
+            <a:endParaRPr lang="en-GB" dirty="0"/>
+          </a:p>
+        </p:txBody>
+      </p:sp>
+      <p:sp>
+        <p:nvSpPr>
+          <p:cNvPr id="6" name="Slide Number Placeholder 5"/>
+          <p:cNvSpPr>
+            <a:spLocks noGrp="1"/>
+          </p:cNvSpPr>
+          <p:nvPr>
+            <p:ph type="sldNum" sz="quarter" idx="12"/>
+          </p:nvPr>
+        </p:nvSpPr>
+        <p:spPr>
+          <a:xfrm>
+            <a:off x="4724400" y="6356350"/>
+            <a:ext cx="2743200" cy="365125"/>
+          </a:xfrm>
+        </p:spPr>
+        <p:txBody>
+          <a:bodyPr/>
+          <a:lstStyle/>
+          <a:p>
+            <a:fld id="{581BB28B-6C27-444C-B2E2-3960C28AE47A}" type="slidenum">
+              <a:rPr lang="en-GB" smtClean="0"/>
+              <a:t>16</a:t>
+            </a:fld>
+            <a:endParaRPr lang="en-GB" dirty="0"/>
+          </a:p>
+        </p:txBody>
+      </p:sp>
+      <p:pic>
+        <p:nvPicPr>
+          <p:cNvPr id="1026" name="Picture 2" descr="C:\Users\joe\Documents\GitHub\FFessay\Presentation\RMP_PBprofile.PNG"/>
+          <p:cNvPicPr>
+            <a:picLocks noChangeAspect="1" noChangeArrowheads="1"/>
+          </p:cNvPicPr>
+          <p:nvPr/>
+        </p:nvPicPr>
+        <p:blipFill>
+          <a:blip r:embed="rId3">
+            <a:extLst>
+              <a:ext uri="{28A0092B-C50C-407E-A947-70E740481C1C}">
+                <a14:useLocalDpi xmlns:a14="http://schemas.microsoft.com/office/drawing/2010/main" val="0"/>
+              </a:ext>
+            </a:extLst>
+          </a:blip>
+          <a:srcRect/>
+          <a:stretch>
+            <a:fillRect/>
+          </a:stretch>
+        </p:blipFill>
+        <p:spPr bwMode="auto">
+          <a:xfrm>
+            <a:off x="7267575" y="941867"/>
+            <a:ext cx="4625016" cy="4956013"/>
+          </a:xfrm>
+          <a:prstGeom prst="rect">
+            <a:avLst/>
+          </a:prstGeom>
+          <a:noFill/>
+          <a:extLst>
+            <a:ext uri="{909E8E84-426E-40DD-AFC4-6F175D3DCCD1}">
+              <a14:hiddenFill xmlns:a14="http://schemas.microsoft.com/office/drawing/2010/main">
+                <a:solidFill>
+                  <a:srgbClr val="FFFFFF"/>
+                </a:solidFill>
+              </a14:hiddenFill>
+            </a:ext>
+          </a:extLst>
+        </p:spPr>
+      </p:pic>
+      <p:sp>
+        <p:nvSpPr>
+          <p:cNvPr id="9" name="TextBox 8"/>
+          <p:cNvSpPr txBox="1"/>
+          <p:nvPr/>
+        </p:nvSpPr>
+        <p:spPr>
+          <a:xfrm>
+            <a:off x="7267574" y="5898524"/>
+            <a:ext cx="4758415" cy="338554"/>
+          </a:xfrm>
+          <a:prstGeom prst="rect">
+            <a:avLst/>
+          </a:prstGeom>
+          <a:noFill/>
+        </p:spPr>
+        <p:txBody>
+          <a:bodyPr wrap="square" rtlCol="0">
+            <a:spAutoFit/>
+          </a:bodyPr>
+          <a:lstStyle/>
+          <a:p>
+            <a:r>
+              <a:rPr lang="en-GB" sz="1600" dirty="0" smtClean="0">
+                <a:latin typeface="Batang" panose="02030600000101010101" pitchFamily="18" charset="-127"/>
+                <a:ea typeface="Batang" panose="02030600000101010101" pitchFamily="18" charset="-127"/>
+              </a:rPr>
+              <a:t>A Kirk Frontiers Lectures 2016</a:t>
+            </a:r>
+            <a:endParaRPr lang="en-GB" sz="1600" dirty="0">
+              <a:latin typeface="Batang" panose="02030600000101010101" pitchFamily="18" charset="-127"/>
+              <a:ea typeface="Batang" panose="02030600000101010101" pitchFamily="18" charset="-127"/>
+            </a:endParaRPr>
+          </a:p>
+        </p:txBody>
+      </p:sp>
+    </p:spTree>
+    <p:extLst>
+      <p:ext uri="{BB962C8B-B14F-4D97-AF65-F5344CB8AC3E}">
+        <p14:creationId xmlns:p14="http://schemas.microsoft.com/office/powerpoint/2010/main" val="4155290029"/>
+      </p:ext>
+    </p:extLst>
+  </p:cSld>
+  <p:clrMapOvr>
+    <a:masterClrMapping/>
+  </p:clrMapOvr>
+  <p:timing>
+    <p:tnLst>
+      <p:par>
+        <p:cTn id="1" dur="indefinite" restart="never" nodeType="tmRoot"/>
+      </p:par>
+    </p:tnLst>
+  </p:timing>
+</p:sld>
+</file>
+
+<file path=ppt/slides/slide17.xml><?xml version="1.0" encoding="utf-8"?>
+<p:sld xmlns:a="http://schemas.openxmlformats.org/drawingml/2006/main" xmlns:r="http://schemas.openxmlformats.org/officeDocument/2006/relationships" xmlns:p="http://schemas.openxmlformats.org/presentationml/2006/main">
+  <p:cSld>
+    <p:spTree>
+      <p:nvGrpSpPr>
+        <p:cNvPr id="1" name=""/>
+        <p:cNvGrpSpPr/>
+        <p:nvPr/>
+      </p:nvGrpSpPr>
+      <p:grpSpPr>
+        <a:xfrm>
+          <a:off x="0" y="0"/>
+          <a:ext cx="0" cy="0"/>
+          <a:chOff x="0" y="0"/>
+          <a:chExt cx="0" cy="0"/>
+        </a:xfrm>
+      </p:grpSpPr>
+      <p:sp>
+        <p:nvSpPr>
+          <p:cNvPr id="3" name="Content Placeholder 2"/>
+          <p:cNvSpPr>
+            <a:spLocks noGrp="1"/>
+          </p:cNvSpPr>
+          <p:nvPr>
+            <p:ph idx="1"/>
+          </p:nvPr>
+        </p:nvSpPr>
+        <p:spPr>
+          <a:xfrm>
+            <a:off x="696532" y="1057186"/>
+            <a:ext cx="10804302" cy="2034357"/>
+          </a:xfrm>
+        </p:spPr>
+        <p:txBody>
+          <a:bodyPr>
+            <a:normAutofit/>
+          </a:bodyPr>
+          <a:lstStyle/>
+          <a:p>
+            <a:r>
+              <a:rPr lang="en-GB" sz="2400" dirty="0" smtClean="0"/>
+              <a:t> Mitigation </a:t>
+            </a:r>
+            <a:r>
+              <a:rPr lang="en-GB" sz="2400" dirty="0"/>
+              <a:t>by increasing </a:t>
+            </a:r>
+            <a:r>
+              <a:rPr lang="en-GB" sz="2400" b="1" dirty="0" err="1" smtClean="0"/>
+              <a:t>f</a:t>
+            </a:r>
+            <a:r>
+              <a:rPr lang="en-GB" sz="2400" b="1" baseline="-25000" dirty="0" err="1" smtClean="0"/>
+              <a:t>ELM</a:t>
+            </a:r>
+            <a:r>
+              <a:rPr lang="en-GB" sz="2400" dirty="0" smtClean="0"/>
+              <a:t> </a:t>
+            </a:r>
+            <a:r>
+              <a:rPr lang="en-GB" sz="2400" dirty="0">
+                <a:sym typeface="Wingdings" panose="05000000000000000000" pitchFamily="2" charset="2"/>
+              </a:rPr>
+              <a:t> less damage to </a:t>
+            </a:r>
+            <a:r>
+              <a:rPr lang="en-GB" sz="2400" dirty="0" smtClean="0">
+                <a:sym typeface="Wingdings" panose="05000000000000000000" pitchFamily="2" charset="2"/>
+              </a:rPr>
+              <a:t>PFCs</a:t>
+            </a:r>
+          </a:p>
+          <a:p>
+            <a:r>
+              <a:rPr lang="en-GB" sz="2400" dirty="0" smtClean="0">
+                <a:sym typeface="Wingdings" panose="05000000000000000000" pitchFamily="2" charset="2"/>
+              </a:rPr>
+              <a:t>Mechanism not fully understood</a:t>
+            </a:r>
+            <a:endParaRPr lang="en-GB" sz="2400" dirty="0">
+              <a:sym typeface="Wingdings" panose="05000000000000000000" pitchFamily="2" charset="2"/>
+            </a:endParaRPr>
+          </a:p>
+          <a:p>
+            <a:r>
+              <a:rPr lang="en-GB" sz="2400" dirty="0" smtClean="0">
+                <a:sym typeface="Wingdings" panose="05000000000000000000" pitchFamily="2" charset="2"/>
+              </a:rPr>
+              <a:t>Heavily dependent on time since</a:t>
+            </a:r>
+          </a:p>
+          <a:p>
+            <a:pPr marL="0" indent="0">
+              <a:buNone/>
+            </a:pPr>
+            <a:r>
+              <a:rPr lang="en-GB" sz="2400" dirty="0" smtClean="0">
+                <a:sym typeface="Wingdings" panose="05000000000000000000" pitchFamily="2" charset="2"/>
+              </a:rPr>
+              <a:t>last ELM</a:t>
+            </a:r>
+            <a:endParaRPr lang="en-GB" sz="2400" dirty="0">
+              <a:sym typeface="Wingdings" panose="05000000000000000000" pitchFamily="2" charset="2"/>
+            </a:endParaRPr>
+          </a:p>
+          <a:p>
+            <a:endParaRPr lang="en-GB" sz="2400" dirty="0"/>
+          </a:p>
+        </p:txBody>
+      </p:sp>
+      <p:sp>
+        <p:nvSpPr>
+          <p:cNvPr id="4" name="Date Placeholder 3"/>
+          <p:cNvSpPr>
+            <a:spLocks noGrp="1"/>
+          </p:cNvSpPr>
+          <p:nvPr>
+            <p:ph type="dt" sz="half" idx="10"/>
+          </p:nvPr>
+        </p:nvSpPr>
+        <p:spPr/>
+        <p:txBody>
+          <a:bodyPr/>
+          <a:lstStyle/>
+          <a:p>
+            <a:r>
+              <a:rPr lang="en-GB" smtClean="0"/>
+              <a:t>31/05/2016</a:t>
+            </a:r>
+            <a:endParaRPr lang="en-GB" dirty="0"/>
+          </a:p>
+        </p:txBody>
+      </p:sp>
+      <p:sp>
+        <p:nvSpPr>
+          <p:cNvPr id="5" name="Footer Placeholder 4"/>
+          <p:cNvSpPr>
+            <a:spLocks noGrp="1"/>
+          </p:cNvSpPr>
+          <p:nvPr>
+            <p:ph type="ftr" sz="quarter" idx="3"/>
+          </p:nvPr>
+        </p:nvSpPr>
+        <p:spPr>
+          <a:xfrm>
+            <a:off x="7912100" y="6343650"/>
+            <a:ext cx="4114800" cy="365125"/>
+          </a:xfrm>
+        </p:spPr>
+        <p:txBody>
+          <a:bodyPr/>
+          <a:lstStyle/>
+          <a:p>
+            <a:r>
+              <a:rPr lang="en-GB" smtClean="0"/>
+              <a:t>JOA509 – Frontiers of Fusion</a:t>
+            </a:r>
+            <a:endParaRPr lang="en-GB" dirty="0"/>
+          </a:p>
+        </p:txBody>
+      </p:sp>
+      <p:sp>
+        <p:nvSpPr>
+          <p:cNvPr id="6" name="Slide Number Placeholder 5"/>
+          <p:cNvSpPr>
+            <a:spLocks noGrp="1"/>
+          </p:cNvSpPr>
+          <p:nvPr>
+            <p:ph type="sldNum" sz="quarter" idx="12"/>
+          </p:nvPr>
+        </p:nvSpPr>
+        <p:spPr>
+          <a:xfrm>
+            <a:off x="4724400" y="6356350"/>
+            <a:ext cx="2743200" cy="365125"/>
+          </a:xfrm>
+        </p:spPr>
+        <p:txBody>
+          <a:bodyPr/>
+          <a:lstStyle/>
+          <a:p>
+            <a:fld id="{581BB28B-6C27-444C-B2E2-3960C28AE47A}" type="slidenum">
+              <a:rPr lang="en-GB" smtClean="0"/>
+              <a:t>17</a:t>
+            </a:fld>
+            <a:endParaRPr lang="en-GB" dirty="0"/>
+          </a:p>
+        </p:txBody>
+      </p:sp>
+      <p:sp>
+        <p:nvSpPr>
+          <p:cNvPr id="7" name="Title 1"/>
+          <p:cNvSpPr>
+            <a:spLocks noGrp="1"/>
+          </p:cNvSpPr>
+          <p:nvPr>
+            <p:ph type="title"/>
+          </p:nvPr>
+        </p:nvSpPr>
+        <p:spPr>
+          <a:xfrm>
+            <a:off x="0" y="0"/>
+            <a:ext cx="10515600" cy="1325563"/>
+          </a:xfrm>
+        </p:spPr>
+        <p:txBody>
+          <a:bodyPr>
+            <a:normAutofit/>
+          </a:bodyPr>
+          <a:lstStyle/>
+          <a:p>
+            <a:r>
+              <a:rPr lang="en-GB" sz="4800" dirty="0" smtClean="0"/>
+              <a:t>3. </a:t>
+            </a:r>
+            <a:r>
+              <a:rPr lang="en-GB" sz="4800" dirty="0" smtClean="0"/>
+              <a:t>ii) Pellet Injection (PI)</a:t>
+            </a:r>
+            <a:endParaRPr lang="en-GB" sz="4800" dirty="0"/>
+          </a:p>
+        </p:txBody>
+      </p:sp>
+      <p:pic>
+        <p:nvPicPr>
+          <p:cNvPr id="2050" name="Picture 2" descr="C:\Users\joe\Documents\GitHub\FFessay\Latex_documents\Figures\PI_ELMprob.PNG"/>
+          <p:cNvPicPr>
+            <a:picLocks noChangeAspect="1" noChangeArrowheads="1"/>
+          </p:cNvPicPr>
+          <p:nvPr/>
+        </p:nvPicPr>
+        <p:blipFill>
+          <a:blip r:embed="rId3">
+            <a:extLst>
+              <a:ext uri="{28A0092B-C50C-407E-A947-70E740481C1C}">
+                <a14:useLocalDpi xmlns:a14="http://schemas.microsoft.com/office/drawing/2010/main" val="0"/>
+              </a:ext>
+            </a:extLst>
+          </a:blip>
+          <a:srcRect/>
+          <a:stretch>
+            <a:fillRect/>
+          </a:stretch>
+        </p:blipFill>
+        <p:spPr bwMode="auto">
+          <a:xfrm>
+            <a:off x="6440714" y="1441271"/>
+            <a:ext cx="5316761" cy="3563824"/>
+          </a:xfrm>
+          <a:prstGeom prst="rect">
+            <a:avLst/>
+          </a:prstGeom>
+          <a:noFill/>
+          <a:extLst>
+            <a:ext uri="{909E8E84-426E-40DD-AFC4-6F175D3DCCD1}">
+              <a14:hiddenFill xmlns:a14="http://schemas.microsoft.com/office/drawing/2010/main">
+                <a:solidFill>
+                  <a:srgbClr val="FFFFFF"/>
+                </a:solidFill>
+              </a14:hiddenFill>
+            </a:ext>
+          </a:extLst>
+        </p:spPr>
+      </p:pic>
+      <p:sp>
+        <p:nvSpPr>
+          <p:cNvPr id="8" name="TextBox 7"/>
+          <p:cNvSpPr txBox="1"/>
+          <p:nvPr/>
+        </p:nvSpPr>
+        <p:spPr>
+          <a:xfrm>
+            <a:off x="6440714" y="5005095"/>
+            <a:ext cx="5170715" cy="338554"/>
+          </a:xfrm>
+          <a:prstGeom prst="rect">
+            <a:avLst/>
+          </a:prstGeom>
+          <a:noFill/>
+        </p:spPr>
+        <p:txBody>
+          <a:bodyPr wrap="square" rtlCol="0">
+            <a:spAutoFit/>
+          </a:bodyPr>
+          <a:lstStyle/>
+          <a:p>
+            <a:r>
+              <a:rPr lang="en-GB" sz="1600" dirty="0" smtClean="0">
+                <a:latin typeface="Batang" panose="02030600000101010101" pitchFamily="18" charset="-127"/>
+                <a:ea typeface="Batang" panose="02030600000101010101" pitchFamily="18" charset="-127"/>
+              </a:rPr>
+              <a:t>I. Chapman </a:t>
+            </a:r>
+            <a:r>
+              <a:rPr lang="en-GB" sz="1600" i="1" dirty="0" err="1" smtClean="0">
+                <a:latin typeface="Batang" panose="02030600000101010101" pitchFamily="18" charset="-127"/>
+                <a:ea typeface="Batang" panose="02030600000101010101" pitchFamily="18" charset="-127"/>
+              </a:rPr>
+              <a:t>Plas</a:t>
+            </a:r>
+            <a:r>
+              <a:rPr lang="en-GB" sz="1600" i="1" dirty="0" smtClean="0">
+                <a:latin typeface="Batang" panose="02030600000101010101" pitchFamily="18" charset="-127"/>
+                <a:ea typeface="Batang" panose="02030600000101010101" pitchFamily="18" charset="-127"/>
+              </a:rPr>
+              <a:t>. Phys. Cont. </a:t>
+            </a:r>
+            <a:r>
+              <a:rPr lang="en-GB" sz="1600" i="1" dirty="0" err="1" smtClean="0">
+                <a:latin typeface="Batang" panose="02030600000101010101" pitchFamily="18" charset="-127"/>
+                <a:ea typeface="Batang" panose="02030600000101010101" pitchFamily="18" charset="-127"/>
+              </a:rPr>
+              <a:t>Fus</a:t>
+            </a:r>
+            <a:r>
+              <a:rPr lang="en-GB" sz="1600" i="1" dirty="0" smtClean="0">
+                <a:latin typeface="Batang" panose="02030600000101010101" pitchFamily="18" charset="-127"/>
+                <a:ea typeface="Batang" panose="02030600000101010101" pitchFamily="18" charset="-127"/>
+              </a:rPr>
+              <a:t>. </a:t>
+            </a:r>
+            <a:r>
+              <a:rPr lang="en-GB" sz="1600" dirty="0" smtClean="0">
+                <a:latin typeface="Batang" panose="02030600000101010101" pitchFamily="18" charset="-127"/>
+                <a:ea typeface="Batang" panose="02030600000101010101" pitchFamily="18" charset="-127"/>
+              </a:rPr>
+              <a:t>58 1 2016 </a:t>
+            </a:r>
+            <a:endParaRPr lang="en-GB" sz="1600" dirty="0">
+              <a:latin typeface="Batang" panose="02030600000101010101" pitchFamily="18" charset="-127"/>
+              <a:ea typeface="Batang" panose="02030600000101010101" pitchFamily="18" charset="-127"/>
+            </a:endParaRPr>
+          </a:p>
+        </p:txBody>
+      </p:sp>
+    </p:spTree>
+    <p:extLst>
+      <p:ext uri="{BB962C8B-B14F-4D97-AF65-F5344CB8AC3E}">
+        <p14:creationId xmlns:p14="http://schemas.microsoft.com/office/powerpoint/2010/main" val="3428766812"/>
+      </p:ext>
+    </p:extLst>
+  </p:cSld>
+  <p:clrMapOvr>
+    <a:masterClrMapping/>
+  </p:clrMapOvr>
+  <p:timing>
+    <p:tnLst>
+      <p:par>
+        <p:cTn id="1" dur="indefinite" restart="never" nodeType="tmRoot"/>
+      </p:par>
+    </p:tnLst>
+  </p:timing>
+</p:sld>
+</file>
+
+<file path=ppt/slides/slide18.xml><?xml version="1.0" encoding="utf-8"?>
+<p:sld xmlns:a="http://schemas.openxmlformats.org/drawingml/2006/main" xmlns:r="http://schemas.openxmlformats.org/officeDocument/2006/relationships" xmlns:p="http://schemas.openxmlformats.org/presentationml/2006/main">
+  <p:cSld>
+    <p:spTree>
+      <p:nvGrpSpPr>
+        <p:cNvPr id="1" name=""/>
+        <p:cNvGrpSpPr/>
+        <p:nvPr/>
+      </p:nvGrpSpPr>
+      <p:grpSpPr>
+        <a:xfrm>
+          <a:off x="0" y="0"/>
+          <a:ext cx="0" cy="0"/>
+          <a:chOff x="0" y="0"/>
+          <a:chExt cx="0" cy="0"/>
+        </a:xfrm>
+      </p:grpSpPr>
+      <p:sp>
+        <p:nvSpPr>
+          <p:cNvPr id="3" name="Content Placeholder 2"/>
+          <p:cNvSpPr>
+            <a:spLocks noGrp="1"/>
+          </p:cNvSpPr>
+          <p:nvPr>
+            <p:ph idx="1"/>
+          </p:nvPr>
+        </p:nvSpPr>
+        <p:spPr>
+          <a:xfrm>
+            <a:off x="696532" y="1057186"/>
+            <a:ext cx="10804302" cy="2034357"/>
+          </a:xfrm>
+        </p:spPr>
+        <p:txBody>
+          <a:bodyPr>
+            <a:normAutofit/>
+          </a:bodyPr>
+          <a:lstStyle/>
+          <a:p>
+            <a:r>
+              <a:rPr lang="en-GB" sz="2400" dirty="0" smtClean="0"/>
+              <a:t> Mitigation </a:t>
+            </a:r>
+            <a:r>
+              <a:rPr lang="en-GB" sz="2400" dirty="0"/>
+              <a:t>by increasing </a:t>
+            </a:r>
+            <a:r>
+              <a:rPr lang="en-GB" sz="2400" b="1" dirty="0" err="1" smtClean="0"/>
+              <a:t>f</a:t>
+            </a:r>
+            <a:r>
+              <a:rPr lang="en-GB" sz="2400" b="1" baseline="-25000" dirty="0" err="1" smtClean="0"/>
+              <a:t>ELM</a:t>
+            </a:r>
+            <a:r>
+              <a:rPr lang="en-GB" sz="2400" dirty="0" smtClean="0"/>
+              <a:t> </a:t>
+            </a:r>
+            <a:r>
+              <a:rPr lang="en-GB" sz="2400" dirty="0">
+                <a:sym typeface="Wingdings" panose="05000000000000000000" pitchFamily="2" charset="2"/>
+              </a:rPr>
+              <a:t> less damage to </a:t>
+            </a:r>
+            <a:r>
+              <a:rPr lang="en-GB" sz="2400" dirty="0" smtClean="0">
+                <a:sym typeface="Wingdings" panose="05000000000000000000" pitchFamily="2" charset="2"/>
+              </a:rPr>
+              <a:t>PFCs</a:t>
+            </a:r>
+          </a:p>
+          <a:p>
+            <a:r>
+              <a:rPr lang="en-GB" sz="2400" dirty="0" smtClean="0">
+                <a:sym typeface="Wingdings" panose="05000000000000000000" pitchFamily="2" charset="2"/>
+              </a:rPr>
+              <a:t>Mechanism not fully understood</a:t>
+            </a:r>
+            <a:endParaRPr lang="en-GB" sz="2400" dirty="0">
+              <a:sym typeface="Wingdings" panose="05000000000000000000" pitchFamily="2" charset="2"/>
+            </a:endParaRPr>
+          </a:p>
+          <a:p>
+            <a:r>
+              <a:rPr lang="en-GB" sz="2400" dirty="0" smtClean="0">
+                <a:sym typeface="Wingdings" panose="05000000000000000000" pitchFamily="2" charset="2"/>
+              </a:rPr>
+              <a:t>Heavily dependent on time since</a:t>
+            </a:r>
+          </a:p>
+          <a:p>
+            <a:pPr marL="0" indent="0">
+              <a:buNone/>
+            </a:pPr>
+            <a:r>
+              <a:rPr lang="en-GB" sz="2400" dirty="0" smtClean="0">
+                <a:sym typeface="Wingdings" panose="05000000000000000000" pitchFamily="2" charset="2"/>
+              </a:rPr>
+              <a:t>last ELM</a:t>
+            </a:r>
+            <a:endParaRPr lang="en-GB" sz="2400" dirty="0">
+              <a:sym typeface="Wingdings" panose="05000000000000000000" pitchFamily="2" charset="2"/>
+            </a:endParaRPr>
+          </a:p>
+          <a:p>
+            <a:endParaRPr lang="en-GB" sz="2400" dirty="0"/>
+          </a:p>
+        </p:txBody>
+      </p:sp>
+      <p:sp>
+        <p:nvSpPr>
+          <p:cNvPr id="4" name="Date Placeholder 3"/>
+          <p:cNvSpPr>
+            <a:spLocks noGrp="1"/>
+          </p:cNvSpPr>
+          <p:nvPr>
+            <p:ph type="dt" sz="half" idx="10"/>
+          </p:nvPr>
+        </p:nvSpPr>
+        <p:spPr/>
+        <p:txBody>
+          <a:bodyPr/>
+          <a:lstStyle/>
+          <a:p>
+            <a:r>
+              <a:rPr lang="en-GB" smtClean="0"/>
+              <a:t>31/05/2016</a:t>
+            </a:r>
+            <a:endParaRPr lang="en-GB" dirty="0"/>
+          </a:p>
+        </p:txBody>
+      </p:sp>
+      <p:sp>
+        <p:nvSpPr>
+          <p:cNvPr id="5" name="Footer Placeholder 4"/>
+          <p:cNvSpPr>
+            <a:spLocks noGrp="1"/>
+          </p:cNvSpPr>
+          <p:nvPr>
+            <p:ph type="ftr" sz="quarter" idx="3"/>
+          </p:nvPr>
+        </p:nvSpPr>
+        <p:spPr>
+          <a:xfrm>
+            <a:off x="7912100" y="6343650"/>
+            <a:ext cx="4114800" cy="365125"/>
+          </a:xfrm>
+        </p:spPr>
+        <p:txBody>
+          <a:bodyPr/>
+          <a:lstStyle/>
+          <a:p>
+            <a:r>
+              <a:rPr lang="en-GB" smtClean="0"/>
+              <a:t>JOA509 – Frontiers of Fusion</a:t>
+            </a:r>
+            <a:endParaRPr lang="en-GB" dirty="0"/>
+          </a:p>
+        </p:txBody>
+      </p:sp>
+      <p:sp>
+        <p:nvSpPr>
+          <p:cNvPr id="6" name="Slide Number Placeholder 5"/>
+          <p:cNvSpPr>
+            <a:spLocks noGrp="1"/>
+          </p:cNvSpPr>
+          <p:nvPr>
+            <p:ph type="sldNum" sz="quarter" idx="12"/>
+          </p:nvPr>
+        </p:nvSpPr>
+        <p:spPr>
+          <a:xfrm>
+            <a:off x="4724400" y="6356350"/>
+            <a:ext cx="2743200" cy="365125"/>
+          </a:xfrm>
+        </p:spPr>
+        <p:txBody>
+          <a:bodyPr/>
+          <a:lstStyle/>
+          <a:p>
+            <a:fld id="{581BB28B-6C27-444C-B2E2-3960C28AE47A}" type="slidenum">
+              <a:rPr lang="en-GB" smtClean="0"/>
+              <a:t>18</a:t>
+            </a:fld>
+            <a:endParaRPr lang="en-GB" dirty="0"/>
+          </a:p>
+        </p:txBody>
+      </p:sp>
+      <p:sp>
+        <p:nvSpPr>
+          <p:cNvPr id="7" name="Title 1"/>
+          <p:cNvSpPr>
+            <a:spLocks noGrp="1"/>
+          </p:cNvSpPr>
+          <p:nvPr>
+            <p:ph type="title"/>
+          </p:nvPr>
+        </p:nvSpPr>
+        <p:spPr>
+          <a:xfrm>
+            <a:off x="0" y="0"/>
+            <a:ext cx="10515600" cy="1325563"/>
+          </a:xfrm>
+        </p:spPr>
+        <p:txBody>
+          <a:bodyPr>
+            <a:normAutofit/>
+          </a:bodyPr>
+          <a:lstStyle/>
+          <a:p>
+            <a:r>
+              <a:rPr lang="en-GB" sz="4800" dirty="0" smtClean="0"/>
+              <a:t>3. </a:t>
+            </a:r>
+            <a:r>
+              <a:rPr lang="en-GB" sz="4800" dirty="0" smtClean="0"/>
+              <a:t>ii) Pellet Injection (PI)</a:t>
+            </a:r>
+            <a:endParaRPr lang="en-GB" sz="4800" dirty="0"/>
+          </a:p>
+        </p:txBody>
+      </p:sp>
+      <p:pic>
+        <p:nvPicPr>
+          <p:cNvPr id="2050" name="Picture 2" descr="C:\Users\joe\Documents\GitHub\FFessay\Latex_documents\Figures\PI_ELMprob.PNG"/>
+          <p:cNvPicPr>
+            <a:picLocks noChangeAspect="1" noChangeArrowheads="1"/>
+          </p:cNvPicPr>
+          <p:nvPr/>
+        </p:nvPicPr>
+        <p:blipFill>
+          <a:blip r:embed="rId3">
+            <a:extLst>
+              <a:ext uri="{28A0092B-C50C-407E-A947-70E740481C1C}">
+                <a14:useLocalDpi xmlns:a14="http://schemas.microsoft.com/office/drawing/2010/main" val="0"/>
+              </a:ext>
+            </a:extLst>
+          </a:blip>
+          <a:srcRect/>
+          <a:stretch>
+            <a:fillRect/>
+          </a:stretch>
+        </p:blipFill>
+        <p:spPr bwMode="auto">
+          <a:xfrm>
+            <a:off x="6440714" y="1441271"/>
+            <a:ext cx="5316761" cy="3563824"/>
+          </a:xfrm>
+          <a:prstGeom prst="rect">
+            <a:avLst/>
+          </a:prstGeom>
+          <a:noFill/>
+          <a:extLst>
+            <a:ext uri="{909E8E84-426E-40DD-AFC4-6F175D3DCCD1}">
+              <a14:hiddenFill xmlns:a14="http://schemas.microsoft.com/office/drawing/2010/main">
+                <a:solidFill>
+                  <a:srgbClr val="FFFFFF"/>
+                </a:solidFill>
+              </a14:hiddenFill>
+            </a:ext>
+          </a:extLst>
+        </p:spPr>
+      </p:pic>
+      <p:sp>
+        <p:nvSpPr>
+          <p:cNvPr id="8" name="TextBox 7"/>
+          <p:cNvSpPr txBox="1"/>
+          <p:nvPr/>
+        </p:nvSpPr>
+        <p:spPr>
+          <a:xfrm>
+            <a:off x="6440714" y="5005095"/>
+            <a:ext cx="5170715" cy="338554"/>
+          </a:xfrm>
+          <a:prstGeom prst="rect">
+            <a:avLst/>
+          </a:prstGeom>
+          <a:noFill/>
+        </p:spPr>
+        <p:txBody>
+          <a:bodyPr wrap="square" rtlCol="0">
+            <a:spAutoFit/>
+          </a:bodyPr>
+          <a:lstStyle/>
+          <a:p>
+            <a:r>
+              <a:rPr lang="en-GB" sz="1600" dirty="0" smtClean="0">
+                <a:latin typeface="Batang" panose="02030600000101010101" pitchFamily="18" charset="-127"/>
+                <a:ea typeface="Batang" panose="02030600000101010101" pitchFamily="18" charset="-127"/>
+              </a:rPr>
+              <a:t>I. Chapman </a:t>
+            </a:r>
+            <a:r>
+              <a:rPr lang="en-GB" sz="1600" i="1" dirty="0" err="1" smtClean="0">
+                <a:latin typeface="Batang" panose="02030600000101010101" pitchFamily="18" charset="-127"/>
+                <a:ea typeface="Batang" panose="02030600000101010101" pitchFamily="18" charset="-127"/>
+              </a:rPr>
+              <a:t>Plas</a:t>
+            </a:r>
+            <a:r>
+              <a:rPr lang="en-GB" sz="1600" i="1" dirty="0" smtClean="0">
+                <a:latin typeface="Batang" panose="02030600000101010101" pitchFamily="18" charset="-127"/>
+                <a:ea typeface="Batang" panose="02030600000101010101" pitchFamily="18" charset="-127"/>
+              </a:rPr>
+              <a:t>. Phys. Cont. </a:t>
+            </a:r>
+            <a:r>
+              <a:rPr lang="en-GB" sz="1600" i="1" dirty="0" err="1" smtClean="0">
+                <a:latin typeface="Batang" panose="02030600000101010101" pitchFamily="18" charset="-127"/>
+                <a:ea typeface="Batang" panose="02030600000101010101" pitchFamily="18" charset="-127"/>
+              </a:rPr>
+              <a:t>Fus</a:t>
+            </a:r>
+            <a:r>
+              <a:rPr lang="en-GB" sz="1600" i="1" dirty="0" smtClean="0">
+                <a:latin typeface="Batang" panose="02030600000101010101" pitchFamily="18" charset="-127"/>
+                <a:ea typeface="Batang" panose="02030600000101010101" pitchFamily="18" charset="-127"/>
+              </a:rPr>
+              <a:t>. </a:t>
+            </a:r>
+            <a:r>
+              <a:rPr lang="en-GB" sz="1600" dirty="0" smtClean="0">
+                <a:latin typeface="Batang" panose="02030600000101010101" pitchFamily="18" charset="-127"/>
+                <a:ea typeface="Batang" panose="02030600000101010101" pitchFamily="18" charset="-127"/>
+              </a:rPr>
+              <a:t>58 1 2016 </a:t>
+            </a:r>
+            <a:endParaRPr lang="en-GB" sz="1600" dirty="0">
+              <a:latin typeface="Batang" panose="02030600000101010101" pitchFamily="18" charset="-127"/>
+              <a:ea typeface="Batang" panose="02030600000101010101" pitchFamily="18" charset="-127"/>
+            </a:endParaRPr>
+          </a:p>
+        </p:txBody>
+      </p:sp>
+      <p:sp>
+        <p:nvSpPr>
+          <p:cNvPr id="10" name="Content Placeholder 2"/>
+          <p:cNvSpPr txBox="1">
+            <a:spLocks/>
+          </p:cNvSpPr>
+          <p:nvPr/>
+        </p:nvSpPr>
+        <p:spPr>
+          <a:xfrm>
+            <a:off x="769258" y="3964949"/>
+            <a:ext cx="4643188" cy="2398032"/>
+          </a:xfrm>
+          <a:prstGeom prst="rect">
+            <a:avLst/>
+          </a:prstGeom>
+        </p:spPr>
+        <p:txBody>
+          <a:bodyPr vert="horz" lIns="91440" tIns="45720" rIns="91440" bIns="45720" rtlCol="0">
+            <a:normAutofit/>
+          </a:bodyPr>
+          <a:lstStyle>
+            <a:lvl1pPr marL="228600" indent="-228600" algn="l" defTabSz="914400" rtl="0" eaLnBrk="1" latinLnBrk="0" hangingPunct="1">
+              <a:lnSpc>
+                <a:spcPct val="90000"/>
+              </a:lnSpc>
+              <a:spcBef>
+                <a:spcPts val="1000"/>
+              </a:spcBef>
+              <a:buSzPct val="120000"/>
+              <a:buFont typeface="Wingdings" panose="05000000000000000000" pitchFamily="2" charset="2"/>
+              <a:buChar char="Ø"/>
+              <a:defRPr sz="2800" kern="1200">
+                <a:solidFill>
+                  <a:schemeClr val="tx1"/>
+                </a:solidFill>
+                <a:latin typeface="Baskerville Old Face" panose="02020602080505020303" pitchFamily="18" charset="0"/>
+                <a:ea typeface="+mn-ea"/>
+                <a:cs typeface="+mn-cs"/>
+              </a:defRPr>
+            </a:lvl1pPr>
+            <a:lvl2pPr marL="685800" indent="-228600" algn="l" defTabSz="914400" rtl="0" eaLnBrk="1" latinLnBrk="0" hangingPunct="1">
+              <a:lnSpc>
+                <a:spcPct val="90000"/>
+              </a:lnSpc>
+              <a:spcBef>
+                <a:spcPts val="500"/>
+              </a:spcBef>
+              <a:buSzPct val="120000"/>
+              <a:buFont typeface="Wingdings" panose="05000000000000000000" pitchFamily="2" charset="2"/>
+              <a:buChar char="Ø"/>
+              <a:defRPr sz="2400" kern="1200">
+                <a:solidFill>
+                  <a:schemeClr val="tx1"/>
+                </a:solidFill>
+                <a:latin typeface="Baskerville Old Face" panose="02020602080505020303" pitchFamily="18" charset="0"/>
+                <a:ea typeface="+mn-ea"/>
+                <a:cs typeface="+mn-cs"/>
+              </a:defRPr>
+            </a:lvl2pPr>
+            <a:lvl3pPr marL="1143000" indent="-228600" algn="l" defTabSz="914400" rtl="0" eaLnBrk="1" latinLnBrk="0" hangingPunct="1">
+              <a:lnSpc>
+                <a:spcPct val="90000"/>
+              </a:lnSpc>
+              <a:spcBef>
+                <a:spcPts val="500"/>
+              </a:spcBef>
+              <a:buSzPct val="120000"/>
+              <a:buFont typeface="Wingdings" panose="05000000000000000000" pitchFamily="2" charset="2"/>
+              <a:buChar char="Ø"/>
+              <a:defRPr sz="2000" kern="1200">
+                <a:solidFill>
+                  <a:schemeClr val="tx1"/>
+                </a:solidFill>
+                <a:latin typeface="Baskerville Old Face" panose="02020602080505020303" pitchFamily="18" charset="0"/>
+                <a:ea typeface="+mn-ea"/>
+                <a:cs typeface="+mn-cs"/>
+              </a:defRPr>
+            </a:lvl3pPr>
+            <a:lvl4pPr marL="1600200" indent="-228600" algn="l" defTabSz="914400" rtl="0" eaLnBrk="1" latinLnBrk="0" hangingPunct="1">
+              <a:lnSpc>
+                <a:spcPct val="90000"/>
+              </a:lnSpc>
+              <a:spcBef>
+                <a:spcPts val="500"/>
+              </a:spcBef>
+              <a:buSzPct val="120000"/>
+              <a:buFont typeface="Wingdings" panose="05000000000000000000" pitchFamily="2" charset="2"/>
+              <a:buChar char="Ø"/>
+              <a:defRPr sz="1800" kern="1200">
+                <a:solidFill>
+                  <a:schemeClr val="tx1"/>
+                </a:solidFill>
+                <a:latin typeface="Baskerville Old Face" panose="02020602080505020303" pitchFamily="18" charset="0"/>
+                <a:ea typeface="+mn-ea"/>
+                <a:cs typeface="+mn-cs"/>
+              </a:defRPr>
+            </a:lvl4pPr>
+            <a:lvl5pPr marL="2057400" indent="-228600" algn="l" defTabSz="914400" rtl="0" eaLnBrk="1" latinLnBrk="0" hangingPunct="1">
+              <a:lnSpc>
+                <a:spcPct val="90000"/>
+              </a:lnSpc>
+              <a:spcBef>
+                <a:spcPts val="500"/>
+              </a:spcBef>
+              <a:buSzPct val="120000"/>
+              <a:buFont typeface="Wingdings" panose="05000000000000000000" pitchFamily="2" charset="2"/>
+              <a:buChar char="Ø"/>
+              <a:defRPr sz="1800" kern="1200">
+                <a:solidFill>
+                  <a:schemeClr val="tx1"/>
+                </a:solidFill>
+                <a:latin typeface="Baskerville Old Face" panose="02020602080505020303" pitchFamily="18" charset="0"/>
+                <a:ea typeface="+mn-ea"/>
+                <a:cs typeface="+mn-cs"/>
+              </a:defRPr>
+            </a:lvl5pPr>
+            <a:lvl6pPr marL="2514600" indent="-228600" algn="l" defTabSz="914400" rtl="0" eaLnBrk="1" latinLnBrk="0" hangingPunct="1">
+              <a:lnSpc>
+                <a:spcPct val="90000"/>
+              </a:lnSpc>
+              <a:spcBef>
+                <a:spcPts val="500"/>
+              </a:spcBef>
+              <a:buFont typeface="Arial" panose="020B0604020202020204" pitchFamily="34" charset="0"/>
+              <a:buChar char="•"/>
+              <a:defRPr sz="1800" kern="1200">
+                <a:solidFill>
+                  <a:schemeClr val="tx1"/>
+                </a:solidFill>
+                <a:latin typeface="+mn-lt"/>
+                <a:ea typeface="+mn-ea"/>
+                <a:cs typeface="+mn-cs"/>
+              </a:defRPr>
+            </a:lvl6pPr>
+            <a:lvl7pPr marL="2971800" indent="-228600" algn="l" defTabSz="914400" rtl="0" eaLnBrk="1" latinLnBrk="0" hangingPunct="1">
+              <a:lnSpc>
+                <a:spcPct val="90000"/>
+              </a:lnSpc>
+              <a:spcBef>
+                <a:spcPts val="500"/>
+              </a:spcBef>
+              <a:buFont typeface="Arial" panose="020B0604020202020204" pitchFamily="34" charset="0"/>
+              <a:buChar char="•"/>
+              <a:defRPr sz="1800" kern="1200">
+                <a:solidFill>
+                  <a:schemeClr val="tx1"/>
+                </a:solidFill>
+                <a:latin typeface="+mn-lt"/>
+                <a:ea typeface="+mn-ea"/>
+                <a:cs typeface="+mn-cs"/>
+              </a:defRPr>
+            </a:lvl7pPr>
+            <a:lvl8pPr marL="3429000" indent="-228600" algn="l" defTabSz="914400" rtl="0" eaLnBrk="1" latinLnBrk="0" hangingPunct="1">
+              <a:lnSpc>
+                <a:spcPct val="90000"/>
+              </a:lnSpc>
+              <a:spcBef>
+                <a:spcPts val="500"/>
+              </a:spcBef>
+              <a:buFont typeface="Arial" panose="020B0604020202020204" pitchFamily="34" charset="0"/>
+              <a:buChar char="•"/>
+              <a:defRPr sz="1800" kern="1200">
+                <a:solidFill>
+                  <a:schemeClr val="tx1"/>
+                </a:solidFill>
+                <a:latin typeface="+mn-lt"/>
+                <a:ea typeface="+mn-ea"/>
+                <a:cs typeface="+mn-cs"/>
+              </a:defRPr>
+            </a:lvl8pPr>
+            <a:lvl9pPr marL="3886200" indent="-228600" algn="l" defTabSz="914400" rtl="0" eaLnBrk="1" latinLnBrk="0" hangingPunct="1">
+              <a:lnSpc>
+                <a:spcPct val="90000"/>
+              </a:lnSpc>
+              <a:spcBef>
+                <a:spcPts val="500"/>
+              </a:spcBef>
+              <a:buFont typeface="Arial" panose="020B0604020202020204" pitchFamily="34" charset="0"/>
+              <a:buChar char="•"/>
+              <a:defRPr sz="1800" kern="1200">
+                <a:solidFill>
+                  <a:schemeClr val="tx1"/>
+                </a:solidFill>
+                <a:latin typeface="+mn-lt"/>
+                <a:ea typeface="+mn-ea"/>
+                <a:cs typeface="+mn-cs"/>
+              </a:defRPr>
+            </a:lvl9pPr>
+          </a:lstStyle>
+          <a:p>
+            <a:r>
+              <a:rPr lang="en-GB" sz="2400" dirty="0" smtClean="0"/>
+              <a:t>Control by pacing the frequency of ELMs</a:t>
+            </a:r>
+          </a:p>
+          <a:p>
+            <a:r>
+              <a:rPr lang="en-GB" sz="2400" dirty="0" smtClean="0">
+                <a:sym typeface="Wingdings" panose="05000000000000000000" pitchFamily="2" charset="2"/>
+              </a:rPr>
+              <a:t>Vertical stability coils</a:t>
+            </a:r>
+          </a:p>
+          <a:p>
+            <a:r>
+              <a:rPr lang="en-GB" sz="2400" dirty="0" smtClean="0">
+                <a:sym typeface="Wingdings" panose="05000000000000000000" pitchFamily="2" charset="2"/>
+              </a:rPr>
+              <a:t>Plasma moves </a:t>
+            </a:r>
+            <a:r>
+              <a:rPr lang="en-GB" b="1" dirty="0" smtClean="0">
+                <a:sym typeface="Wingdings" panose="05000000000000000000" pitchFamily="2" charset="2"/>
+              </a:rPr>
+              <a:t>≈ </a:t>
+            </a:r>
+            <a:r>
+              <a:rPr lang="en-GB" sz="2400" dirty="0" smtClean="0">
+                <a:sym typeface="Wingdings" panose="05000000000000000000" pitchFamily="2" charset="2"/>
+              </a:rPr>
+              <a:t>2% of minor radius</a:t>
+            </a:r>
+          </a:p>
+          <a:p>
+            <a:endParaRPr lang="en-GB" sz="2400" dirty="0" smtClean="0">
+              <a:sym typeface="Wingdings" panose="05000000000000000000" pitchFamily="2" charset="2"/>
+            </a:endParaRPr>
+          </a:p>
+          <a:p>
+            <a:endParaRPr lang="en-GB" sz="2400" dirty="0"/>
+          </a:p>
+        </p:txBody>
+      </p:sp>
+      <p:sp>
+        <p:nvSpPr>
+          <p:cNvPr id="11" name="Title 1"/>
+          <p:cNvSpPr txBox="1">
+            <a:spLocks/>
+          </p:cNvSpPr>
+          <p:nvPr/>
+        </p:nvSpPr>
+        <p:spPr>
+          <a:xfrm>
+            <a:off x="507990" y="2808515"/>
+            <a:ext cx="6440714" cy="1325563"/>
+          </a:xfrm>
+          <a:prstGeom prst="rect">
+            <a:avLst/>
+          </a:prstGeom>
+        </p:spPr>
+        <p:txBody>
+          <a:bodyPr vert="horz" lIns="91440" tIns="45720" rIns="91440" bIns="45720" rtlCol="0" anchor="ctr">
+            <a:normAutofit/>
+          </a:bodyPr>
+          <a:lstStyle>
+            <a:lvl1pPr algn="l" defTabSz="914400" rtl="0" eaLnBrk="1" latinLnBrk="0" hangingPunct="1">
+              <a:lnSpc>
+                <a:spcPct val="90000"/>
+              </a:lnSpc>
+              <a:spcBef>
+                <a:spcPct val="0"/>
+              </a:spcBef>
+              <a:buNone/>
+              <a:defRPr sz="6000" kern="1200">
+                <a:solidFill>
+                  <a:schemeClr val="tx1"/>
+                </a:solidFill>
+                <a:latin typeface="Baskerville Old Face" panose="02020602080505020303" pitchFamily="18" charset="0"/>
+                <a:ea typeface="+mj-ea"/>
+                <a:cs typeface="+mj-cs"/>
+              </a:defRPr>
+            </a:lvl1pPr>
+          </a:lstStyle>
+          <a:p>
+            <a:r>
+              <a:rPr lang="en-GB" sz="4800" dirty="0" smtClean="0"/>
+              <a:t>iii) Vertical Kicks (VKs)</a:t>
+            </a:r>
+            <a:endParaRPr lang="en-GB" sz="4800" dirty="0"/>
+          </a:p>
+        </p:txBody>
+      </p:sp>
+    </p:spTree>
+    <p:extLst>
+      <p:ext uri="{BB962C8B-B14F-4D97-AF65-F5344CB8AC3E}">
+        <p14:creationId xmlns:p14="http://schemas.microsoft.com/office/powerpoint/2010/main" val="2532099538"/>
+      </p:ext>
+    </p:extLst>
+  </p:cSld>
+  <p:clrMapOvr>
+    <a:masterClrMapping/>
+  </p:clrMapOvr>
+  <p:timing>
+    <p:tnLst>
+      <p:par>
+        <p:cTn id="1" dur="indefinite" restart="never" nodeType="tmRoot"/>
+      </p:par>
+    </p:tnLst>
+  </p:timing>
+</p:sld>
+</file>
+
+<file path=ppt/slides/slide19.xml><?xml version="1.0" encoding="utf-8"?>
+<p:sld xmlns:a="http://schemas.openxmlformats.org/drawingml/2006/main" xmlns:r="http://schemas.openxmlformats.org/officeDocument/2006/relationships" xmlns:p="http://schemas.openxmlformats.org/presentationml/2006/main">
+  <p:cSld>
+    <p:spTree>
+      <p:nvGrpSpPr>
+        <p:cNvPr id="1" name=""/>
+        <p:cNvGrpSpPr/>
+        <p:nvPr/>
+      </p:nvGrpSpPr>
+      <p:grpSpPr>
+        <a:xfrm>
+          <a:off x="0" y="0"/>
+          <a:ext cx="0" cy="0"/>
+          <a:chOff x="0" y="0"/>
+          <a:chExt cx="0" cy="0"/>
+        </a:xfrm>
+      </p:grpSpPr>
       <p:grpSp>
         <p:nvGrpSpPr>
           <p:cNvPr id="8" name="Group 7"/>
@@ -3149,7 +7105,7 @@
           <a:p>
             <a:fld id="{581BB28B-6C27-444C-B2E2-3960C28AE47A}" type="slidenum">
               <a:rPr lang="en-GB" smtClean="0"/>
-              <a:t>10</a:t>
+              <a:t>19</a:t>
             </a:fld>
             <a:endParaRPr lang="en-GB" dirty="0"/>
           </a:p>
@@ -3338,345 +7294,6 @@
     <p:extLst>
       <p:ext uri="{BB962C8B-B14F-4D97-AF65-F5344CB8AC3E}">
         <p14:creationId xmlns:p14="http://schemas.microsoft.com/office/powerpoint/2010/main" val="45514725"/>
-      </p:ext>
-    </p:extLst>
-  </p:cSld>
-  <p:clrMapOvr>
-    <a:masterClrMapping/>
-  </p:clrMapOvr>
-  <p:timing>
-    <p:tnLst>
-      <p:par>
-        <p:cTn id="1" dur="indefinite" restart="never" nodeType="tmRoot"/>
-      </p:par>
-    </p:tnLst>
-  </p:timing>
-</p:sld>
-</file>
-
-<file path=ppt/slides/slide11.xml><?xml version="1.0" encoding="utf-8"?>
-<p:sld xmlns:a="http://schemas.openxmlformats.org/drawingml/2006/main" xmlns:r="http://schemas.openxmlformats.org/officeDocument/2006/relationships" xmlns:p="http://schemas.openxmlformats.org/presentationml/2006/main">
-  <p:cSld>
-    <p:spTree>
-      <p:nvGrpSpPr>
-        <p:cNvPr id="1" name=""/>
-        <p:cNvGrpSpPr/>
-        <p:nvPr/>
-      </p:nvGrpSpPr>
-      <p:grpSpPr>
-        <a:xfrm>
-          <a:off x="0" y="0"/>
-          <a:ext cx="0" cy="0"/>
-          <a:chOff x="0" y="0"/>
-          <a:chExt cx="0" cy="0"/>
-        </a:xfrm>
-      </p:grpSpPr>
-      <p:sp>
-        <p:nvSpPr>
-          <p:cNvPr id="2" name="Title 1"/>
-          <p:cNvSpPr>
-            <a:spLocks noGrp="1"/>
-          </p:cNvSpPr>
-          <p:nvPr>
-            <p:ph type="title"/>
-          </p:nvPr>
-        </p:nvSpPr>
-        <p:spPr/>
-        <p:txBody>
-          <a:bodyPr/>
-          <a:lstStyle/>
-          <a:p>
-            <a:r>
-              <a:rPr lang="en-GB" b="1" dirty="0"/>
-              <a:t>4</a:t>
-            </a:r>
-            <a:r>
-              <a:rPr lang="en-GB" dirty="0"/>
-              <a:t>. </a:t>
-            </a:r>
-            <a:r>
-              <a:rPr lang="en-GB" dirty="0" smtClean="0"/>
-              <a:t>Alternatives</a:t>
-            </a:r>
-            <a:endParaRPr lang="en-GB" dirty="0"/>
-          </a:p>
-        </p:txBody>
-      </p:sp>
-      <p:sp>
-        <p:nvSpPr>
-          <p:cNvPr id="3" name="Content Placeholder 2"/>
-          <p:cNvSpPr>
-            <a:spLocks noGrp="1"/>
-          </p:cNvSpPr>
-          <p:nvPr>
-            <p:ph idx="1"/>
-          </p:nvPr>
-        </p:nvSpPr>
-        <p:spPr/>
-        <p:txBody>
-          <a:bodyPr>
-            <a:normAutofit/>
-          </a:bodyPr>
-          <a:lstStyle/>
-          <a:p>
-            <a:r>
-              <a:rPr lang="en-GB" sz="3200" dirty="0" smtClean="0"/>
-              <a:t>QH-mode</a:t>
-            </a:r>
-            <a:r>
-              <a:rPr lang="en-GB" sz="3200" dirty="0"/>
-              <a:t> </a:t>
-            </a:r>
-            <a:r>
-              <a:rPr lang="en-GB" sz="3200" dirty="0" smtClean="0"/>
-              <a:t>or I-mode</a:t>
-            </a:r>
-          </a:p>
-          <a:p>
-            <a:pPr lvl="1"/>
-            <a:r>
-              <a:rPr lang="en-GB" sz="2800" dirty="0" smtClean="0"/>
-              <a:t>High fusion performance without ELMs!</a:t>
-            </a:r>
-          </a:p>
-          <a:p>
-            <a:pPr lvl="2"/>
-            <a:r>
-              <a:rPr lang="en-GB" sz="2400" dirty="0" smtClean="0"/>
-              <a:t>(but with enhanced transport!)</a:t>
-            </a:r>
-          </a:p>
-          <a:p>
-            <a:endParaRPr lang="en-GB" sz="3200" dirty="0"/>
-          </a:p>
-          <a:p>
-            <a:r>
-              <a:rPr lang="en-GB" sz="3200" dirty="0" smtClean="0"/>
-              <a:t>Sounds worth investigating</a:t>
-            </a:r>
-            <a:endParaRPr lang="en-GB" sz="3200" dirty="0" smtClean="0"/>
-          </a:p>
-        </p:txBody>
-      </p:sp>
-      <p:sp>
-        <p:nvSpPr>
-          <p:cNvPr id="4" name="Date Placeholder 3"/>
-          <p:cNvSpPr>
-            <a:spLocks noGrp="1"/>
-          </p:cNvSpPr>
-          <p:nvPr>
-            <p:ph type="dt" sz="half" idx="10"/>
-          </p:nvPr>
-        </p:nvSpPr>
-        <p:spPr/>
-        <p:txBody>
-          <a:bodyPr/>
-          <a:lstStyle/>
-          <a:p>
-            <a:r>
-              <a:rPr lang="en-GB" smtClean="0"/>
-              <a:t>31/05/2016</a:t>
-            </a:r>
-            <a:endParaRPr lang="en-GB" dirty="0"/>
-          </a:p>
-        </p:txBody>
-      </p:sp>
-      <p:sp>
-        <p:nvSpPr>
-          <p:cNvPr id="5" name="Footer Placeholder 4"/>
-          <p:cNvSpPr>
-            <a:spLocks noGrp="1"/>
-          </p:cNvSpPr>
-          <p:nvPr>
-            <p:ph type="ftr" sz="quarter" idx="3"/>
-          </p:nvPr>
-        </p:nvSpPr>
-        <p:spPr>
-          <a:xfrm>
-            <a:off x="7912100" y="6343650"/>
-            <a:ext cx="4114800" cy="365125"/>
-          </a:xfrm>
-        </p:spPr>
-        <p:txBody>
-          <a:bodyPr/>
-          <a:lstStyle/>
-          <a:p>
-            <a:r>
-              <a:rPr lang="en-GB" smtClean="0"/>
-              <a:t>JOA509 – Frontiers of Fusion</a:t>
-            </a:r>
-            <a:endParaRPr lang="en-GB" dirty="0"/>
-          </a:p>
-        </p:txBody>
-      </p:sp>
-      <p:sp>
-        <p:nvSpPr>
-          <p:cNvPr id="6" name="Slide Number Placeholder 5"/>
-          <p:cNvSpPr>
-            <a:spLocks noGrp="1"/>
-          </p:cNvSpPr>
-          <p:nvPr>
-            <p:ph type="sldNum" sz="quarter" idx="12"/>
-          </p:nvPr>
-        </p:nvSpPr>
-        <p:spPr>
-          <a:xfrm>
-            <a:off x="4724400" y="6356350"/>
-            <a:ext cx="2743200" cy="365125"/>
-          </a:xfrm>
-        </p:spPr>
-        <p:txBody>
-          <a:bodyPr/>
-          <a:lstStyle/>
-          <a:p>
-            <a:fld id="{581BB28B-6C27-444C-B2E2-3960C28AE47A}" type="slidenum">
-              <a:rPr lang="en-GB" smtClean="0"/>
-              <a:t>11</a:t>
-            </a:fld>
-            <a:endParaRPr lang="en-GB" dirty="0"/>
-          </a:p>
-        </p:txBody>
-      </p:sp>
-    </p:spTree>
-    <p:extLst>
-      <p:ext uri="{BB962C8B-B14F-4D97-AF65-F5344CB8AC3E}">
-        <p14:creationId xmlns:p14="http://schemas.microsoft.com/office/powerpoint/2010/main" val="966544146"/>
-      </p:ext>
-    </p:extLst>
-  </p:cSld>
-  <p:clrMapOvr>
-    <a:masterClrMapping/>
-  </p:clrMapOvr>
-  <p:timing>
-    <p:tnLst>
-      <p:par>
-        <p:cTn id="1" dur="indefinite" restart="never" nodeType="tmRoot"/>
-      </p:par>
-    </p:tnLst>
-  </p:timing>
-</p:sld>
-</file>
-
-<file path=ppt/slides/slide12.xml><?xml version="1.0" encoding="utf-8"?>
-<p:sld xmlns:a="http://schemas.openxmlformats.org/drawingml/2006/main" xmlns:r="http://schemas.openxmlformats.org/officeDocument/2006/relationships" xmlns:p="http://schemas.openxmlformats.org/presentationml/2006/main">
-  <p:cSld>
-    <p:spTree>
-      <p:nvGrpSpPr>
-        <p:cNvPr id="1" name=""/>
-        <p:cNvGrpSpPr/>
-        <p:nvPr/>
-      </p:nvGrpSpPr>
-      <p:grpSpPr>
-        <a:xfrm>
-          <a:off x="0" y="0"/>
-          <a:ext cx="0" cy="0"/>
-          <a:chOff x="0" y="0"/>
-          <a:chExt cx="0" cy="0"/>
-        </a:xfrm>
-      </p:grpSpPr>
-      <p:sp>
-        <p:nvSpPr>
-          <p:cNvPr id="2" name="Title 1"/>
-          <p:cNvSpPr>
-            <a:spLocks noGrp="1"/>
-          </p:cNvSpPr>
-          <p:nvPr>
-            <p:ph type="title"/>
-          </p:nvPr>
-        </p:nvSpPr>
-        <p:spPr>
-          <a:xfrm>
-            <a:off x="838200" y="2209800"/>
-            <a:ext cx="10515600" cy="1325563"/>
-          </a:xfrm>
-        </p:spPr>
-        <p:txBody>
-          <a:bodyPr/>
-          <a:lstStyle/>
-          <a:p>
-            <a:pPr algn="ctr"/>
-            <a:r>
-              <a:rPr lang="en-GB" dirty="0" smtClean="0"/>
-              <a:t>Thank you for listening!</a:t>
-            </a:r>
-            <a:endParaRPr lang="en-GB" dirty="0"/>
-          </a:p>
-        </p:txBody>
-      </p:sp>
-      <p:sp>
-        <p:nvSpPr>
-          <p:cNvPr id="4" name="Date Placeholder 3"/>
-          <p:cNvSpPr>
-            <a:spLocks noGrp="1"/>
-          </p:cNvSpPr>
-          <p:nvPr>
-            <p:ph type="dt" sz="half" idx="10"/>
-          </p:nvPr>
-        </p:nvSpPr>
-        <p:spPr/>
-        <p:txBody>
-          <a:bodyPr/>
-          <a:lstStyle/>
-          <a:p>
-            <a:r>
-              <a:rPr lang="en-GB" smtClean="0"/>
-              <a:t>31/05/2016</a:t>
-            </a:r>
-            <a:endParaRPr lang="en-GB" dirty="0"/>
-          </a:p>
-        </p:txBody>
-      </p:sp>
-      <p:sp>
-        <p:nvSpPr>
-          <p:cNvPr id="5" name="Slide Number Placeholder 4"/>
-          <p:cNvSpPr>
-            <a:spLocks noGrp="1"/>
-          </p:cNvSpPr>
-          <p:nvPr>
-            <p:ph type="sldNum" sz="quarter" idx="12"/>
-          </p:nvPr>
-        </p:nvSpPr>
-        <p:spPr/>
-        <p:txBody>
-          <a:bodyPr/>
-          <a:lstStyle/>
-          <a:p>
-            <a:fld id="{581BB28B-6C27-444C-B2E2-3960C28AE47A}" type="slidenum">
-              <a:rPr lang="en-GB" smtClean="0"/>
-              <a:pPr/>
-              <a:t>12</a:t>
-            </a:fld>
-            <a:endParaRPr lang="en-GB" dirty="0"/>
-          </a:p>
-        </p:txBody>
-      </p:sp>
-      <p:sp>
-        <p:nvSpPr>
-          <p:cNvPr id="6" name="Footer Placeholder 5"/>
-          <p:cNvSpPr>
-            <a:spLocks noGrp="1"/>
-          </p:cNvSpPr>
-          <p:nvPr>
-            <p:ph type="ftr" sz="quarter" idx="3"/>
-          </p:nvPr>
-        </p:nvSpPr>
-        <p:spPr/>
-        <p:txBody>
-          <a:bodyPr/>
-          <a:lstStyle/>
-          <a:p>
-            <a:r>
-              <a:rPr lang="en-GB" smtClean="0"/>
-              <a:t>JOA509 - Frontiers of Fusion</a:t>
-            </a:r>
-            <a:endParaRPr lang="en-GB" dirty="0"/>
-          </a:p>
-        </p:txBody>
-      </p:sp>
-    </p:spTree>
-    <p:extLst>
-      <p:ext uri="{BB962C8B-B14F-4D97-AF65-F5344CB8AC3E}">
-        <p14:creationId xmlns:p14="http://schemas.microsoft.com/office/powerpoint/2010/main" val="4077784839"/>
       </p:ext>
     </p:extLst>
   </p:cSld>
@@ -3968,6 +7585,345 @@
 </p:sld>
 </file>
 
+<file path=ppt/slides/slide20.xml><?xml version="1.0" encoding="utf-8"?>
+<p:sld xmlns:a="http://schemas.openxmlformats.org/drawingml/2006/main" xmlns:r="http://schemas.openxmlformats.org/officeDocument/2006/relationships" xmlns:p="http://schemas.openxmlformats.org/presentationml/2006/main">
+  <p:cSld>
+    <p:spTree>
+      <p:nvGrpSpPr>
+        <p:cNvPr id="1" name=""/>
+        <p:cNvGrpSpPr/>
+        <p:nvPr/>
+      </p:nvGrpSpPr>
+      <p:grpSpPr>
+        <a:xfrm>
+          <a:off x="0" y="0"/>
+          <a:ext cx="0" cy="0"/>
+          <a:chOff x="0" y="0"/>
+          <a:chExt cx="0" cy="0"/>
+        </a:xfrm>
+      </p:grpSpPr>
+      <p:sp>
+        <p:nvSpPr>
+          <p:cNvPr id="2" name="Title 1"/>
+          <p:cNvSpPr>
+            <a:spLocks noGrp="1"/>
+          </p:cNvSpPr>
+          <p:nvPr>
+            <p:ph type="title"/>
+          </p:nvPr>
+        </p:nvSpPr>
+        <p:spPr/>
+        <p:txBody>
+          <a:bodyPr/>
+          <a:lstStyle/>
+          <a:p>
+            <a:r>
+              <a:rPr lang="en-GB" b="1" dirty="0"/>
+              <a:t>4</a:t>
+            </a:r>
+            <a:r>
+              <a:rPr lang="en-GB" dirty="0"/>
+              <a:t>. </a:t>
+            </a:r>
+            <a:r>
+              <a:rPr lang="en-GB" dirty="0" smtClean="0"/>
+              <a:t>Alternatives</a:t>
+            </a:r>
+            <a:endParaRPr lang="en-GB" dirty="0"/>
+          </a:p>
+        </p:txBody>
+      </p:sp>
+      <p:sp>
+        <p:nvSpPr>
+          <p:cNvPr id="3" name="Content Placeholder 2"/>
+          <p:cNvSpPr>
+            <a:spLocks noGrp="1"/>
+          </p:cNvSpPr>
+          <p:nvPr>
+            <p:ph idx="1"/>
+          </p:nvPr>
+        </p:nvSpPr>
+        <p:spPr/>
+        <p:txBody>
+          <a:bodyPr>
+            <a:normAutofit/>
+          </a:bodyPr>
+          <a:lstStyle/>
+          <a:p>
+            <a:r>
+              <a:rPr lang="en-GB" sz="3200" dirty="0" smtClean="0"/>
+              <a:t>QH-mode</a:t>
+            </a:r>
+            <a:r>
+              <a:rPr lang="en-GB" sz="3200" dirty="0"/>
+              <a:t> </a:t>
+            </a:r>
+            <a:r>
+              <a:rPr lang="en-GB" sz="3200" dirty="0" smtClean="0"/>
+              <a:t>or I-mode</a:t>
+            </a:r>
+          </a:p>
+          <a:p>
+            <a:pPr lvl="1"/>
+            <a:r>
+              <a:rPr lang="en-GB" sz="2800" dirty="0" smtClean="0"/>
+              <a:t>High fusion performance without ELMs!</a:t>
+            </a:r>
+          </a:p>
+          <a:p>
+            <a:pPr lvl="2"/>
+            <a:r>
+              <a:rPr lang="en-GB" sz="2400" dirty="0" smtClean="0"/>
+              <a:t>(but with enhanced transport!)</a:t>
+            </a:r>
+          </a:p>
+          <a:p>
+            <a:endParaRPr lang="en-GB" sz="3200" dirty="0"/>
+          </a:p>
+          <a:p>
+            <a:r>
+              <a:rPr lang="en-GB" sz="3200" dirty="0" smtClean="0"/>
+              <a:t>Sounds worth investigating</a:t>
+            </a:r>
+            <a:endParaRPr lang="en-GB" sz="3200" dirty="0" smtClean="0"/>
+          </a:p>
+        </p:txBody>
+      </p:sp>
+      <p:sp>
+        <p:nvSpPr>
+          <p:cNvPr id="4" name="Date Placeholder 3"/>
+          <p:cNvSpPr>
+            <a:spLocks noGrp="1"/>
+          </p:cNvSpPr>
+          <p:nvPr>
+            <p:ph type="dt" sz="half" idx="10"/>
+          </p:nvPr>
+        </p:nvSpPr>
+        <p:spPr/>
+        <p:txBody>
+          <a:bodyPr/>
+          <a:lstStyle/>
+          <a:p>
+            <a:r>
+              <a:rPr lang="en-GB" smtClean="0"/>
+              <a:t>31/05/2016</a:t>
+            </a:r>
+            <a:endParaRPr lang="en-GB" dirty="0"/>
+          </a:p>
+        </p:txBody>
+      </p:sp>
+      <p:sp>
+        <p:nvSpPr>
+          <p:cNvPr id="5" name="Footer Placeholder 4"/>
+          <p:cNvSpPr>
+            <a:spLocks noGrp="1"/>
+          </p:cNvSpPr>
+          <p:nvPr>
+            <p:ph type="ftr" sz="quarter" idx="3"/>
+          </p:nvPr>
+        </p:nvSpPr>
+        <p:spPr>
+          <a:xfrm>
+            <a:off x="7912100" y="6343650"/>
+            <a:ext cx="4114800" cy="365125"/>
+          </a:xfrm>
+        </p:spPr>
+        <p:txBody>
+          <a:bodyPr/>
+          <a:lstStyle/>
+          <a:p>
+            <a:r>
+              <a:rPr lang="en-GB" smtClean="0"/>
+              <a:t>JOA509 – Frontiers of Fusion</a:t>
+            </a:r>
+            <a:endParaRPr lang="en-GB" dirty="0"/>
+          </a:p>
+        </p:txBody>
+      </p:sp>
+      <p:sp>
+        <p:nvSpPr>
+          <p:cNvPr id="6" name="Slide Number Placeholder 5"/>
+          <p:cNvSpPr>
+            <a:spLocks noGrp="1"/>
+          </p:cNvSpPr>
+          <p:nvPr>
+            <p:ph type="sldNum" sz="quarter" idx="12"/>
+          </p:nvPr>
+        </p:nvSpPr>
+        <p:spPr>
+          <a:xfrm>
+            <a:off x="4724400" y="6356350"/>
+            <a:ext cx="2743200" cy="365125"/>
+          </a:xfrm>
+        </p:spPr>
+        <p:txBody>
+          <a:bodyPr/>
+          <a:lstStyle/>
+          <a:p>
+            <a:fld id="{581BB28B-6C27-444C-B2E2-3960C28AE47A}" type="slidenum">
+              <a:rPr lang="en-GB" smtClean="0"/>
+              <a:t>20</a:t>
+            </a:fld>
+            <a:endParaRPr lang="en-GB" dirty="0"/>
+          </a:p>
+        </p:txBody>
+      </p:sp>
+    </p:spTree>
+    <p:extLst>
+      <p:ext uri="{BB962C8B-B14F-4D97-AF65-F5344CB8AC3E}">
+        <p14:creationId xmlns:p14="http://schemas.microsoft.com/office/powerpoint/2010/main" val="966544146"/>
+      </p:ext>
+    </p:extLst>
+  </p:cSld>
+  <p:clrMapOvr>
+    <a:masterClrMapping/>
+  </p:clrMapOvr>
+  <p:timing>
+    <p:tnLst>
+      <p:par>
+        <p:cTn id="1" dur="indefinite" restart="never" nodeType="tmRoot"/>
+      </p:par>
+    </p:tnLst>
+  </p:timing>
+</p:sld>
+</file>
+
+<file path=ppt/slides/slide21.xml><?xml version="1.0" encoding="utf-8"?>
+<p:sld xmlns:a="http://schemas.openxmlformats.org/drawingml/2006/main" xmlns:r="http://schemas.openxmlformats.org/officeDocument/2006/relationships" xmlns:p="http://schemas.openxmlformats.org/presentationml/2006/main">
+  <p:cSld>
+    <p:spTree>
+      <p:nvGrpSpPr>
+        <p:cNvPr id="1" name=""/>
+        <p:cNvGrpSpPr/>
+        <p:nvPr/>
+      </p:nvGrpSpPr>
+      <p:grpSpPr>
+        <a:xfrm>
+          <a:off x="0" y="0"/>
+          <a:ext cx="0" cy="0"/>
+          <a:chOff x="0" y="0"/>
+          <a:chExt cx="0" cy="0"/>
+        </a:xfrm>
+      </p:grpSpPr>
+      <p:sp>
+        <p:nvSpPr>
+          <p:cNvPr id="2" name="Title 1"/>
+          <p:cNvSpPr>
+            <a:spLocks noGrp="1"/>
+          </p:cNvSpPr>
+          <p:nvPr>
+            <p:ph type="title"/>
+          </p:nvPr>
+        </p:nvSpPr>
+        <p:spPr>
+          <a:xfrm>
+            <a:off x="838200" y="2209800"/>
+            <a:ext cx="10515600" cy="1325563"/>
+          </a:xfrm>
+        </p:spPr>
+        <p:txBody>
+          <a:bodyPr/>
+          <a:lstStyle/>
+          <a:p>
+            <a:pPr algn="ctr"/>
+            <a:r>
+              <a:rPr lang="en-GB" dirty="0" smtClean="0"/>
+              <a:t>Thank you for listening!</a:t>
+            </a:r>
+            <a:endParaRPr lang="en-GB" dirty="0"/>
+          </a:p>
+        </p:txBody>
+      </p:sp>
+      <p:sp>
+        <p:nvSpPr>
+          <p:cNvPr id="4" name="Date Placeholder 3"/>
+          <p:cNvSpPr>
+            <a:spLocks noGrp="1"/>
+          </p:cNvSpPr>
+          <p:nvPr>
+            <p:ph type="dt" sz="half" idx="10"/>
+          </p:nvPr>
+        </p:nvSpPr>
+        <p:spPr/>
+        <p:txBody>
+          <a:bodyPr/>
+          <a:lstStyle/>
+          <a:p>
+            <a:r>
+              <a:rPr lang="en-GB" smtClean="0"/>
+              <a:t>31/05/2016</a:t>
+            </a:r>
+            <a:endParaRPr lang="en-GB" dirty="0"/>
+          </a:p>
+        </p:txBody>
+      </p:sp>
+      <p:sp>
+        <p:nvSpPr>
+          <p:cNvPr id="5" name="Slide Number Placeholder 4"/>
+          <p:cNvSpPr>
+            <a:spLocks noGrp="1"/>
+          </p:cNvSpPr>
+          <p:nvPr>
+            <p:ph type="sldNum" sz="quarter" idx="12"/>
+          </p:nvPr>
+        </p:nvSpPr>
+        <p:spPr/>
+        <p:txBody>
+          <a:bodyPr/>
+          <a:lstStyle/>
+          <a:p>
+            <a:fld id="{581BB28B-6C27-444C-B2E2-3960C28AE47A}" type="slidenum">
+              <a:rPr lang="en-GB" smtClean="0"/>
+              <a:pPr/>
+              <a:t>21</a:t>
+            </a:fld>
+            <a:endParaRPr lang="en-GB" dirty="0"/>
+          </a:p>
+        </p:txBody>
+      </p:sp>
+      <p:sp>
+        <p:nvSpPr>
+          <p:cNvPr id="6" name="Footer Placeholder 5"/>
+          <p:cNvSpPr>
+            <a:spLocks noGrp="1"/>
+          </p:cNvSpPr>
+          <p:nvPr>
+            <p:ph type="ftr" sz="quarter" idx="3"/>
+          </p:nvPr>
+        </p:nvSpPr>
+        <p:spPr/>
+        <p:txBody>
+          <a:bodyPr/>
+          <a:lstStyle/>
+          <a:p>
+            <a:r>
+              <a:rPr lang="en-GB" smtClean="0"/>
+              <a:t>JOA509 - Frontiers of Fusion</a:t>
+            </a:r>
+            <a:endParaRPr lang="en-GB" dirty="0"/>
+          </a:p>
+        </p:txBody>
+      </p:sp>
+    </p:spTree>
+    <p:extLst>
+      <p:ext uri="{BB962C8B-B14F-4D97-AF65-F5344CB8AC3E}">
+        <p14:creationId xmlns:p14="http://schemas.microsoft.com/office/powerpoint/2010/main" val="4077784839"/>
+      </p:ext>
+    </p:extLst>
+  </p:cSld>
+  <p:clrMapOvr>
+    <a:masterClrMapping/>
+  </p:clrMapOvr>
+  <p:timing>
+    <p:tnLst>
+      <p:par>
+        <p:cTn id="1" dur="indefinite" restart="never" nodeType="tmRoot"/>
+      </p:par>
+    </p:tnLst>
+  </p:timing>
+</p:sld>
+</file>
+
 <file path=ppt/slides/slide3.xml><?xml version="1.0" encoding="utf-8"?>
 <p:sld xmlns:a="http://schemas.openxmlformats.org/drawingml/2006/main" xmlns:r="http://schemas.openxmlformats.org/officeDocument/2006/relationships" xmlns:p="http://schemas.openxmlformats.org/presentationml/2006/main">
   <p:cSld>
@@ -4054,6 +8010,177 @@
             <a:endParaRPr lang="en-GB" dirty="0" smtClean="0"/>
           </a:p>
           <a:p>
+            <a:pPr lvl="1"/>
+            <a:endParaRPr lang="en-GB" dirty="0"/>
+          </a:p>
+        </p:txBody>
+      </p:sp>
+      <p:sp>
+        <p:nvSpPr>
+          <p:cNvPr id="4" name="Date Placeholder 3"/>
+          <p:cNvSpPr>
+            <a:spLocks noGrp="1"/>
+          </p:cNvSpPr>
+          <p:nvPr>
+            <p:ph type="dt" sz="half" idx="10"/>
+          </p:nvPr>
+        </p:nvSpPr>
+        <p:spPr/>
+        <p:txBody>
+          <a:bodyPr/>
+          <a:lstStyle/>
+          <a:p>
+            <a:r>
+              <a:rPr lang="en-GB" smtClean="0"/>
+              <a:t>31/05/2016</a:t>
+            </a:r>
+            <a:endParaRPr lang="en-GB" dirty="0"/>
+          </a:p>
+        </p:txBody>
+      </p:sp>
+      <p:sp>
+        <p:nvSpPr>
+          <p:cNvPr id="5" name="Footer Placeholder 4"/>
+          <p:cNvSpPr>
+            <a:spLocks noGrp="1"/>
+          </p:cNvSpPr>
+          <p:nvPr>
+            <p:ph type="ftr" sz="quarter" idx="3"/>
+          </p:nvPr>
+        </p:nvSpPr>
+        <p:spPr>
+          <a:xfrm>
+            <a:off x="7912100" y="6343650"/>
+            <a:ext cx="4114800" cy="365125"/>
+          </a:xfrm>
+        </p:spPr>
+        <p:txBody>
+          <a:bodyPr/>
+          <a:lstStyle/>
+          <a:p>
+            <a:r>
+              <a:rPr lang="en-GB" dirty="0" smtClean="0"/>
+              <a:t>JOA509 – Frontiers of Fusion</a:t>
+            </a:r>
+            <a:endParaRPr lang="en-GB" dirty="0"/>
+          </a:p>
+        </p:txBody>
+      </p:sp>
+      <p:sp>
+        <p:nvSpPr>
+          <p:cNvPr id="6" name="Slide Number Placeholder 5"/>
+          <p:cNvSpPr>
+            <a:spLocks noGrp="1"/>
+          </p:cNvSpPr>
+          <p:nvPr>
+            <p:ph type="sldNum" sz="quarter" idx="12"/>
+          </p:nvPr>
+        </p:nvSpPr>
+        <p:spPr>
+          <a:xfrm>
+            <a:off x="4724400" y="6356350"/>
+            <a:ext cx="2743200" cy="365125"/>
+          </a:xfrm>
+        </p:spPr>
+        <p:txBody>
+          <a:bodyPr/>
+          <a:lstStyle/>
+          <a:p>
+            <a:fld id="{581BB28B-6C27-444C-B2E2-3960C28AE47A}" type="slidenum">
+              <a:rPr lang="en-GB" smtClean="0"/>
+              <a:t>3</a:t>
+            </a:fld>
+            <a:endParaRPr lang="en-GB" dirty="0"/>
+          </a:p>
+        </p:txBody>
+      </p:sp>
+    </p:spTree>
+    <p:extLst>
+      <p:ext uri="{BB962C8B-B14F-4D97-AF65-F5344CB8AC3E}">
+        <p14:creationId xmlns:p14="http://schemas.microsoft.com/office/powerpoint/2010/main" val="2706753709"/>
+      </p:ext>
+    </p:extLst>
+  </p:cSld>
+  <p:clrMapOvr>
+    <a:masterClrMapping/>
+  </p:clrMapOvr>
+  <p:timing>
+    <p:tnLst>
+      <p:par>
+        <p:cTn id="1" dur="indefinite" restart="never" nodeType="tmRoot"/>
+      </p:par>
+    </p:tnLst>
+  </p:timing>
+</p:sld>
+</file>
+
+<file path=ppt/slides/slide4.xml><?xml version="1.0" encoding="utf-8"?>
+<p:sld xmlns:a="http://schemas.openxmlformats.org/drawingml/2006/main" xmlns:r="http://schemas.openxmlformats.org/officeDocument/2006/relationships" xmlns:p="http://schemas.openxmlformats.org/presentationml/2006/main">
+  <p:cSld>
+    <p:spTree>
+      <p:nvGrpSpPr>
+        <p:cNvPr id="1" name=""/>
+        <p:cNvGrpSpPr/>
+        <p:nvPr/>
+      </p:nvGrpSpPr>
+      <p:grpSpPr>
+        <a:xfrm>
+          <a:off x="0" y="0"/>
+          <a:ext cx="0" cy="0"/>
+          <a:chOff x="0" y="0"/>
+          <a:chExt cx="0" cy="0"/>
+        </a:xfrm>
+      </p:grpSpPr>
+      <p:sp>
+        <p:nvSpPr>
+          <p:cNvPr id="2" name="Title 1"/>
+          <p:cNvSpPr>
+            <a:spLocks noGrp="1"/>
+          </p:cNvSpPr>
+          <p:nvPr>
+            <p:ph type="title"/>
+          </p:nvPr>
+        </p:nvSpPr>
+        <p:spPr>
+          <a:xfrm>
+            <a:off x="137492" y="0"/>
+            <a:ext cx="12001500" cy="1325563"/>
+          </a:xfrm>
+        </p:spPr>
+        <p:txBody>
+          <a:bodyPr>
+            <a:noAutofit/>
+          </a:bodyPr>
+          <a:lstStyle/>
+          <a:p>
+            <a:r>
+              <a:rPr lang="en-GB" sz="6000" dirty="0" smtClean="0"/>
+              <a:t>1. Background understanding of ELMs</a:t>
+            </a:r>
+            <a:endParaRPr lang="en-GB" sz="6000" dirty="0"/>
+          </a:p>
+        </p:txBody>
+      </p:sp>
+      <p:sp>
+        <p:nvSpPr>
+          <p:cNvPr id="3" name="Content Placeholder 2"/>
+          <p:cNvSpPr>
+            <a:spLocks noGrp="1"/>
+          </p:cNvSpPr>
+          <p:nvPr>
+            <p:ph idx="1"/>
+          </p:nvPr>
+        </p:nvSpPr>
+        <p:spPr>
+          <a:xfrm>
+            <a:off x="838200" y="1825625"/>
+            <a:ext cx="6915150" cy="4351338"/>
+          </a:xfrm>
+        </p:spPr>
+        <p:txBody>
+          <a:bodyPr/>
+          <a:lstStyle/>
+          <a:p>
             <a:pPr>
               <a:buSzPct val="120000"/>
               <a:buFont typeface="Wingdings" panose="05000000000000000000" pitchFamily="2" charset="2"/>
@@ -4061,7 +8188,7 @@
             </a:pPr>
             <a:r>
               <a:rPr lang="en-GB" dirty="0" smtClean="0"/>
-              <a:t>Edge pedestal gradient is inherently unstable</a:t>
+              <a:t>Generic to tokamaks in H-mode</a:t>
             </a:r>
           </a:p>
           <a:p>
@@ -4080,6 +8207,229 @@
             </a:pPr>
             <a:r>
               <a:rPr lang="en-GB" dirty="0" smtClean="0"/>
+              <a:t>Edge pedestal gradient is inherently unstable</a:t>
+            </a:r>
+          </a:p>
+          <a:p>
+            <a:pPr marL="0" indent="0">
+              <a:buSzPct val="120000"/>
+              <a:buNone/>
+            </a:pPr>
+            <a:endParaRPr lang="en-GB" dirty="0" smtClean="0"/>
+          </a:p>
+        </p:txBody>
+      </p:sp>
+      <p:sp>
+        <p:nvSpPr>
+          <p:cNvPr id="4" name="Date Placeholder 3"/>
+          <p:cNvSpPr>
+            <a:spLocks noGrp="1"/>
+          </p:cNvSpPr>
+          <p:nvPr>
+            <p:ph type="dt" sz="half" idx="10"/>
+          </p:nvPr>
+        </p:nvSpPr>
+        <p:spPr/>
+        <p:txBody>
+          <a:bodyPr/>
+          <a:lstStyle/>
+          <a:p>
+            <a:r>
+              <a:rPr lang="en-GB" smtClean="0"/>
+              <a:t>31/05/2016</a:t>
+            </a:r>
+            <a:endParaRPr lang="en-GB" dirty="0"/>
+          </a:p>
+        </p:txBody>
+      </p:sp>
+      <p:sp>
+        <p:nvSpPr>
+          <p:cNvPr id="5" name="Footer Placeholder 4"/>
+          <p:cNvSpPr>
+            <a:spLocks noGrp="1"/>
+          </p:cNvSpPr>
+          <p:nvPr>
+            <p:ph type="ftr" sz="quarter" idx="3"/>
+          </p:nvPr>
+        </p:nvSpPr>
+        <p:spPr>
+          <a:xfrm>
+            <a:off x="7912100" y="6343650"/>
+            <a:ext cx="4114800" cy="365125"/>
+          </a:xfrm>
+        </p:spPr>
+        <p:txBody>
+          <a:bodyPr/>
+          <a:lstStyle/>
+          <a:p>
+            <a:r>
+              <a:rPr lang="en-GB" dirty="0" smtClean="0"/>
+              <a:t>JOA509 – Frontiers of Fusion</a:t>
+            </a:r>
+            <a:endParaRPr lang="en-GB" dirty="0"/>
+          </a:p>
+        </p:txBody>
+      </p:sp>
+      <p:sp>
+        <p:nvSpPr>
+          <p:cNvPr id="6" name="Slide Number Placeholder 5"/>
+          <p:cNvSpPr>
+            <a:spLocks noGrp="1"/>
+          </p:cNvSpPr>
+          <p:nvPr>
+            <p:ph type="sldNum" sz="quarter" idx="12"/>
+          </p:nvPr>
+        </p:nvSpPr>
+        <p:spPr>
+          <a:xfrm>
+            <a:off x="4724400" y="6356350"/>
+            <a:ext cx="2743200" cy="365125"/>
+          </a:xfrm>
+        </p:spPr>
+        <p:txBody>
+          <a:bodyPr/>
+          <a:lstStyle/>
+          <a:p>
+            <a:fld id="{581BB28B-6C27-444C-B2E2-3960C28AE47A}" type="slidenum">
+              <a:rPr lang="en-GB" smtClean="0"/>
+              <a:t>4</a:t>
+            </a:fld>
+            <a:endParaRPr lang="en-GB" dirty="0"/>
+          </a:p>
+        </p:txBody>
+      </p:sp>
+    </p:spTree>
+    <p:extLst>
+      <p:ext uri="{BB962C8B-B14F-4D97-AF65-F5344CB8AC3E}">
+        <p14:creationId xmlns:p14="http://schemas.microsoft.com/office/powerpoint/2010/main" val="2887265020"/>
+      </p:ext>
+    </p:extLst>
+  </p:cSld>
+  <p:clrMapOvr>
+    <a:masterClrMapping/>
+  </p:clrMapOvr>
+  <p:timing>
+    <p:tnLst>
+      <p:par>
+        <p:cTn id="1" dur="indefinite" restart="never" nodeType="tmRoot"/>
+      </p:par>
+    </p:tnLst>
+  </p:timing>
+</p:sld>
+</file>
+
+<file path=ppt/slides/slide5.xml><?xml version="1.0" encoding="utf-8"?>
+<p:sld xmlns:a="http://schemas.openxmlformats.org/drawingml/2006/main" xmlns:r="http://schemas.openxmlformats.org/officeDocument/2006/relationships" xmlns:p="http://schemas.openxmlformats.org/presentationml/2006/main">
+  <p:cSld>
+    <p:spTree>
+      <p:nvGrpSpPr>
+        <p:cNvPr id="1" name=""/>
+        <p:cNvGrpSpPr/>
+        <p:nvPr/>
+      </p:nvGrpSpPr>
+      <p:grpSpPr>
+        <a:xfrm>
+          <a:off x="0" y="0"/>
+          <a:ext cx="0" cy="0"/>
+          <a:chOff x="0" y="0"/>
+          <a:chExt cx="0" cy="0"/>
+        </a:xfrm>
+      </p:grpSpPr>
+      <p:sp>
+        <p:nvSpPr>
+          <p:cNvPr id="2" name="Title 1"/>
+          <p:cNvSpPr>
+            <a:spLocks noGrp="1"/>
+          </p:cNvSpPr>
+          <p:nvPr>
+            <p:ph type="title"/>
+          </p:nvPr>
+        </p:nvSpPr>
+        <p:spPr>
+          <a:xfrm>
+            <a:off x="137492" y="0"/>
+            <a:ext cx="12001500" cy="1325563"/>
+          </a:xfrm>
+        </p:spPr>
+        <p:txBody>
+          <a:bodyPr>
+            <a:noAutofit/>
+          </a:bodyPr>
+          <a:lstStyle/>
+          <a:p>
+            <a:r>
+              <a:rPr lang="en-GB" sz="6000" dirty="0" smtClean="0"/>
+              <a:t>1. Background understanding of ELMs</a:t>
+            </a:r>
+            <a:endParaRPr lang="en-GB" sz="6000" dirty="0"/>
+          </a:p>
+        </p:txBody>
+      </p:sp>
+      <p:sp>
+        <p:nvSpPr>
+          <p:cNvPr id="3" name="Content Placeholder 2"/>
+          <p:cNvSpPr>
+            <a:spLocks noGrp="1"/>
+          </p:cNvSpPr>
+          <p:nvPr>
+            <p:ph idx="1"/>
+          </p:nvPr>
+        </p:nvSpPr>
+        <p:spPr>
+          <a:xfrm>
+            <a:off x="838200" y="1825625"/>
+            <a:ext cx="6915150" cy="4351338"/>
+          </a:xfrm>
+        </p:spPr>
+        <p:txBody>
+          <a:bodyPr/>
+          <a:lstStyle/>
+          <a:p>
+            <a:pPr>
+              <a:buSzPct val="120000"/>
+              <a:buFont typeface="Wingdings" panose="05000000000000000000" pitchFamily="2" charset="2"/>
+              <a:buChar char="Ø"/>
+            </a:pPr>
+            <a:r>
+              <a:rPr lang="en-GB" dirty="0" smtClean="0"/>
+              <a:t>Generic to tokamaks in H-mode</a:t>
+            </a:r>
+          </a:p>
+          <a:p>
+            <a:pPr>
+              <a:buSzPct val="120000"/>
+              <a:buFont typeface="Wingdings" panose="05000000000000000000" pitchFamily="2" charset="2"/>
+              <a:buChar char="Ø"/>
+            </a:pPr>
+            <a:endParaRPr lang="en-GB" dirty="0" smtClean="0"/>
+          </a:p>
+          <a:p>
+            <a:pPr>
+              <a:buSzPct val="120000"/>
+              <a:buFont typeface="Wingdings" panose="05000000000000000000" pitchFamily="2" charset="2"/>
+              <a:buChar char="Ø"/>
+            </a:pPr>
+            <a:r>
+              <a:rPr lang="en-GB" dirty="0" smtClean="0"/>
+              <a:t>Edge pedestal gradient is inherently unstable</a:t>
+            </a:r>
+          </a:p>
+          <a:p>
+            <a:pPr>
+              <a:buSzPct val="120000"/>
+              <a:buFont typeface="Wingdings" panose="05000000000000000000" pitchFamily="2" charset="2"/>
+              <a:buChar char="Ø"/>
+            </a:pPr>
+            <a:endParaRPr lang="en-GB" dirty="0" smtClean="0"/>
+          </a:p>
+          <a:p>
+            <a:pPr>
+              <a:buSzPct val="120000"/>
+              <a:buFont typeface="Wingdings" panose="05000000000000000000" pitchFamily="2" charset="2"/>
+              <a:buChar char="Ø"/>
+            </a:pPr>
+            <a:r>
+              <a:rPr lang="en-GB" dirty="0" smtClean="0"/>
               <a:t>Thought to be caused by Peeling-Ballooning mode instabilities </a:t>
             </a:r>
           </a:p>
@@ -4169,7 +8519,7 @@
           <a:p>
             <a:fld id="{581BB28B-6C27-444C-B2E2-3960C28AE47A}" type="slidenum">
               <a:rPr lang="en-GB" smtClean="0"/>
-              <a:t>3</a:t>
+              <a:t>5</a:t>
             </a:fld>
             <a:endParaRPr lang="en-GB" dirty="0"/>
           </a:p>
@@ -4328,529 +8678,7 @@
     </p:spTree>
     <p:extLst>
       <p:ext uri="{BB962C8B-B14F-4D97-AF65-F5344CB8AC3E}">
-        <p14:creationId xmlns:p14="http://schemas.microsoft.com/office/powerpoint/2010/main" val="2706753709"/>
-      </p:ext>
-    </p:extLst>
-  </p:cSld>
-  <p:clrMapOvr>
-    <a:masterClrMapping/>
-  </p:clrMapOvr>
-  <p:timing>
-    <p:tnLst>
-      <p:par>
-        <p:cTn id="1" dur="indefinite" restart="never" nodeType="tmRoot">
-          <p:childTnLst>
-            <p:seq concurrent="1" nextAc="seek">
-              <p:cTn id="2" dur="indefinite" nodeType="mainSeq">
-                <p:childTnLst>
-                  <p:par>
-                    <p:cTn id="3" fill="hold">
-                      <p:stCondLst>
-                        <p:cond delay="indefinite"/>
-                      </p:stCondLst>
-                      <p:childTnLst>
-                        <p:par>
-                          <p:cTn id="4" fill="hold">
-                            <p:stCondLst>
-                              <p:cond delay="0"/>
-                            </p:stCondLst>
-                            <p:childTnLst>
-                              <p:par>
-                                <p:cTn id="5" presetID="1" presetClass="entr" presetSubtype="0" fill="hold" nodeType="clickEffect">
-                                  <p:stCondLst>
-                                    <p:cond delay="0"/>
-                                  </p:stCondLst>
-                                  <p:childTnLst>
-                                    <p:set>
-                                      <p:cBhvr>
-                                        <p:cTn id="6" dur="1" fill="hold">
-                                          <p:stCondLst>
-                                            <p:cond delay="0"/>
-                                          </p:stCondLst>
-                                        </p:cTn>
-                                        <p:tgtEl>
-                                          <p:spTgt spid="3">
-                                            <p:txEl>
-                                              <p:pRg st="0" end="0"/>
-                                            </p:txEl>
-                                          </p:spTgt>
-                                        </p:tgtEl>
-                                        <p:attrNameLst>
-                                          <p:attrName>style.visibility</p:attrName>
-                                        </p:attrNameLst>
-                                      </p:cBhvr>
-                                      <p:to>
-                                        <p:strVal val="visible"/>
-                                      </p:to>
-                                    </p:set>
-                                  </p:childTnLst>
-                                </p:cTn>
-                              </p:par>
-                            </p:childTnLst>
-                          </p:cTn>
-                        </p:par>
-                      </p:childTnLst>
-                    </p:cTn>
-                  </p:par>
-                  <p:par>
-                    <p:cTn id="7" fill="hold">
-                      <p:stCondLst>
-                        <p:cond delay="indefinite"/>
-                      </p:stCondLst>
-                      <p:childTnLst>
-                        <p:par>
-                          <p:cTn id="8" fill="hold">
-                            <p:stCondLst>
-                              <p:cond delay="0"/>
-                            </p:stCondLst>
-                            <p:childTnLst>
-                              <p:par>
-                                <p:cTn id="9" presetID="1" presetClass="entr" presetSubtype="0" fill="hold" nodeType="clickEffect">
-                                  <p:stCondLst>
-                                    <p:cond delay="0"/>
-                                  </p:stCondLst>
-                                  <p:childTnLst>
-                                    <p:set>
-                                      <p:cBhvr>
-                                        <p:cTn id="10" dur="1" fill="hold">
-                                          <p:stCondLst>
-                                            <p:cond delay="0"/>
-                                          </p:stCondLst>
-                                        </p:cTn>
-                                        <p:tgtEl>
-                                          <p:spTgt spid="3">
-                                            <p:txEl>
-                                              <p:pRg st="2" end="2"/>
-                                            </p:txEl>
-                                          </p:spTgt>
-                                        </p:tgtEl>
-                                        <p:attrNameLst>
-                                          <p:attrName>style.visibility</p:attrName>
-                                        </p:attrNameLst>
-                                      </p:cBhvr>
-                                      <p:to>
-                                        <p:strVal val="visible"/>
-                                      </p:to>
-                                    </p:set>
-                                  </p:childTnLst>
-                                </p:cTn>
-                              </p:par>
-                            </p:childTnLst>
-                          </p:cTn>
-                        </p:par>
-                      </p:childTnLst>
-                    </p:cTn>
-                  </p:par>
-                  <p:par>
-                    <p:cTn id="11" fill="hold">
-                      <p:stCondLst>
-                        <p:cond delay="indefinite"/>
-                      </p:stCondLst>
-                      <p:childTnLst>
-                        <p:par>
-                          <p:cTn id="12" fill="hold">
-                            <p:stCondLst>
-                              <p:cond delay="0"/>
-                            </p:stCondLst>
-                            <p:childTnLst>
-                              <p:par>
-                                <p:cTn id="13" presetID="1" presetClass="entr" presetSubtype="0" fill="hold" grpId="0" nodeType="clickEffect">
-                                  <p:stCondLst>
-                                    <p:cond delay="0"/>
-                                  </p:stCondLst>
-                                  <p:childTnLst>
-                                    <p:set>
-                                      <p:cBhvr>
-                                        <p:cTn id="14" dur="1" fill="hold">
-                                          <p:stCondLst>
-                                            <p:cond delay="0"/>
-                                          </p:stCondLst>
-                                        </p:cTn>
-                                        <p:tgtEl>
-                                          <p:spTgt spid="3">
-                                            <p:txEl>
-                                              <p:pRg st="4" end="4"/>
-                                            </p:txEl>
-                                          </p:spTgt>
-                                        </p:tgtEl>
-                                        <p:attrNameLst>
-                                          <p:attrName>style.visibility</p:attrName>
-                                        </p:attrNameLst>
-                                      </p:cBhvr>
-                                      <p:to>
-                                        <p:strVal val="visible"/>
-                                      </p:to>
-                                    </p:set>
-                                  </p:childTnLst>
-                                </p:cTn>
-                              </p:par>
-                              <p:par>
-                                <p:cTn id="15" presetID="1" presetClass="entr" presetSubtype="0" fill="hold" grpId="0" nodeType="withEffect">
-                                  <p:stCondLst>
-                                    <p:cond delay="0"/>
-                                  </p:stCondLst>
-                                  <p:childTnLst>
-                                    <p:set>
-                                      <p:cBhvr>
-                                        <p:cTn id="16" dur="1" fill="hold">
-                                          <p:stCondLst>
-                                            <p:cond delay="0"/>
-                                          </p:stCondLst>
-                                        </p:cTn>
-                                        <p:tgtEl>
-                                          <p:spTgt spid="3">
-                                            <p:txEl>
-                                              <p:pRg st="5" end="5"/>
-                                            </p:txEl>
-                                          </p:spTgt>
-                                        </p:tgtEl>
-                                        <p:attrNameLst>
-                                          <p:attrName>style.visibility</p:attrName>
-                                        </p:attrNameLst>
-                                      </p:cBhvr>
-                                      <p:to>
-                                        <p:strVal val="visible"/>
-                                      </p:to>
-                                    </p:set>
-                                  </p:childTnLst>
-                                </p:cTn>
-                              </p:par>
-                              <p:par>
-                                <p:cTn id="17" presetID="1" presetClass="entr" presetSubtype="0" fill="hold" nodeType="withEffect">
-                                  <p:stCondLst>
-                                    <p:cond delay="0"/>
-                                  </p:stCondLst>
-                                  <p:childTnLst>
-                                    <p:set>
-                                      <p:cBhvr>
-                                        <p:cTn id="18" dur="1" fill="hold">
-                                          <p:stCondLst>
-                                            <p:cond delay="0"/>
-                                          </p:stCondLst>
-                                        </p:cTn>
-                                        <p:tgtEl>
-                                          <p:spTgt spid="9"/>
-                                        </p:tgtEl>
-                                        <p:attrNameLst>
-                                          <p:attrName>style.visibility</p:attrName>
-                                        </p:attrNameLst>
-                                      </p:cBhvr>
-                                      <p:to>
-                                        <p:strVal val="visible"/>
-                                      </p:to>
-                                    </p:set>
-                                  </p:childTnLst>
-                                </p:cTn>
-                              </p:par>
-                            </p:childTnLst>
-                          </p:cTn>
-                        </p:par>
-                      </p:childTnLst>
-                    </p:cTn>
-                  </p:par>
-                </p:childTnLst>
-              </p:cTn>
-              <p:prevCondLst>
-                <p:cond evt="onPrev" delay="0">
-                  <p:tgtEl>
-                    <p:sldTgt/>
-                  </p:tgtEl>
-                </p:cond>
-              </p:prevCondLst>
-              <p:nextCondLst>
-                <p:cond evt="onNext" delay="0">
-                  <p:tgtEl>
-                    <p:sldTgt/>
-                  </p:tgtEl>
-                </p:cond>
-              </p:nextCondLst>
-            </p:seq>
-          </p:childTnLst>
-        </p:cTn>
-      </p:par>
-    </p:tnLst>
-    <p:bldLst>
-      <p:bldP spid="3" grpId="0" uiExpand="1" build="p"/>
-    </p:bldLst>
-  </p:timing>
-</p:sld>
-</file>
-
-<file path=ppt/slides/slide4.xml><?xml version="1.0" encoding="utf-8"?>
-<p:sld xmlns:a="http://schemas.openxmlformats.org/drawingml/2006/main" xmlns:r="http://schemas.openxmlformats.org/officeDocument/2006/relationships" xmlns:p="http://schemas.openxmlformats.org/presentationml/2006/main">
-  <p:cSld>
-    <p:spTree>
-      <p:nvGrpSpPr>
-        <p:cNvPr id="1" name=""/>
-        <p:cNvGrpSpPr/>
-        <p:nvPr/>
-      </p:nvGrpSpPr>
-      <p:grpSpPr>
-        <a:xfrm>
-          <a:off x="0" y="0"/>
-          <a:ext cx="0" cy="0"/>
-          <a:chOff x="0" y="0"/>
-          <a:chExt cx="0" cy="0"/>
-        </a:xfrm>
-      </p:grpSpPr>
-      <p:sp>
-        <p:nvSpPr>
-          <p:cNvPr id="4" name="Date Placeholder 3"/>
-          <p:cNvSpPr>
-            <a:spLocks noGrp="1"/>
-          </p:cNvSpPr>
-          <p:nvPr>
-            <p:ph type="dt" sz="half" idx="10"/>
-          </p:nvPr>
-        </p:nvSpPr>
-        <p:spPr/>
-        <p:txBody>
-          <a:bodyPr/>
-          <a:lstStyle/>
-          <a:p>
-            <a:r>
-              <a:rPr lang="en-GB" smtClean="0"/>
-              <a:t>31/05/2016</a:t>
-            </a:r>
-            <a:endParaRPr lang="en-GB" dirty="0"/>
-          </a:p>
-        </p:txBody>
-      </p:sp>
-      <p:sp>
-        <p:nvSpPr>
-          <p:cNvPr id="5" name="Footer Placeholder 4"/>
-          <p:cNvSpPr>
-            <a:spLocks noGrp="1"/>
-          </p:cNvSpPr>
-          <p:nvPr>
-            <p:ph type="ftr" sz="quarter" idx="3"/>
-          </p:nvPr>
-        </p:nvSpPr>
-        <p:spPr>
-          <a:xfrm>
-            <a:off x="7912100" y="6343650"/>
-            <a:ext cx="4114800" cy="365125"/>
-          </a:xfrm>
-        </p:spPr>
-        <p:txBody>
-          <a:bodyPr/>
-          <a:lstStyle/>
-          <a:p>
-            <a:r>
-              <a:rPr lang="en-GB" smtClean="0"/>
-              <a:t>JOA509 – Frontiers of Fusion</a:t>
-            </a:r>
-            <a:endParaRPr lang="en-GB" dirty="0"/>
-          </a:p>
-        </p:txBody>
-      </p:sp>
-      <p:sp>
-        <p:nvSpPr>
-          <p:cNvPr id="6" name="Slide Number Placeholder 5"/>
-          <p:cNvSpPr>
-            <a:spLocks noGrp="1"/>
-          </p:cNvSpPr>
-          <p:nvPr>
-            <p:ph type="sldNum" sz="quarter" idx="12"/>
-          </p:nvPr>
-        </p:nvSpPr>
-        <p:spPr>
-          <a:xfrm>
-            <a:off x="4724400" y="6356350"/>
-            <a:ext cx="2743200" cy="365125"/>
-          </a:xfrm>
-        </p:spPr>
-        <p:txBody>
-          <a:bodyPr/>
-          <a:lstStyle/>
-          <a:p>
-            <a:fld id="{581BB28B-6C27-444C-B2E2-3960C28AE47A}" type="slidenum">
-              <a:rPr lang="en-GB" smtClean="0"/>
-              <a:t>4</a:t>
-            </a:fld>
-            <a:endParaRPr lang="en-GB" dirty="0"/>
-          </a:p>
-        </p:txBody>
-      </p:sp>
-      <p:sp>
-        <p:nvSpPr>
-          <p:cNvPr id="8" name="Content Placeholder 7"/>
-          <p:cNvSpPr>
-            <a:spLocks noGrp="1"/>
-          </p:cNvSpPr>
-          <p:nvPr>
-            <p:ph idx="1"/>
-          </p:nvPr>
-        </p:nvSpPr>
-        <p:spPr>
-          <a:xfrm>
-            <a:off x="400050" y="3641552"/>
-            <a:ext cx="11391900" cy="2003873"/>
-          </a:xfrm>
-        </p:spPr>
-        <p:txBody>
-          <a:bodyPr>
-            <a:noAutofit/>
-          </a:bodyPr>
-          <a:lstStyle/>
-          <a:p>
-            <a:r>
-              <a:rPr lang="en-GB" sz="3000" dirty="0" smtClean="0"/>
-              <a:t> Several tokamaks have corroborated this scaling for ELM frequency, </a:t>
-            </a:r>
-            <a:r>
-              <a:rPr lang="en-GB" sz="3000" b="1" dirty="0" err="1" smtClean="0"/>
-              <a:t>f</a:t>
-            </a:r>
-            <a:r>
-              <a:rPr lang="en-GB" sz="3000" b="1" baseline="-25000" dirty="0" err="1" smtClean="0"/>
-              <a:t>ELM</a:t>
-            </a:r>
-            <a:r>
-              <a:rPr lang="en-GB" sz="3000" dirty="0" smtClean="0"/>
-              <a:t> </a:t>
-            </a:r>
-            <a:endParaRPr lang="en-GB" sz="3000" dirty="0"/>
-          </a:p>
-          <a:p>
-            <a:pPr lvl="1"/>
-            <a:endParaRPr lang="en-GB" sz="2600" dirty="0" smtClean="0"/>
-          </a:p>
-          <a:p>
-            <a:r>
-              <a:rPr lang="en-GB" sz="3000" b="1" dirty="0" smtClean="0"/>
-              <a:t> ∆W</a:t>
-            </a:r>
-            <a:r>
-              <a:rPr lang="en-GB" sz="3000" b="1" baseline="-25000" dirty="0" smtClean="0"/>
-              <a:t>ELM</a:t>
-            </a:r>
-            <a:r>
-              <a:rPr lang="en-GB" sz="3000" b="1" dirty="0" smtClean="0"/>
-              <a:t> </a:t>
-            </a:r>
-            <a:r>
-              <a:rPr lang="en-GB" sz="3000" dirty="0" smtClean="0"/>
-              <a:t>is the ELM energy</a:t>
-            </a:r>
-            <a:endParaRPr lang="en-GB" sz="3000" b="1" dirty="0" smtClean="0"/>
-          </a:p>
-        </p:txBody>
-      </p:sp>
-      <p:pic>
-        <p:nvPicPr>
-          <p:cNvPr id="9" name="Content Placeholder 6"/>
-          <p:cNvPicPr>
-            <a:picLocks noChangeAspect="1"/>
-          </p:cNvPicPr>
-          <p:nvPr/>
-        </p:nvPicPr>
-        <p:blipFill>
-          <a:blip r:embed="rId3">
-            <a:extLst>
-              <a:ext uri="{28A0092B-C50C-407E-A947-70E740481C1C}">
-                <a14:useLocalDpi xmlns:a14="http://schemas.microsoft.com/office/drawing/2010/main" val="0"/>
-              </a:ext>
-            </a:extLst>
-          </a:blip>
-          <a:stretch>
-            <a:fillRect/>
-          </a:stretch>
-        </p:blipFill>
-        <p:spPr>
-          <a:xfrm>
-            <a:off x="838200" y="1632335"/>
-            <a:ext cx="10515600" cy="1174330"/>
-          </a:xfrm>
-          <a:prstGeom prst="rect">
-            <a:avLst/>
-          </a:prstGeom>
-        </p:spPr>
-      </p:pic>
-      <p:sp>
-        <p:nvSpPr>
-          <p:cNvPr id="10" name="TextBox 9"/>
-          <p:cNvSpPr txBox="1"/>
-          <p:nvPr/>
-        </p:nvSpPr>
-        <p:spPr>
-          <a:xfrm>
-            <a:off x="5524500" y="2806665"/>
-            <a:ext cx="5829300" cy="338554"/>
-          </a:xfrm>
-          <a:prstGeom prst="rect">
-            <a:avLst/>
-          </a:prstGeom>
-          <a:noFill/>
-        </p:spPr>
-        <p:txBody>
-          <a:bodyPr wrap="square" rtlCol="0">
-            <a:spAutoFit/>
-          </a:bodyPr>
-          <a:lstStyle/>
-          <a:p>
-            <a:r>
-              <a:rPr lang="en-GB" sz="1600" dirty="0" smtClean="0">
-                <a:latin typeface="Batang" panose="02030600000101010101" pitchFamily="18" charset="-127"/>
-                <a:ea typeface="Batang" panose="02030600000101010101" pitchFamily="18" charset="-127"/>
-              </a:rPr>
-              <a:t>A. Leonard Journal of Nuclear Materials </a:t>
-            </a:r>
-            <a:r>
-              <a:rPr lang="en-GB" sz="1600" b="1" dirty="0" smtClean="0">
-                <a:latin typeface="Batang" panose="02030600000101010101" pitchFamily="18" charset="-127"/>
-                <a:ea typeface="Batang" panose="02030600000101010101" pitchFamily="18" charset="-127"/>
-              </a:rPr>
-              <a:t>266</a:t>
-            </a:r>
-            <a:r>
-              <a:rPr lang="en-GB" sz="1600" dirty="0" smtClean="0">
-                <a:latin typeface="Batang" panose="02030600000101010101" pitchFamily="18" charset="-127"/>
-                <a:ea typeface="Batang" panose="02030600000101010101" pitchFamily="18" charset="-127"/>
-              </a:rPr>
-              <a:t> 1999</a:t>
-            </a:r>
-            <a:endParaRPr lang="en-GB" sz="1600" dirty="0">
-              <a:latin typeface="Batang" panose="02030600000101010101" pitchFamily="18" charset="-127"/>
-              <a:ea typeface="Batang" panose="02030600000101010101" pitchFamily="18" charset="-127"/>
-            </a:endParaRPr>
-          </a:p>
-        </p:txBody>
-      </p:sp>
-      <p:sp>
-        <p:nvSpPr>
-          <p:cNvPr id="11" name="Title 1"/>
-          <p:cNvSpPr>
-            <a:spLocks noGrp="1"/>
-          </p:cNvSpPr>
-          <p:nvPr>
-            <p:ph type="title"/>
-          </p:nvPr>
-        </p:nvSpPr>
-        <p:spPr>
-          <a:xfrm>
-            <a:off x="137492" y="0"/>
-            <a:ext cx="12001500" cy="1325563"/>
-          </a:xfrm>
-        </p:spPr>
-        <p:txBody>
-          <a:bodyPr>
-            <a:noAutofit/>
-          </a:bodyPr>
-          <a:lstStyle/>
-          <a:p>
-            <a:r>
-              <a:rPr lang="en-GB" sz="6000" dirty="0" smtClean="0"/>
-              <a:t>1. Background understanding of ELMs</a:t>
-            </a:r>
-            <a:endParaRPr lang="en-GB" sz="6000" dirty="0"/>
-          </a:p>
-        </p:txBody>
-      </p:sp>
-    </p:spTree>
-    <p:extLst>
-      <p:ext uri="{BB962C8B-B14F-4D97-AF65-F5344CB8AC3E}">
-        <p14:creationId xmlns:p14="http://schemas.microsoft.com/office/powerpoint/2010/main" val="1217640621"/>
+        <p14:creationId xmlns:p14="http://schemas.microsoft.com/office/powerpoint/2010/main" val="4018912537"/>
       </p:ext>
     </p:extLst>
   </p:cSld>
@@ -4863,968 +8691,6 @@
         <p:cTn id="1" dur="indefinite" restart="never" nodeType="tmRoot"/>
       </p:par>
     </p:tnLst>
-  </p:timing>
-</p:sld>
-</file>
-
-<file path=ppt/slides/slide5.xml><?xml version="1.0" encoding="utf-8"?>
-<p:sld xmlns:a="http://schemas.openxmlformats.org/drawingml/2006/main" xmlns:r="http://schemas.openxmlformats.org/officeDocument/2006/relationships" xmlns:p="http://schemas.openxmlformats.org/presentationml/2006/main">
-  <p:cSld>
-    <p:spTree>
-      <p:nvGrpSpPr>
-        <p:cNvPr id="1" name=""/>
-        <p:cNvGrpSpPr/>
-        <p:nvPr/>
-      </p:nvGrpSpPr>
-      <p:grpSpPr>
-        <a:xfrm>
-          <a:off x="0" y="0"/>
-          <a:ext cx="0" cy="0"/>
-          <a:chOff x="0" y="0"/>
-          <a:chExt cx="0" cy="0"/>
-        </a:xfrm>
-      </p:grpSpPr>
-      <p:sp>
-        <p:nvSpPr>
-          <p:cNvPr id="2" name="Title 1"/>
-          <p:cNvSpPr>
-            <a:spLocks noGrp="1"/>
-          </p:cNvSpPr>
-          <p:nvPr>
-            <p:ph type="title"/>
-          </p:nvPr>
-        </p:nvSpPr>
-        <p:spPr>
-          <a:xfrm>
-            <a:off x="838200" y="0"/>
-            <a:ext cx="10515600" cy="1325563"/>
-          </a:xfrm>
-        </p:spPr>
-        <p:txBody>
-          <a:bodyPr/>
-          <a:lstStyle/>
-          <a:p>
-            <a:r>
-              <a:rPr lang="en-GB" sz="6000" dirty="0" smtClean="0"/>
-              <a:t>2. Problems ELMs cause</a:t>
-            </a:r>
-            <a:endParaRPr lang="en-GB" dirty="0"/>
-          </a:p>
-        </p:txBody>
-      </p:sp>
-      <p:pic>
-        <p:nvPicPr>
-          <p:cNvPr id="7" name="Content Placeholder 6"/>
-          <p:cNvPicPr>
-            <a:picLocks noGrp="1" noChangeAspect="1"/>
-          </p:cNvPicPr>
-          <p:nvPr>
-            <p:ph idx="1"/>
-          </p:nvPr>
-        </p:nvPicPr>
-        <p:blipFill>
-          <a:blip r:embed="rId2">
-            <a:extLst>
-              <a:ext uri="{28A0092B-C50C-407E-A947-70E740481C1C}">
-                <a14:useLocalDpi xmlns:a14="http://schemas.microsoft.com/office/drawing/2010/main" val="0"/>
-              </a:ext>
-            </a:extLst>
-          </a:blip>
-          <a:stretch>
-            <a:fillRect/>
-          </a:stretch>
-        </p:blipFill>
-        <p:spPr>
-          <a:xfrm>
-            <a:off x="2032041" y="1047749"/>
-            <a:ext cx="8127918" cy="5491163"/>
-          </a:xfrm>
-        </p:spPr>
-      </p:pic>
-      <p:sp>
-        <p:nvSpPr>
-          <p:cNvPr id="4" name="Date Placeholder 3"/>
-          <p:cNvSpPr>
-            <a:spLocks noGrp="1"/>
-          </p:cNvSpPr>
-          <p:nvPr>
-            <p:ph type="dt" sz="half" idx="10"/>
-          </p:nvPr>
-        </p:nvSpPr>
-        <p:spPr/>
-        <p:txBody>
-          <a:bodyPr/>
-          <a:lstStyle/>
-          <a:p>
-            <a:r>
-              <a:rPr lang="en-GB" smtClean="0"/>
-              <a:t>31/05/2016</a:t>
-            </a:r>
-            <a:endParaRPr lang="en-GB" dirty="0"/>
-          </a:p>
-        </p:txBody>
-      </p:sp>
-      <p:sp>
-        <p:nvSpPr>
-          <p:cNvPr id="5" name="Footer Placeholder 4"/>
-          <p:cNvSpPr>
-            <a:spLocks noGrp="1"/>
-          </p:cNvSpPr>
-          <p:nvPr>
-            <p:ph type="ftr" sz="quarter" idx="3"/>
-          </p:nvPr>
-        </p:nvSpPr>
-        <p:spPr>
-          <a:xfrm>
-            <a:off x="7912100" y="6343650"/>
-            <a:ext cx="4114800" cy="365125"/>
-          </a:xfrm>
-        </p:spPr>
-        <p:txBody>
-          <a:bodyPr/>
-          <a:lstStyle/>
-          <a:p>
-            <a:r>
-              <a:rPr lang="en-GB" smtClean="0"/>
-              <a:t>JOA509 – Frontiers of Fusion</a:t>
-            </a:r>
-            <a:endParaRPr lang="en-GB" dirty="0"/>
-          </a:p>
-        </p:txBody>
-      </p:sp>
-      <p:sp>
-        <p:nvSpPr>
-          <p:cNvPr id="6" name="Slide Number Placeholder 5"/>
-          <p:cNvSpPr>
-            <a:spLocks noGrp="1"/>
-          </p:cNvSpPr>
-          <p:nvPr>
-            <p:ph type="sldNum" sz="quarter" idx="12"/>
-          </p:nvPr>
-        </p:nvSpPr>
-        <p:spPr>
-          <a:xfrm>
-            <a:off x="4724400" y="6356350"/>
-            <a:ext cx="2743200" cy="365125"/>
-          </a:xfrm>
-        </p:spPr>
-        <p:txBody>
-          <a:bodyPr/>
-          <a:lstStyle/>
-          <a:p>
-            <a:fld id="{581BB28B-6C27-444C-B2E2-3960C28AE47A}" type="slidenum">
-              <a:rPr lang="en-GB" smtClean="0"/>
-              <a:t>5</a:t>
-            </a:fld>
-            <a:endParaRPr lang="en-GB" dirty="0"/>
-          </a:p>
-        </p:txBody>
-      </p:sp>
-      <p:sp>
-        <p:nvSpPr>
-          <p:cNvPr id="8" name="TextBox 7"/>
-          <p:cNvSpPr txBox="1"/>
-          <p:nvPr/>
-        </p:nvSpPr>
-        <p:spPr>
-          <a:xfrm>
-            <a:off x="2567455" y="1610018"/>
-            <a:ext cx="7100015" cy="4392692"/>
-          </a:xfrm>
-          <a:prstGeom prst="roundRect">
-            <a:avLst/>
-          </a:prstGeom>
-          <a:solidFill>
-            <a:schemeClr val="bg1">
-              <a:alpha val="94000"/>
-            </a:schemeClr>
-          </a:solidFill>
-        </p:spPr>
-        <p:txBody>
-          <a:bodyPr wrap="square" rtlCol="0">
-            <a:spAutoFit/>
-          </a:bodyPr>
-          <a:lstStyle/>
-          <a:p>
-            <a:pPr marL="457200" indent="-457200">
-              <a:buSzPct val="120000"/>
-              <a:buFont typeface="Wingdings" panose="05000000000000000000" pitchFamily="2" charset="2"/>
-              <a:buChar char="Ø"/>
-            </a:pPr>
-            <a:r>
-              <a:rPr lang="en-GB" sz="2800" dirty="0" smtClean="0">
-                <a:latin typeface="Baskerville Old Face" panose="02020602080505020303" pitchFamily="18" charset="0"/>
-              </a:rPr>
-              <a:t>Loss of confinement</a:t>
-            </a:r>
-          </a:p>
-          <a:p>
-            <a:pPr marL="457200" indent="-457200">
-              <a:buSzPct val="120000"/>
-              <a:buFont typeface="Wingdings" panose="05000000000000000000" pitchFamily="2" charset="2"/>
-              <a:buChar char="Ø"/>
-            </a:pPr>
-            <a:endParaRPr lang="en-GB" sz="2800" dirty="0" smtClean="0">
-              <a:latin typeface="Baskerville Old Face" panose="02020602080505020303" pitchFamily="18" charset="0"/>
-            </a:endParaRPr>
-          </a:p>
-          <a:p>
-            <a:pPr marL="457200" indent="-457200">
-              <a:buSzPct val="120000"/>
-              <a:buFont typeface="Wingdings" panose="05000000000000000000" pitchFamily="2" charset="2"/>
-              <a:buChar char="Ø"/>
-            </a:pPr>
-            <a:r>
-              <a:rPr lang="en-GB" sz="2800" dirty="0" smtClean="0">
-                <a:latin typeface="Baskerville Old Face" panose="02020602080505020303" pitchFamily="18" charset="0"/>
-              </a:rPr>
-              <a:t>High heat flux expelled from the plasma</a:t>
-            </a:r>
-          </a:p>
-          <a:p>
-            <a:pPr marL="914400" lvl="1" indent="-457200">
-              <a:buSzPct val="120000"/>
-              <a:buFont typeface="Wingdings" panose="05000000000000000000" pitchFamily="2" charset="2"/>
-              <a:buChar char="Ø"/>
-            </a:pPr>
-            <a:r>
-              <a:rPr lang="en-GB" sz="2800" dirty="0" smtClean="0">
-                <a:latin typeface="Baskerville Old Face" panose="02020602080505020303" pitchFamily="18" charset="0"/>
-              </a:rPr>
-              <a:t>Can cause critical damage to PFCs</a:t>
-            </a:r>
-          </a:p>
-          <a:p>
-            <a:pPr marL="457200" indent="-457200">
-              <a:buSzPct val="120000"/>
-              <a:buFont typeface="Wingdings" panose="05000000000000000000" pitchFamily="2" charset="2"/>
-              <a:buChar char="Ø"/>
-            </a:pPr>
-            <a:endParaRPr lang="en-GB" sz="2800" dirty="0">
-              <a:latin typeface="Baskerville Old Face" panose="02020602080505020303" pitchFamily="18" charset="0"/>
-            </a:endParaRPr>
-          </a:p>
-          <a:p>
-            <a:pPr marL="457200" indent="-457200">
-              <a:buSzPct val="120000"/>
-              <a:buFont typeface="Wingdings" panose="05000000000000000000" pitchFamily="2" charset="2"/>
-              <a:buChar char="Ø"/>
-            </a:pPr>
-            <a:r>
-              <a:rPr lang="en-GB" sz="2800" dirty="0" smtClean="0">
-                <a:latin typeface="Baskerville Old Face" panose="02020602080505020303" pitchFamily="18" charset="0"/>
-              </a:rPr>
-              <a:t>May destabilise core plasma modes</a:t>
-            </a:r>
-          </a:p>
-          <a:p>
-            <a:pPr marL="457200" indent="-457200">
-              <a:buSzPct val="120000"/>
-              <a:buFont typeface="Wingdings" panose="05000000000000000000" pitchFamily="2" charset="2"/>
-              <a:buChar char="Ø"/>
-            </a:pPr>
-            <a:endParaRPr lang="en-GB" sz="2800" dirty="0">
-              <a:latin typeface="Baskerville Old Face" panose="02020602080505020303" pitchFamily="18" charset="0"/>
-            </a:endParaRPr>
-          </a:p>
-          <a:p>
-            <a:pPr marL="457200" indent="-457200">
-              <a:buSzPct val="120000"/>
-              <a:buFont typeface="Wingdings" panose="05000000000000000000" pitchFamily="2" charset="2"/>
-              <a:buChar char="Ø"/>
-            </a:pPr>
-            <a:r>
-              <a:rPr lang="en-GB" sz="2800" dirty="0" smtClean="0">
-                <a:latin typeface="Baskerville Old Face" panose="02020602080505020303" pitchFamily="18" charset="0"/>
-              </a:rPr>
-              <a:t>However they reduce plasma impurity levels </a:t>
-            </a:r>
-            <a:endParaRPr lang="en-GB" sz="2800" dirty="0">
-              <a:latin typeface="Baskerville Old Face" panose="02020602080505020303" pitchFamily="18" charset="0"/>
-            </a:endParaRPr>
-          </a:p>
-        </p:txBody>
-      </p:sp>
-      <p:sp>
-        <p:nvSpPr>
-          <p:cNvPr id="3" name="Multiply 2"/>
-          <p:cNvSpPr/>
-          <p:nvPr/>
-        </p:nvSpPr>
-        <p:spPr>
-          <a:xfrm>
-            <a:off x="6190033" y="1549767"/>
-            <a:ext cx="1133341" cy="1159096"/>
-          </a:xfrm>
-          <a:prstGeom prst="mathMultiply">
-            <a:avLst/>
-          </a:prstGeom>
-          <a:solidFill>
-            <a:srgbClr val="FF0000"/>
-          </a:solidFill>
-          <a:ln>
-            <a:solidFill>
-              <a:srgbClr val="FF0000"/>
-            </a:solidFill>
-          </a:ln>
-        </p:spPr>
-        <p:style>
-          <a:lnRef idx="2">
-            <a:schemeClr val="accent1">
-              <a:shade val="50000"/>
-            </a:schemeClr>
-          </a:lnRef>
-          <a:fillRef idx="1">
-            <a:schemeClr val="accent1"/>
-          </a:fillRef>
-          <a:effectRef idx="0">
-            <a:schemeClr val="accent1"/>
-          </a:effectRef>
-          <a:fontRef idx="minor">
-            <a:schemeClr val="lt1"/>
-          </a:fontRef>
-        </p:style>
-        <p:txBody>
-          <a:bodyPr rtlCol="0" anchor="ctr"/>
-          <a:lstStyle/>
-          <a:p>
-            <a:pPr algn="ctr"/>
-            <a:endParaRPr lang="en-GB"/>
-          </a:p>
-        </p:txBody>
-      </p:sp>
-      <p:sp>
-        <p:nvSpPr>
-          <p:cNvPr id="9" name="Multiply 8"/>
-          <p:cNvSpPr/>
-          <p:nvPr/>
-        </p:nvSpPr>
-        <p:spPr>
-          <a:xfrm>
-            <a:off x="8758118" y="2468407"/>
-            <a:ext cx="1045336" cy="1026783"/>
-          </a:xfrm>
-          <a:prstGeom prst="mathMultiply">
-            <a:avLst/>
-          </a:prstGeom>
-          <a:solidFill>
-            <a:srgbClr val="FF0000"/>
-          </a:solidFill>
-          <a:ln>
-            <a:solidFill>
-              <a:srgbClr val="FF0000"/>
-            </a:solidFill>
-          </a:ln>
-        </p:spPr>
-        <p:style>
-          <a:lnRef idx="2">
-            <a:schemeClr val="accent1">
-              <a:shade val="50000"/>
-            </a:schemeClr>
-          </a:lnRef>
-          <a:fillRef idx="1">
-            <a:schemeClr val="accent1"/>
-          </a:fillRef>
-          <a:effectRef idx="0">
-            <a:schemeClr val="accent1"/>
-          </a:effectRef>
-          <a:fontRef idx="minor">
-            <a:schemeClr val="lt1"/>
-          </a:fontRef>
-        </p:style>
-        <p:txBody>
-          <a:bodyPr rtlCol="0" anchor="ctr"/>
-          <a:lstStyle/>
-          <a:p>
-            <a:pPr algn="ctr"/>
-            <a:endParaRPr lang="en-GB"/>
-          </a:p>
-        </p:txBody>
-      </p:sp>
-      <p:sp>
-        <p:nvSpPr>
-          <p:cNvPr id="10" name="Multiply 9"/>
-          <p:cNvSpPr/>
-          <p:nvPr/>
-        </p:nvSpPr>
-        <p:spPr>
-          <a:xfrm>
-            <a:off x="8168959" y="3683289"/>
-            <a:ext cx="1140855" cy="1075156"/>
-          </a:xfrm>
-          <a:prstGeom prst="mathMultiply">
-            <a:avLst/>
-          </a:prstGeom>
-          <a:solidFill>
-            <a:srgbClr val="FF0000"/>
-          </a:solidFill>
-          <a:ln>
-            <a:solidFill>
-              <a:srgbClr val="FF0000"/>
-            </a:solidFill>
-          </a:ln>
-        </p:spPr>
-        <p:style>
-          <a:lnRef idx="2">
-            <a:schemeClr val="accent1">
-              <a:shade val="50000"/>
-            </a:schemeClr>
-          </a:lnRef>
-          <a:fillRef idx="1">
-            <a:schemeClr val="accent1"/>
-          </a:fillRef>
-          <a:effectRef idx="0">
-            <a:schemeClr val="accent1"/>
-          </a:effectRef>
-          <a:fontRef idx="minor">
-            <a:schemeClr val="lt1"/>
-          </a:fontRef>
-        </p:style>
-        <p:txBody>
-          <a:bodyPr rtlCol="0" anchor="ctr"/>
-          <a:lstStyle/>
-          <a:p>
-            <a:pPr algn="ctr"/>
-            <a:endParaRPr lang="en-GB"/>
-          </a:p>
-        </p:txBody>
-      </p:sp>
-      <p:pic>
-        <p:nvPicPr>
-          <p:cNvPr id="4098" name="Picture 2" descr="https://upload.wikimedia.org/wikipedia/commons/thumb/e/e5/Green_tick_pointed.svg/1024px-Green_tick_pointed.svg.png"/>
-          <p:cNvPicPr>
-            <a:picLocks noChangeAspect="1" noChangeArrowheads="1"/>
-          </p:cNvPicPr>
-          <p:nvPr/>
-        </p:nvPicPr>
-        <p:blipFill>
-          <a:blip r:embed="rId3" cstate="print">
-            <a:extLst>
-              <a:ext uri="{28A0092B-C50C-407E-A947-70E740481C1C}">
-                <a14:useLocalDpi xmlns:a14="http://schemas.microsoft.com/office/drawing/2010/main" val="0"/>
-              </a:ext>
-            </a:extLst>
-          </a:blip>
-          <a:srcRect/>
-          <a:stretch>
-            <a:fillRect/>
-          </a:stretch>
-        </p:blipFill>
-        <p:spPr bwMode="auto">
-          <a:xfrm>
-            <a:off x="8122015" y="4978399"/>
-            <a:ext cx="893681" cy="893681"/>
-          </a:xfrm>
-          <a:prstGeom prst="rect">
-            <a:avLst/>
-          </a:prstGeom>
-          <a:noFill/>
-          <a:extLst>
-            <a:ext uri="{909E8E84-426E-40DD-AFC4-6F175D3DCCD1}">
-              <a14:hiddenFill xmlns:a14="http://schemas.microsoft.com/office/drawing/2010/main">
-                <a:solidFill>
-                  <a:srgbClr val="FFFFFF"/>
-                </a:solidFill>
-              </a14:hiddenFill>
-            </a:ext>
-          </a:extLst>
-        </p:spPr>
-      </p:pic>
-    </p:spTree>
-    <p:extLst>
-      <p:ext uri="{BB962C8B-B14F-4D97-AF65-F5344CB8AC3E}">
-        <p14:creationId xmlns:p14="http://schemas.microsoft.com/office/powerpoint/2010/main" val="2389582712"/>
-      </p:ext>
-    </p:extLst>
-  </p:cSld>
-  <p:clrMapOvr>
-    <a:masterClrMapping/>
-  </p:clrMapOvr>
-  <p:timing>
-    <p:tnLst>
-      <p:par>
-        <p:cTn id="1" dur="indefinite" restart="never" nodeType="tmRoot">
-          <p:childTnLst>
-            <p:seq concurrent="1" nextAc="seek">
-              <p:cTn id="2" dur="indefinite" nodeType="mainSeq">
-                <p:childTnLst>
-                  <p:par>
-                    <p:cTn id="3" fill="hold">
-                      <p:stCondLst>
-                        <p:cond delay="indefinite"/>
-                      </p:stCondLst>
-                      <p:childTnLst>
-                        <p:par>
-                          <p:cTn id="4" fill="hold">
-                            <p:stCondLst>
-                              <p:cond delay="0"/>
-                            </p:stCondLst>
-                            <p:childTnLst>
-                              <p:par>
-                                <p:cTn id="5" presetID="1" presetClass="entr" presetSubtype="0" fill="hold" grpId="0" nodeType="clickEffect">
-                                  <p:stCondLst>
-                                    <p:cond delay="0"/>
-                                  </p:stCondLst>
-                                  <p:childTnLst>
-                                    <p:set>
-                                      <p:cBhvr>
-                                        <p:cTn id="6" dur="1" fill="hold">
-                                          <p:stCondLst>
-                                            <p:cond delay="0"/>
-                                          </p:stCondLst>
-                                        </p:cTn>
-                                        <p:tgtEl>
-                                          <p:spTgt spid="8">
-                                            <p:bg/>
-                                          </p:spTgt>
-                                        </p:tgtEl>
-                                        <p:attrNameLst>
-                                          <p:attrName>style.visibility</p:attrName>
-                                        </p:attrNameLst>
-                                      </p:cBhvr>
-                                      <p:to>
-                                        <p:strVal val="visible"/>
-                                      </p:to>
-                                    </p:set>
-                                  </p:childTnLst>
-                                </p:cTn>
-                              </p:par>
-                            </p:childTnLst>
-                          </p:cTn>
-                        </p:par>
-                      </p:childTnLst>
-                    </p:cTn>
-                  </p:par>
-                  <p:par>
-                    <p:cTn id="7" fill="hold">
-                      <p:stCondLst>
-                        <p:cond delay="indefinite"/>
-                      </p:stCondLst>
-                      <p:childTnLst>
-                        <p:par>
-                          <p:cTn id="8" fill="hold">
-                            <p:stCondLst>
-                              <p:cond delay="0"/>
-                            </p:stCondLst>
-                            <p:childTnLst>
-                              <p:par>
-                                <p:cTn id="9" presetID="1" presetClass="entr" presetSubtype="0" fill="hold" grpId="0" nodeType="clickEffect">
-                                  <p:stCondLst>
-                                    <p:cond delay="0"/>
-                                  </p:stCondLst>
-                                  <p:childTnLst>
-                                    <p:set>
-                                      <p:cBhvr>
-                                        <p:cTn id="10" dur="1" fill="hold">
-                                          <p:stCondLst>
-                                            <p:cond delay="0"/>
-                                          </p:stCondLst>
-                                        </p:cTn>
-                                        <p:tgtEl>
-                                          <p:spTgt spid="8">
-                                            <p:txEl>
-                                              <p:pRg st="0" end="0"/>
-                                            </p:txEl>
-                                          </p:spTgt>
-                                        </p:tgtEl>
-                                        <p:attrNameLst>
-                                          <p:attrName>style.visibility</p:attrName>
-                                        </p:attrNameLst>
-                                      </p:cBhvr>
-                                      <p:to>
-                                        <p:strVal val="visible"/>
-                                      </p:to>
-                                    </p:set>
-                                  </p:childTnLst>
-                                </p:cTn>
-                              </p:par>
-                            </p:childTnLst>
-                          </p:cTn>
-                        </p:par>
-                        <p:par>
-                          <p:cTn id="11" fill="hold">
-                            <p:stCondLst>
-                              <p:cond delay="0"/>
-                            </p:stCondLst>
-                            <p:childTnLst>
-                              <p:par>
-                                <p:cTn id="12" presetID="10" presetClass="entr" presetSubtype="0" fill="hold" grpId="0" nodeType="afterEffect">
-                                  <p:stCondLst>
-                                    <p:cond delay="0"/>
-                                  </p:stCondLst>
-                                  <p:childTnLst>
-                                    <p:set>
-                                      <p:cBhvr>
-                                        <p:cTn id="13" dur="1" fill="hold">
-                                          <p:stCondLst>
-                                            <p:cond delay="0"/>
-                                          </p:stCondLst>
-                                        </p:cTn>
-                                        <p:tgtEl>
-                                          <p:spTgt spid="3"/>
-                                        </p:tgtEl>
-                                        <p:attrNameLst>
-                                          <p:attrName>style.visibility</p:attrName>
-                                        </p:attrNameLst>
-                                      </p:cBhvr>
-                                      <p:to>
-                                        <p:strVal val="visible"/>
-                                      </p:to>
-                                    </p:set>
-                                    <p:animEffect transition="in" filter="fade">
-                                      <p:cBhvr>
-                                        <p:cTn id="14" dur="500"/>
-                                        <p:tgtEl>
-                                          <p:spTgt spid="3"/>
-                                        </p:tgtEl>
-                                      </p:cBhvr>
-                                    </p:animEffect>
-                                  </p:childTnLst>
-                                </p:cTn>
-                              </p:par>
-                            </p:childTnLst>
-                          </p:cTn>
-                        </p:par>
-                      </p:childTnLst>
-                    </p:cTn>
-                  </p:par>
-                  <p:par>
-                    <p:cTn id="15" fill="hold">
-                      <p:stCondLst>
-                        <p:cond delay="indefinite"/>
-                      </p:stCondLst>
-                      <p:childTnLst>
-                        <p:par>
-                          <p:cTn id="16" fill="hold">
-                            <p:stCondLst>
-                              <p:cond delay="0"/>
-                            </p:stCondLst>
-                            <p:childTnLst>
-                              <p:par>
-                                <p:cTn id="17" presetID="1" presetClass="entr" presetSubtype="0" fill="hold" grpId="0" nodeType="clickEffect">
-                                  <p:stCondLst>
-                                    <p:cond delay="0"/>
-                                  </p:stCondLst>
-                                  <p:childTnLst>
-                                    <p:set>
-                                      <p:cBhvr>
-                                        <p:cTn id="18" dur="1" fill="hold">
-                                          <p:stCondLst>
-                                            <p:cond delay="0"/>
-                                          </p:stCondLst>
-                                        </p:cTn>
-                                        <p:tgtEl>
-                                          <p:spTgt spid="8">
-                                            <p:txEl>
-                                              <p:pRg st="2" end="2"/>
-                                            </p:txEl>
-                                          </p:spTgt>
-                                        </p:tgtEl>
-                                        <p:attrNameLst>
-                                          <p:attrName>style.visibility</p:attrName>
-                                        </p:attrNameLst>
-                                      </p:cBhvr>
-                                      <p:to>
-                                        <p:strVal val="visible"/>
-                                      </p:to>
-                                    </p:set>
-                                  </p:childTnLst>
-                                </p:cTn>
-                              </p:par>
-                              <p:par>
-                                <p:cTn id="19" presetID="1" presetClass="entr" presetSubtype="0" fill="hold" grpId="0" nodeType="withEffect">
-                                  <p:stCondLst>
-                                    <p:cond delay="0"/>
-                                  </p:stCondLst>
-                                  <p:childTnLst>
-                                    <p:set>
-                                      <p:cBhvr>
-                                        <p:cTn id="20" dur="1" fill="hold">
-                                          <p:stCondLst>
-                                            <p:cond delay="0"/>
-                                          </p:stCondLst>
-                                        </p:cTn>
-                                        <p:tgtEl>
-                                          <p:spTgt spid="8">
-                                            <p:txEl>
-                                              <p:pRg st="3" end="3"/>
-                                            </p:txEl>
-                                          </p:spTgt>
-                                        </p:tgtEl>
-                                        <p:attrNameLst>
-                                          <p:attrName>style.visibility</p:attrName>
-                                        </p:attrNameLst>
-                                      </p:cBhvr>
-                                      <p:to>
-                                        <p:strVal val="visible"/>
-                                      </p:to>
-                                    </p:set>
-                                  </p:childTnLst>
-                                </p:cTn>
-                              </p:par>
-                            </p:childTnLst>
-                          </p:cTn>
-                        </p:par>
-                        <p:par>
-                          <p:cTn id="21" fill="hold">
-                            <p:stCondLst>
-                              <p:cond delay="0"/>
-                            </p:stCondLst>
-                            <p:childTnLst>
-                              <p:par>
-                                <p:cTn id="22" presetID="10" presetClass="entr" presetSubtype="0" fill="hold" grpId="0" nodeType="afterEffect">
-                                  <p:stCondLst>
-                                    <p:cond delay="0"/>
-                                  </p:stCondLst>
-                                  <p:childTnLst>
-                                    <p:set>
-                                      <p:cBhvr>
-                                        <p:cTn id="23" dur="1" fill="hold">
-                                          <p:stCondLst>
-                                            <p:cond delay="0"/>
-                                          </p:stCondLst>
-                                        </p:cTn>
-                                        <p:tgtEl>
-                                          <p:spTgt spid="9"/>
-                                        </p:tgtEl>
-                                        <p:attrNameLst>
-                                          <p:attrName>style.visibility</p:attrName>
-                                        </p:attrNameLst>
-                                      </p:cBhvr>
-                                      <p:to>
-                                        <p:strVal val="visible"/>
-                                      </p:to>
-                                    </p:set>
-                                    <p:animEffect transition="in" filter="fade">
-                                      <p:cBhvr>
-                                        <p:cTn id="24" dur="500"/>
-                                        <p:tgtEl>
-                                          <p:spTgt spid="9"/>
-                                        </p:tgtEl>
-                                      </p:cBhvr>
-                                    </p:animEffect>
-                                  </p:childTnLst>
-                                </p:cTn>
-                              </p:par>
-                            </p:childTnLst>
-                          </p:cTn>
-                        </p:par>
-                      </p:childTnLst>
-                    </p:cTn>
-                  </p:par>
-                  <p:par>
-                    <p:cTn id="25" fill="hold">
-                      <p:stCondLst>
-                        <p:cond delay="indefinite"/>
-                      </p:stCondLst>
-                      <p:childTnLst>
-                        <p:par>
-                          <p:cTn id="26" fill="hold">
-                            <p:stCondLst>
-                              <p:cond delay="0"/>
-                            </p:stCondLst>
-                            <p:childTnLst>
-                              <p:par>
-                                <p:cTn id="27" presetID="1" presetClass="entr" presetSubtype="0" fill="hold" grpId="0" nodeType="clickEffect">
-                                  <p:stCondLst>
-                                    <p:cond delay="0"/>
-                                  </p:stCondLst>
-                                  <p:childTnLst>
-                                    <p:set>
-                                      <p:cBhvr>
-                                        <p:cTn id="28" dur="1" fill="hold">
-                                          <p:stCondLst>
-                                            <p:cond delay="0"/>
-                                          </p:stCondLst>
-                                        </p:cTn>
-                                        <p:tgtEl>
-                                          <p:spTgt spid="8">
-                                            <p:txEl>
-                                              <p:pRg st="5" end="5"/>
-                                            </p:txEl>
-                                          </p:spTgt>
-                                        </p:tgtEl>
-                                        <p:attrNameLst>
-                                          <p:attrName>style.visibility</p:attrName>
-                                        </p:attrNameLst>
-                                      </p:cBhvr>
-                                      <p:to>
-                                        <p:strVal val="visible"/>
-                                      </p:to>
-                                    </p:set>
-                                  </p:childTnLst>
-                                </p:cTn>
-                              </p:par>
-                            </p:childTnLst>
-                          </p:cTn>
-                        </p:par>
-                        <p:par>
-                          <p:cTn id="29" fill="hold">
-                            <p:stCondLst>
-                              <p:cond delay="0"/>
-                            </p:stCondLst>
-                            <p:childTnLst>
-                              <p:par>
-                                <p:cTn id="30" presetID="10" presetClass="entr" presetSubtype="0" fill="hold" grpId="0" nodeType="afterEffect">
-                                  <p:stCondLst>
-                                    <p:cond delay="0"/>
-                                  </p:stCondLst>
-                                  <p:childTnLst>
-                                    <p:set>
-                                      <p:cBhvr>
-                                        <p:cTn id="31" dur="1" fill="hold">
-                                          <p:stCondLst>
-                                            <p:cond delay="0"/>
-                                          </p:stCondLst>
-                                        </p:cTn>
-                                        <p:tgtEl>
-                                          <p:spTgt spid="10"/>
-                                        </p:tgtEl>
-                                        <p:attrNameLst>
-                                          <p:attrName>style.visibility</p:attrName>
-                                        </p:attrNameLst>
-                                      </p:cBhvr>
-                                      <p:to>
-                                        <p:strVal val="visible"/>
-                                      </p:to>
-                                    </p:set>
-                                    <p:animEffect transition="in" filter="fade">
-                                      <p:cBhvr>
-                                        <p:cTn id="32" dur="500"/>
-                                        <p:tgtEl>
-                                          <p:spTgt spid="10"/>
-                                        </p:tgtEl>
-                                      </p:cBhvr>
-                                    </p:animEffect>
-                                  </p:childTnLst>
-                                </p:cTn>
-                              </p:par>
-                            </p:childTnLst>
-                          </p:cTn>
-                        </p:par>
-                      </p:childTnLst>
-                    </p:cTn>
-                  </p:par>
-                  <p:par>
-                    <p:cTn id="33" fill="hold">
-                      <p:stCondLst>
-                        <p:cond delay="indefinite"/>
-                      </p:stCondLst>
-                      <p:childTnLst>
-                        <p:par>
-                          <p:cTn id="34" fill="hold">
-                            <p:stCondLst>
-                              <p:cond delay="0"/>
-                            </p:stCondLst>
-                            <p:childTnLst>
-                              <p:par>
-                                <p:cTn id="35" presetID="1" presetClass="entr" presetSubtype="0" fill="hold" grpId="0" nodeType="clickEffect">
-                                  <p:stCondLst>
-                                    <p:cond delay="0"/>
-                                  </p:stCondLst>
-                                  <p:childTnLst>
-                                    <p:set>
-                                      <p:cBhvr>
-                                        <p:cTn id="36" dur="1" fill="hold">
-                                          <p:stCondLst>
-                                            <p:cond delay="0"/>
-                                          </p:stCondLst>
-                                        </p:cTn>
-                                        <p:tgtEl>
-                                          <p:spTgt spid="8">
-                                            <p:txEl>
-                                              <p:pRg st="7" end="7"/>
-                                            </p:txEl>
-                                          </p:spTgt>
-                                        </p:tgtEl>
-                                        <p:attrNameLst>
-                                          <p:attrName>style.visibility</p:attrName>
-                                        </p:attrNameLst>
-                                      </p:cBhvr>
-                                      <p:to>
-                                        <p:strVal val="visible"/>
-                                      </p:to>
-                                    </p:set>
-                                  </p:childTnLst>
-                                </p:cTn>
-                              </p:par>
-                            </p:childTnLst>
-                          </p:cTn>
-                        </p:par>
-                        <p:par>
-                          <p:cTn id="37" fill="hold">
-                            <p:stCondLst>
-                              <p:cond delay="0"/>
-                            </p:stCondLst>
-                            <p:childTnLst>
-                              <p:par>
-                                <p:cTn id="38" presetID="10" presetClass="entr" presetSubtype="0" fill="hold" nodeType="afterEffect">
-                                  <p:stCondLst>
-                                    <p:cond delay="0"/>
-                                  </p:stCondLst>
-                                  <p:childTnLst>
-                                    <p:set>
-                                      <p:cBhvr>
-                                        <p:cTn id="39" dur="1" fill="hold">
-                                          <p:stCondLst>
-                                            <p:cond delay="0"/>
-                                          </p:stCondLst>
-                                        </p:cTn>
-                                        <p:tgtEl>
-                                          <p:spTgt spid="4098"/>
-                                        </p:tgtEl>
-                                        <p:attrNameLst>
-                                          <p:attrName>style.visibility</p:attrName>
-                                        </p:attrNameLst>
-                                      </p:cBhvr>
-                                      <p:to>
-                                        <p:strVal val="visible"/>
-                                      </p:to>
-                                    </p:set>
-                                    <p:animEffect transition="in" filter="fade">
-                                      <p:cBhvr>
-                                        <p:cTn id="40" dur="500"/>
-                                        <p:tgtEl>
-                                          <p:spTgt spid="4098"/>
-                                        </p:tgtEl>
-                                      </p:cBhvr>
-                                    </p:animEffect>
-                                  </p:childTnLst>
-                                </p:cTn>
-                              </p:par>
-                            </p:childTnLst>
-                          </p:cTn>
-                        </p:par>
-                      </p:childTnLst>
-                    </p:cTn>
-                  </p:par>
-                </p:childTnLst>
-              </p:cTn>
-              <p:prevCondLst>
-                <p:cond evt="onPrev" delay="0">
-                  <p:tgtEl>
-                    <p:sldTgt/>
-                  </p:tgtEl>
-                </p:cond>
-              </p:prevCondLst>
-              <p:nextCondLst>
-                <p:cond evt="onNext" delay="0">
-                  <p:tgtEl>
-                    <p:sldTgt/>
-                  </p:tgtEl>
-                </p:cond>
-              </p:nextCondLst>
-            </p:seq>
-          </p:childTnLst>
-        </p:cTn>
-      </p:par>
-    </p:tnLst>
-    <p:bldLst>
-      <p:bldP spid="8" grpId="0" uiExpand="1" build="p" animBg="1"/>
-      <p:bldP spid="3" grpId="0" animBg="1"/>
-      <p:bldP spid="9" grpId="0" animBg="1"/>
-      <p:bldP spid="10" grpId="0" animBg="1"/>
-    </p:bldLst>
   </p:timing>
 </p:sld>
 </file>
@@ -5848,12 +8714,12 @@
       </p:grpSpPr>
       <p:sp>
         <p:nvSpPr>
-          <p:cNvPr id="2" name="Title 1"/>
-          <p:cNvSpPr>
-            <a:spLocks noGrp="1"/>
-          </p:cNvSpPr>
-          <p:nvPr>
-            <p:ph type="title"/>
+          <p:cNvPr id="4" name="Date Placeholder 3"/>
+          <p:cNvSpPr>
+            <a:spLocks noGrp="1"/>
+          </p:cNvSpPr>
+          <p:nvPr>
+            <p:ph type="dt" sz="half" idx="10"/>
           </p:nvPr>
         </p:nvSpPr>
         <p:spPr/>
@@ -5862,118 +8728,7 @@
           <a:lstStyle/>
           <a:p>
             <a:r>
-              <a:rPr lang="en-GB" dirty="0" smtClean="0"/>
-              <a:t>2. ITER’s requirements</a:t>
-            </a:r>
-            <a:endParaRPr lang="en-GB" dirty="0"/>
-          </a:p>
-        </p:txBody>
-      </p:sp>
-      <p:sp>
-        <p:nvSpPr>
-          <p:cNvPr id="3" name="Content Placeholder 2"/>
-          <p:cNvSpPr>
-            <a:spLocks noGrp="1"/>
-          </p:cNvSpPr>
-          <p:nvPr>
-            <p:ph idx="1"/>
-          </p:nvPr>
-        </p:nvSpPr>
-        <p:spPr>
-          <a:xfrm>
-            <a:off x="838200" y="1520824"/>
-            <a:ext cx="6629400" cy="4879975"/>
-          </a:xfrm>
-        </p:spPr>
-        <p:txBody>
-          <a:bodyPr>
-            <a:normAutofit lnSpcReduction="10000"/>
-          </a:bodyPr>
-          <a:lstStyle/>
-          <a:p>
-            <a:r>
-              <a:rPr lang="en-GB" dirty="0" smtClean="0"/>
-              <a:t>Natural ELMs on ITER could release up to 20 MJ</a:t>
-            </a:r>
-          </a:p>
-          <a:p>
-            <a:pPr lvl="1"/>
-            <a:r>
-              <a:rPr lang="en-GB" b="1" dirty="0" smtClean="0"/>
-              <a:t>The first wall can tolerate &lt; 1 MJ eruptions</a:t>
-            </a:r>
-          </a:p>
-          <a:p>
-            <a:pPr lvl="1"/>
-            <a:endParaRPr lang="en-GB" b="1" dirty="0" smtClean="0"/>
-          </a:p>
-          <a:p>
-            <a:r>
-              <a:rPr lang="en-GB" dirty="0"/>
-              <a:t>Minimum ELM frequency increase to maintain acceptable impurity levels and sufficient PFC lifetime, depending on plasma current</a:t>
-            </a:r>
-            <a:r>
-              <a:rPr lang="en-GB" dirty="0" smtClean="0"/>
-              <a:t>.</a:t>
-            </a:r>
-            <a:endParaRPr lang="en-GB" dirty="0" smtClean="0"/>
-          </a:p>
-          <a:p>
-            <a:endParaRPr lang="en-GB" dirty="0"/>
-          </a:p>
-          <a:p>
-            <a:r>
-              <a:rPr lang="en-GB" dirty="0" smtClean="0"/>
-              <a:t>Target operation: 15 MA</a:t>
-            </a:r>
-          </a:p>
-          <a:p>
-            <a:pPr lvl="1"/>
-            <a:r>
-              <a:rPr lang="en-GB" dirty="0" smtClean="0"/>
-              <a:t>AT LEAST need a sustained </a:t>
-            </a:r>
-            <a:r>
-              <a:rPr lang="en-GB" b="1" dirty="0" smtClean="0"/>
-              <a:t>&gt;40 </a:t>
-            </a:r>
-            <a:r>
-              <a:rPr lang="en-GB" dirty="0" smtClean="0"/>
-              <a:t>times </a:t>
-            </a:r>
-            <a:r>
-              <a:rPr lang="en-GB" b="1" dirty="0" err="1" smtClean="0"/>
-              <a:t>f</a:t>
-            </a:r>
-            <a:r>
-              <a:rPr lang="en-GB" b="1" baseline="-25000" dirty="0" err="1" smtClean="0"/>
-              <a:t>ELM</a:t>
-            </a:r>
-            <a:r>
-              <a:rPr lang="en-GB" dirty="0" smtClean="0"/>
-              <a:t> increase</a:t>
-            </a:r>
-            <a:endParaRPr lang="en-GB" dirty="0"/>
-          </a:p>
-        </p:txBody>
-      </p:sp>
-      <p:sp>
-        <p:nvSpPr>
-          <p:cNvPr id="4" name="Date Placeholder 3"/>
-          <p:cNvSpPr>
-            <a:spLocks noGrp="1"/>
-          </p:cNvSpPr>
-          <p:nvPr>
-            <p:ph type="dt" sz="half" idx="10"/>
-          </p:nvPr>
-        </p:nvSpPr>
-        <p:spPr/>
-        <p:txBody>
-          <a:bodyPr/>
-          <a:lstStyle/>
-          <a:p>
-            <a:r>
-              <a:rPr lang="en-GB" dirty="0" smtClean="0"/>
+              <a:rPr lang="en-GB" smtClean="0"/>
               <a:t>31/05/2016</a:t>
             </a:r>
             <a:endParaRPr lang="en-GB" dirty="0"/>
@@ -6036,62 +8791,116 @@
           </a:p>
         </p:txBody>
       </p:sp>
+      <p:sp>
+        <p:nvSpPr>
+          <p:cNvPr id="8" name="Content Placeholder 7"/>
+          <p:cNvSpPr>
+            <a:spLocks noGrp="1"/>
+          </p:cNvSpPr>
+          <p:nvPr>
+            <p:ph idx="1"/>
+          </p:nvPr>
+        </p:nvSpPr>
+        <p:spPr>
+          <a:xfrm>
+            <a:off x="400050" y="3641552"/>
+            <a:ext cx="11391900" cy="2003873"/>
+          </a:xfrm>
+        </p:spPr>
+        <p:txBody>
+          <a:bodyPr>
+            <a:noAutofit/>
+          </a:bodyPr>
+          <a:lstStyle/>
+          <a:p>
+            <a:r>
+              <a:rPr lang="en-GB" sz="3000" dirty="0" smtClean="0"/>
+              <a:t> Several tokamaks have corroborated this scaling for ELM frequency, </a:t>
+            </a:r>
+            <a:r>
+              <a:rPr lang="en-GB" sz="3000" b="1" dirty="0" err="1" smtClean="0"/>
+              <a:t>f</a:t>
+            </a:r>
+            <a:r>
+              <a:rPr lang="en-GB" sz="3000" b="1" baseline="-25000" dirty="0" err="1" smtClean="0"/>
+              <a:t>ELM</a:t>
+            </a:r>
+            <a:r>
+              <a:rPr lang="en-GB" sz="3000" dirty="0" smtClean="0"/>
+              <a:t> </a:t>
+            </a:r>
+            <a:endParaRPr lang="en-GB" sz="3000" dirty="0"/>
+          </a:p>
+          <a:p>
+            <a:pPr lvl="1"/>
+            <a:endParaRPr lang="en-GB" sz="2600" dirty="0" smtClean="0"/>
+          </a:p>
+          <a:p>
+            <a:r>
+              <a:rPr lang="en-GB" sz="3000" b="1" dirty="0" smtClean="0"/>
+              <a:t> ∆W</a:t>
+            </a:r>
+            <a:r>
+              <a:rPr lang="en-GB" sz="3000" b="1" baseline="-25000" dirty="0" smtClean="0"/>
+              <a:t>ELM</a:t>
+            </a:r>
+            <a:r>
+              <a:rPr lang="en-GB" sz="3000" b="1" dirty="0" smtClean="0"/>
+              <a:t> </a:t>
+            </a:r>
+            <a:r>
+              <a:rPr lang="en-GB" sz="3000" dirty="0" smtClean="0"/>
+              <a:t>is the ELM energy</a:t>
+            </a:r>
+            <a:endParaRPr lang="en-GB" sz="3000" b="1" dirty="0" smtClean="0"/>
+          </a:p>
+        </p:txBody>
+      </p:sp>
       <p:pic>
         <p:nvPicPr>
-          <p:cNvPr id="1026" name="Picture 2" descr="C:\Users\joe\Documents\GitHub\FFessay\Latex_documents\Figures\FreqEnhance.PNG"/>
+          <p:cNvPr id="9" name="Content Placeholder 6"/>
           <p:cNvPicPr>
-            <a:picLocks noChangeAspect="1" noChangeArrowheads="1"/>
+            <a:picLocks noChangeAspect="1"/>
           </p:cNvPicPr>
           <p:nvPr/>
         </p:nvPicPr>
         <p:blipFill>
-          <a:blip r:embed="rId2">
+          <a:blip r:embed="rId3">
             <a:extLst>
               <a:ext uri="{28A0092B-C50C-407E-A947-70E740481C1C}">
                 <a14:useLocalDpi xmlns:a14="http://schemas.microsoft.com/office/drawing/2010/main" val="0"/>
               </a:ext>
             </a:extLst>
           </a:blip>
-          <a:srcRect/>
           <a:stretch>
             <a:fillRect/>
           </a:stretch>
         </p:blipFill>
-        <p:spPr bwMode="auto">
-          <a:xfrm>
-            <a:off x="7629525" y="1538288"/>
-            <a:ext cx="3806574" cy="4138612"/>
+        <p:spPr>
+          <a:xfrm>
+            <a:off x="838200" y="1632335"/>
+            <a:ext cx="10515600" cy="1174330"/>
+          </a:xfrm>
+          <a:prstGeom prst="rect">
+            <a:avLst/>
+          </a:prstGeom>
+        </p:spPr>
+      </p:pic>
+      <p:sp>
+        <p:nvSpPr>
+          <p:cNvPr id="10" name="TextBox 9"/>
+          <p:cNvSpPr txBox="1"/>
+          <p:nvPr/>
+        </p:nvSpPr>
+        <p:spPr>
+          <a:xfrm>
+            <a:off x="5524500" y="2806665"/>
+            <a:ext cx="5829300" cy="338554"/>
           </a:xfrm>
           <a:prstGeom prst="rect">
             <a:avLst/>
           </a:prstGeom>
           <a:noFill/>
-          <a:extLst>
-            <a:ext uri="{909E8E84-426E-40DD-AFC4-6F175D3DCCD1}">
-              <a14:hiddenFill xmlns:a14="http://schemas.microsoft.com/office/drawing/2010/main">
-                <a:solidFill>
-                  <a:srgbClr val="FFFFFF"/>
-                </a:solidFill>
-              </a14:hiddenFill>
-            </a:ext>
-          </a:extLst>
-        </p:spPr>
-      </p:pic>
-      <p:sp>
-        <p:nvSpPr>
-          <p:cNvPr id="7" name="TextBox 6"/>
-          <p:cNvSpPr txBox="1"/>
-          <p:nvPr/>
-        </p:nvSpPr>
-        <p:spPr>
-          <a:xfrm>
-            <a:off x="7629525" y="5676900"/>
-            <a:ext cx="3806574" cy="338554"/>
-          </a:xfrm>
-          <a:prstGeom prst="rect">
-            <a:avLst/>
-          </a:prstGeom>
-          <a:noFill/>
         </p:spPr>
         <p:txBody>
           <a:bodyPr wrap="square" rtlCol="0">
@@ -6100,32 +8909,25 @@
           <a:lstStyle/>
           <a:p>
             <a:r>
-              <a:rPr lang="en-GB" sz="1600" dirty="0">
-                <a:latin typeface="Batang" panose="02030600000101010101" pitchFamily="18" charset="-127"/>
-                <a:ea typeface="Batang" panose="02030600000101010101" pitchFamily="18" charset="-127"/>
-              </a:rPr>
-              <a:t>A. Kirk </a:t>
-            </a:r>
-            <a:r>
               <a:rPr lang="en-GB" sz="1600" dirty="0" smtClean="0">
                 <a:latin typeface="Batang" panose="02030600000101010101" pitchFamily="18" charset="-127"/>
                 <a:ea typeface="Batang" panose="02030600000101010101" pitchFamily="18" charset="-127"/>
               </a:rPr>
-              <a:t>Phys. Rev. Lett. </a:t>
-            </a:r>
-            <a:r>
-              <a:rPr lang="en-GB" sz="1600" dirty="0">
+              <a:t>A. Leonard Journal of Nuclear Materials </a:t>
+            </a:r>
+            <a:r>
+              <a:rPr lang="en-GB" sz="1600" b="1" dirty="0" smtClean="0">
                 <a:latin typeface="Batang" panose="02030600000101010101" pitchFamily="18" charset="-127"/>
                 <a:ea typeface="Batang" panose="02030600000101010101" pitchFamily="18" charset="-127"/>
               </a:rPr>
-              <a:t>108.25 </a:t>
+              <a:t>266</a:t>
             </a:r>
             <a:r>
               <a:rPr lang="en-GB" sz="1600" dirty="0" smtClean="0">
                 <a:latin typeface="Batang" panose="02030600000101010101" pitchFamily="18" charset="-127"/>
                 <a:ea typeface="Batang" panose="02030600000101010101" pitchFamily="18" charset="-127"/>
               </a:rPr>
-              <a:t>2013</a:t>
+              <a:t> 1999</a:t>
             </a:r>
             <a:endParaRPr lang="en-GB" sz="1600" dirty="0">
               <a:latin typeface="Batang" panose="02030600000101010101" pitchFamily="18" charset="-127"/>
@@ -6136,54 +8938,38 @@
       </p:sp>
       <p:sp>
         <p:nvSpPr>
-          <p:cNvPr id="8" name="Rectangle 7"/>
-          <p:cNvSpPr/>
-          <p:nvPr/>
-        </p:nvSpPr>
-        <p:spPr>
-          <a:xfrm>
-            <a:off x="1249251" y="2215166"/>
-            <a:ext cx="5743977" cy="463640"/>
-          </a:xfrm>
-          <a:prstGeom prst="rect">
-            <a:avLst/>
-          </a:prstGeom>
-          <a:noFill/>
-          <a:ln w="101600">
-            <a:solidFill>
-              <a:srgbClr val="FF0000"/>
-            </a:solidFill>
-          </a:ln>
-        </p:spPr>
-        <p:style>
-          <a:lnRef idx="2">
-            <a:schemeClr val="accent1">
-              <a:shade val="50000"/>
-            </a:schemeClr>
-          </a:lnRef>
-          <a:fillRef idx="1">
-            <a:schemeClr val="accent1"/>
-          </a:fillRef>
-          <a:effectRef idx="0">
-            <a:schemeClr val="accent1"/>
-          </a:effectRef>
-          <a:fontRef idx="minor">
-            <a:schemeClr val="lt1"/>
-          </a:fontRef>
-        </p:style>
-        <p:txBody>
-          <a:bodyPr rtlCol="0" anchor="ctr"/>
-          <a:lstStyle/>
-          <a:p>
-            <a:pPr algn="ctr"/>
-            <a:endParaRPr lang="en-GB"/>
+          <p:cNvPr id="11" name="Title 1"/>
+          <p:cNvSpPr>
+            <a:spLocks noGrp="1"/>
+          </p:cNvSpPr>
+          <p:nvPr>
+            <p:ph type="title"/>
+          </p:nvPr>
+        </p:nvSpPr>
+        <p:spPr>
+          <a:xfrm>
+            <a:off x="137492" y="0"/>
+            <a:ext cx="12001500" cy="1325563"/>
+          </a:xfrm>
+        </p:spPr>
+        <p:txBody>
+          <a:bodyPr>
+            <a:noAutofit/>
+          </a:bodyPr>
+          <a:lstStyle/>
+          <a:p>
+            <a:r>
+              <a:rPr lang="en-GB" sz="6000" dirty="0" smtClean="0"/>
+              <a:t>1. Background understanding of ELMs</a:t>
+            </a:r>
+            <a:endParaRPr lang="en-GB" sz="6000" dirty="0"/>
           </a:p>
         </p:txBody>
       </p:sp>
     </p:spTree>
     <p:extLst>
       <p:ext uri="{BB962C8B-B14F-4D97-AF65-F5344CB8AC3E}">
-        <p14:creationId xmlns:p14="http://schemas.microsoft.com/office/powerpoint/2010/main" val="1207119539"/>
+        <p14:creationId xmlns:p14="http://schemas.microsoft.com/office/powerpoint/2010/main" val="1217640621"/>
       </p:ext>
     </p:extLst>
   </p:cSld>
@@ -6219,77 +9005,7 @@
       </p:grpSpPr>
       <p:sp>
         <p:nvSpPr>
-          <p:cNvPr id="4" name="Date Placeholder 3"/>
-          <p:cNvSpPr>
-            <a:spLocks noGrp="1"/>
-          </p:cNvSpPr>
-          <p:nvPr>
-            <p:ph type="dt" sz="half" idx="10"/>
-          </p:nvPr>
-        </p:nvSpPr>
-        <p:spPr/>
-        <p:txBody>
-          <a:bodyPr/>
-          <a:lstStyle/>
-          <a:p>
-            <a:r>
-              <a:rPr lang="en-GB" smtClean="0"/>
-              <a:t>31/05/2016</a:t>
-            </a:r>
-            <a:endParaRPr lang="en-GB" dirty="0"/>
-          </a:p>
-        </p:txBody>
-      </p:sp>
-      <p:sp>
-        <p:nvSpPr>
-          <p:cNvPr id="5" name="Slide Number Placeholder 4"/>
-          <p:cNvSpPr>
-            <a:spLocks noGrp="1"/>
-          </p:cNvSpPr>
-          <p:nvPr>
-            <p:ph type="sldNum" sz="quarter" idx="12"/>
-          </p:nvPr>
-        </p:nvSpPr>
-        <p:spPr/>
-        <p:txBody>
-          <a:bodyPr/>
-          <a:lstStyle/>
-          <a:p>
-            <a:fld id="{581BB28B-6C27-444C-B2E2-3960C28AE47A}" type="slidenum">
-              <a:rPr lang="en-GB" smtClean="0"/>
-              <a:pPr/>
-              <a:t>7</a:t>
-            </a:fld>
-            <a:endParaRPr lang="en-GB" dirty="0"/>
-          </a:p>
-        </p:txBody>
-      </p:sp>
-      <p:sp>
-        <p:nvSpPr>
-          <p:cNvPr id="6" name="Footer Placeholder 5"/>
-          <p:cNvSpPr>
-            <a:spLocks noGrp="1"/>
-          </p:cNvSpPr>
-          <p:nvPr>
-            <p:ph type="ftr" sz="quarter" idx="3"/>
-          </p:nvPr>
-        </p:nvSpPr>
-        <p:spPr/>
-        <p:txBody>
-          <a:bodyPr/>
-          <a:lstStyle/>
-          <a:p>
-            <a:r>
-              <a:rPr lang="en-GB" smtClean="0"/>
-              <a:t>JOA509 - Frontiers of Fusion</a:t>
-            </a:r>
-            <a:endParaRPr lang="en-GB" dirty="0"/>
-          </a:p>
-        </p:txBody>
-      </p:sp>
-      <p:sp>
-        <p:nvSpPr>
-          <p:cNvPr id="7" name="Title 1"/>
+          <p:cNvPr id="2" name="Title 1"/>
           <p:cNvSpPr>
             <a:spLocks noGrp="1"/>
           </p:cNvSpPr>
@@ -6299,74 +9015,17 @@
         </p:nvSpPr>
         <p:spPr>
           <a:xfrm>
-            <a:off x="579552" y="0"/>
-            <a:ext cx="11037194" cy="1325563"/>
-          </a:xfrm>
-        </p:spPr>
-        <p:txBody>
-          <a:bodyPr>
-            <a:normAutofit fontScale="90000"/>
-          </a:bodyPr>
-          <a:lstStyle/>
-          <a:p>
-            <a:r>
-              <a:rPr lang="en-GB" dirty="0" smtClean="0"/>
-              <a:t>3. Methods </a:t>
-            </a:r>
-            <a:r>
-              <a:rPr lang="en-GB" dirty="0"/>
-              <a:t>for ELM </a:t>
-            </a:r>
-            <a:r>
-              <a:rPr lang="en-GB" dirty="0" smtClean="0"/>
-              <a:t>control on ITER</a:t>
-            </a:r>
-            <a:endParaRPr lang="en-GB" dirty="0"/>
-          </a:p>
-        </p:txBody>
-      </p:sp>
-      <p:sp>
-        <p:nvSpPr>
-          <p:cNvPr id="8" name="Content Placeholder 2"/>
-          <p:cNvSpPr>
-            <a:spLocks noGrp="1"/>
-          </p:cNvSpPr>
-          <p:nvPr>
-            <p:ph idx="1"/>
-          </p:nvPr>
-        </p:nvSpPr>
-        <p:spPr>
-          <a:xfrm>
-            <a:off x="838200" y="1520825"/>
-            <a:ext cx="5991225" cy="4308475"/>
-          </a:xfrm>
-        </p:spPr>
-        <p:txBody>
-          <a:bodyPr/>
-          <a:lstStyle/>
-          <a:p>
-            <a:r>
-              <a:rPr lang="en-GB" dirty="0" smtClean="0"/>
-              <a:t>Vertical stability coils already included</a:t>
-            </a:r>
-          </a:p>
-          <a:p>
-            <a:endParaRPr lang="en-GB" dirty="0" smtClean="0"/>
-          </a:p>
-          <a:p>
-            <a:r>
-              <a:rPr lang="en-GB" dirty="0" smtClean="0"/>
-              <a:t>27 RMP coils added to design</a:t>
-            </a:r>
-            <a:endParaRPr lang="en-GB" dirty="0"/>
-          </a:p>
-          <a:p>
-            <a:endParaRPr lang="en-GB" dirty="0" smtClean="0"/>
-          </a:p>
-          <a:p>
-            <a:r>
-              <a:rPr lang="en-GB" dirty="0" smtClean="0"/>
-              <a:t>Pellet injectors also added</a:t>
+            <a:off x="838200" y="0"/>
+            <a:ext cx="10515600" cy="1325563"/>
+          </a:xfrm>
+        </p:spPr>
+        <p:txBody>
+          <a:bodyPr/>
+          <a:lstStyle/>
+          <a:p>
+            <a:r>
+              <a:rPr lang="en-GB" sz="6000" dirty="0" smtClean="0"/>
+              <a:t>2. Problems ELMs cause</a:t>
             </a:r>
             <a:endParaRPr lang="en-GB" dirty="0"/>
           </a:p>
@@ -6374,106 +9033,116 @@
       </p:sp>
       <p:pic>
         <p:nvPicPr>
-          <p:cNvPr id="9" name="Picture 2" descr="C:\Users\joe\Documents\GitHub\FFessay\Latex_documents\Figures\ITERcoils.PNG"/>
+          <p:cNvPr id="7" name="Content Placeholder 6"/>
           <p:cNvPicPr>
-            <a:picLocks noChangeAspect="1" noChangeArrowheads="1"/>
+            <a:picLocks noGrp="1" noChangeAspect="1"/>
           </p:cNvPicPr>
-          <p:nvPr/>
+          <p:nvPr>
+            <p:ph idx="1"/>
+          </p:nvPr>
         </p:nvPicPr>
         <p:blipFill>
-          <a:blip r:embed="rId3">
+          <a:blip r:embed="rId2">
             <a:extLst>
               <a:ext uri="{28A0092B-C50C-407E-A947-70E740481C1C}">
                 <a14:useLocalDpi xmlns:a14="http://schemas.microsoft.com/office/drawing/2010/main" val="0"/>
               </a:ext>
             </a:extLst>
           </a:blip>
-          <a:srcRect/>
           <a:stretch>
             <a:fillRect/>
           </a:stretch>
         </p:blipFill>
-        <p:spPr bwMode="auto">
-          <a:xfrm>
-            <a:off x="6829425" y="1409700"/>
-            <a:ext cx="5162550" cy="4419600"/>
-          </a:xfrm>
-          <a:prstGeom prst="rect">
-            <a:avLst/>
-          </a:prstGeom>
-          <a:noFill/>
-          <a:extLst>
-            <a:ext uri="{909E8E84-426E-40DD-AFC4-6F175D3DCCD1}">
-              <a14:hiddenFill xmlns:a14="http://schemas.microsoft.com/office/drawing/2010/main">
-                <a:solidFill>
-                  <a:srgbClr val="FFFFFF"/>
-                </a:solidFill>
-              </a14:hiddenFill>
-            </a:ext>
-          </a:extLst>
+        <p:spPr>
+          <a:xfrm>
+            <a:off x="2032041" y="1047749"/>
+            <a:ext cx="8127918" cy="5491163"/>
+          </a:xfrm>
         </p:spPr>
       </p:pic>
       <p:sp>
         <p:nvSpPr>
-          <p:cNvPr id="10" name="TextBox 9"/>
-          <p:cNvSpPr txBox="1"/>
-          <p:nvPr/>
-        </p:nvSpPr>
-        <p:spPr>
-          <a:xfrm>
-            <a:off x="6829425" y="5829300"/>
-            <a:ext cx="5162550" cy="369332"/>
-          </a:xfrm>
-          <a:prstGeom prst="rect">
-            <a:avLst/>
-          </a:prstGeom>
-          <a:noFill/>
-        </p:spPr>
-        <p:txBody>
-          <a:bodyPr wrap="square" rtlCol="0">
-            <a:spAutoFit/>
-          </a:bodyPr>
-          <a:lstStyle/>
-          <a:p>
-            <a:r>
-              <a:rPr lang="da-DK" dirty="0" smtClean="0">
-                <a:latin typeface="Batang" panose="02030600000101010101" pitchFamily="18" charset="-127"/>
-                <a:ea typeface="Batang" panose="02030600000101010101" pitchFamily="18" charset="-127"/>
-              </a:rPr>
-              <a:t>P. Lang </a:t>
-            </a:r>
-            <a:r>
-              <a:rPr lang="da-DK" i="1" dirty="0">
-                <a:latin typeface="Batang" panose="02030600000101010101" pitchFamily="18" charset="-127"/>
-                <a:ea typeface="Batang" panose="02030600000101010101" pitchFamily="18" charset="-127"/>
-              </a:rPr>
-              <a:t>Nuclear Fusion </a:t>
-            </a:r>
-            <a:r>
-              <a:rPr lang="da-DK" dirty="0">
-                <a:latin typeface="Batang" panose="02030600000101010101" pitchFamily="18" charset="-127"/>
-                <a:ea typeface="Batang" panose="02030600000101010101" pitchFamily="18" charset="-127"/>
-              </a:rPr>
-              <a:t>53.4 </a:t>
-            </a:r>
-            <a:r>
-              <a:rPr lang="da-DK" dirty="0" smtClean="0">
-                <a:latin typeface="Batang" panose="02030600000101010101" pitchFamily="18" charset="-127"/>
-                <a:ea typeface="Batang" panose="02030600000101010101" pitchFamily="18" charset="-127"/>
-              </a:rPr>
-              <a:t>2013</a:t>
-            </a:r>
-            <a:endParaRPr lang="da-DK" dirty="0">
-              <a:latin typeface="Batang" panose="02030600000101010101" pitchFamily="18" charset="-127"/>
-              <a:ea typeface="Batang" panose="02030600000101010101" pitchFamily="18" charset="-127"/>
-            </a:endParaRPr>
+          <p:cNvPr id="4" name="Date Placeholder 3"/>
+          <p:cNvSpPr>
+            <a:spLocks noGrp="1"/>
+          </p:cNvSpPr>
+          <p:nvPr>
+            <p:ph type="dt" sz="half" idx="10"/>
+          </p:nvPr>
+        </p:nvSpPr>
+        <p:spPr/>
+        <p:txBody>
+          <a:bodyPr/>
+          <a:lstStyle/>
+          <a:p>
+            <a:r>
+              <a:rPr lang="en-GB" smtClean="0"/>
+              <a:t>31/05/2016</a:t>
+            </a:r>
+            <a:endParaRPr lang="en-GB" dirty="0"/>
+          </a:p>
+        </p:txBody>
+      </p:sp>
+      <p:sp>
+        <p:nvSpPr>
+          <p:cNvPr id="5" name="Footer Placeholder 4"/>
+          <p:cNvSpPr>
+            <a:spLocks noGrp="1"/>
+          </p:cNvSpPr>
+          <p:nvPr>
+            <p:ph type="ftr" sz="quarter" idx="3"/>
+          </p:nvPr>
+        </p:nvSpPr>
+        <p:spPr>
+          <a:xfrm>
+            <a:off x="7912100" y="6343650"/>
+            <a:ext cx="4114800" cy="365125"/>
+          </a:xfrm>
+        </p:spPr>
+        <p:txBody>
+          <a:bodyPr/>
+          <a:lstStyle/>
+          <a:p>
+            <a:r>
+              <a:rPr lang="en-GB" smtClean="0"/>
+              <a:t>JOA509 – Frontiers of Fusion</a:t>
+            </a:r>
+            <a:endParaRPr lang="en-GB" dirty="0"/>
+          </a:p>
+        </p:txBody>
+      </p:sp>
+      <p:sp>
+        <p:nvSpPr>
+          <p:cNvPr id="6" name="Slide Number Placeholder 5"/>
+          <p:cNvSpPr>
+            <a:spLocks noGrp="1"/>
+          </p:cNvSpPr>
+          <p:nvPr>
+            <p:ph type="sldNum" sz="quarter" idx="12"/>
+          </p:nvPr>
+        </p:nvSpPr>
+        <p:spPr>
+          <a:xfrm>
+            <a:off x="4724400" y="6356350"/>
+            <a:ext cx="2743200" cy="365125"/>
+          </a:xfrm>
+        </p:spPr>
+        <p:txBody>
+          <a:bodyPr/>
+          <a:lstStyle/>
+          <a:p>
+            <a:fld id="{581BB28B-6C27-444C-B2E2-3960C28AE47A}" type="slidenum">
+              <a:rPr lang="en-GB" smtClean="0"/>
+              <a:t>7</a:t>
+            </a:fld>
+            <a:endParaRPr lang="en-GB" dirty="0"/>
           </a:p>
         </p:txBody>
       </p:sp>
     </p:spTree>
     <p:extLst>
       <p:ext uri="{BB962C8B-B14F-4D97-AF65-F5344CB8AC3E}">
-        <p14:creationId xmlns:p14="http://schemas.microsoft.com/office/powerpoint/2010/main" val="4129829245"/>
+        <p14:creationId xmlns:p14="http://schemas.microsoft.com/office/powerpoint/2010/main" val="2389582712"/>
       </p:ext>
     </p:extLst>
   </p:cSld>
@@ -6517,257 +9186,151 @@
             <p:ph type="title"/>
           </p:nvPr>
         </p:nvSpPr>
-        <p:spPr/>
-        <p:txBody>
-          <a:bodyPr>
-            <a:normAutofit/>
-          </a:bodyPr>
-          <a:lstStyle/>
-          <a:p>
-            <a:r>
-              <a:rPr lang="en-GB" dirty="0" smtClean="0"/>
-              <a:t>3. </a:t>
-            </a:r>
-            <a:r>
-              <a:rPr lang="en-GB" dirty="0" err="1" smtClean="0"/>
-              <a:t>i</a:t>
-            </a:r>
-            <a:r>
-              <a:rPr lang="en-GB" dirty="0"/>
-              <a:t>)</a:t>
-            </a:r>
-            <a:r>
-              <a:rPr lang="en-GB" dirty="0" smtClean="0"/>
-              <a:t> RMPs </a:t>
-            </a:r>
-            <a:r>
-              <a:rPr lang="en-GB" sz="3600" dirty="0" smtClean="0"/>
-              <a:t>(Resonant Magnetic Perturbations)</a:t>
-            </a:r>
-            <a:endParaRPr lang="en-GB" dirty="0"/>
-          </a:p>
-        </p:txBody>
-      </p:sp>
-      <p:sp>
-        <p:nvSpPr>
-          <p:cNvPr id="3" name="Content Placeholder 2"/>
-          <p:cNvSpPr>
-            <a:spLocks noGrp="1"/>
-          </p:cNvSpPr>
-          <p:nvPr>
-            <p:ph idx="1"/>
-          </p:nvPr>
-        </p:nvSpPr>
-        <p:spPr>
-          <a:xfrm>
-            <a:off x="838200" y="1520825"/>
-            <a:ext cx="6429375" cy="4351338"/>
-          </a:xfrm>
-        </p:spPr>
-        <p:txBody>
-          <a:bodyPr/>
-          <a:lstStyle/>
-          <a:p>
-            <a:r>
-              <a:rPr lang="en-GB" dirty="0" smtClean="0"/>
-              <a:t>Suppress ELMs </a:t>
-            </a:r>
-            <a:r>
-              <a:rPr lang="en-GB" dirty="0" smtClean="0"/>
-              <a:t>by keeping below PB stability </a:t>
-            </a:r>
-            <a:r>
-              <a:rPr lang="en-GB" dirty="0" smtClean="0"/>
-              <a:t>limit</a:t>
-            </a:r>
-          </a:p>
-          <a:p>
-            <a:endParaRPr lang="en-GB" dirty="0" smtClean="0"/>
-          </a:p>
-          <a:p>
-            <a:r>
-              <a:rPr lang="en-GB" dirty="0" smtClean="0">
-                <a:sym typeface="Wingdings" panose="05000000000000000000" pitchFamily="2" charset="2"/>
-              </a:rPr>
-              <a:t>Small perturbations</a:t>
-            </a:r>
-            <a:r>
-              <a:rPr lang="en-GB" b="1" dirty="0" smtClean="0">
-                <a:sym typeface="Wingdings" panose="05000000000000000000" pitchFamily="2" charset="2"/>
-              </a:rPr>
-              <a:t> </a:t>
-            </a:r>
-            <a:r>
-              <a:rPr lang="en-GB" sz="3200" b="1" dirty="0" smtClean="0">
-                <a:sym typeface="Wingdings" panose="05000000000000000000" pitchFamily="2" charset="2"/>
-              </a:rPr>
-              <a:t>≈</a:t>
-            </a:r>
-            <a:r>
-              <a:rPr lang="en-GB" b="1" dirty="0" smtClean="0">
-                <a:sym typeface="Wingdings" panose="05000000000000000000" pitchFamily="2" charset="2"/>
-              </a:rPr>
-              <a:t> </a:t>
-            </a:r>
-            <a:r>
-              <a:rPr lang="en-GB" dirty="0" smtClean="0"/>
-              <a:t>10</a:t>
-            </a:r>
-            <a:r>
-              <a:rPr lang="en-GB" baseline="30000" dirty="0" smtClean="0"/>
-              <a:t>-4</a:t>
-            </a:r>
-            <a:r>
-              <a:rPr lang="en-GB" dirty="0" smtClean="0"/>
-              <a:t> T </a:t>
-            </a:r>
-          </a:p>
-          <a:p>
-            <a:endParaRPr lang="en-GB" dirty="0" smtClean="0"/>
-          </a:p>
-          <a:p>
-            <a:r>
-              <a:rPr lang="en-GB" dirty="0" smtClean="0"/>
-              <a:t>Perturbations must be toroidally cycled to keep divertor damage uniform</a:t>
-            </a:r>
-          </a:p>
-        </p:txBody>
-      </p:sp>
-      <p:sp>
-        <p:nvSpPr>
-          <p:cNvPr id="4" name="Date Placeholder 3"/>
-          <p:cNvSpPr>
-            <a:spLocks noGrp="1"/>
-          </p:cNvSpPr>
-          <p:nvPr>
-            <p:ph type="dt" sz="half" idx="10"/>
-          </p:nvPr>
-        </p:nvSpPr>
-        <p:spPr/>
-        <p:txBody>
-          <a:bodyPr/>
-          <a:lstStyle/>
-          <a:p>
-            <a:r>
-              <a:rPr lang="en-GB" smtClean="0"/>
-              <a:t>31/05/2016</a:t>
-            </a:r>
-            <a:endParaRPr lang="en-GB" dirty="0"/>
-          </a:p>
-        </p:txBody>
-      </p:sp>
-      <p:sp>
-        <p:nvSpPr>
-          <p:cNvPr id="5" name="Footer Placeholder 4"/>
-          <p:cNvSpPr>
-            <a:spLocks noGrp="1"/>
-          </p:cNvSpPr>
-          <p:nvPr>
-            <p:ph type="ftr" sz="quarter" idx="3"/>
-          </p:nvPr>
-        </p:nvSpPr>
-        <p:spPr>
-          <a:xfrm>
-            <a:off x="7912100" y="6343650"/>
-            <a:ext cx="4114800" cy="365125"/>
-          </a:xfrm>
-        </p:spPr>
-        <p:txBody>
-          <a:bodyPr/>
-          <a:lstStyle/>
-          <a:p>
-            <a:r>
-              <a:rPr lang="en-GB" smtClean="0"/>
-              <a:t>JOA509 – Frontiers of Fusion</a:t>
-            </a:r>
-            <a:endParaRPr lang="en-GB" dirty="0"/>
-          </a:p>
-        </p:txBody>
-      </p:sp>
-      <p:sp>
-        <p:nvSpPr>
-          <p:cNvPr id="6" name="Slide Number Placeholder 5"/>
-          <p:cNvSpPr>
-            <a:spLocks noGrp="1"/>
-          </p:cNvSpPr>
-          <p:nvPr>
-            <p:ph type="sldNum" sz="quarter" idx="12"/>
-          </p:nvPr>
-        </p:nvSpPr>
-        <p:spPr>
-          <a:xfrm>
-            <a:off x="4724400" y="6356350"/>
-            <a:ext cx="2743200" cy="365125"/>
-          </a:xfrm>
-        </p:spPr>
-        <p:txBody>
-          <a:bodyPr/>
-          <a:lstStyle/>
-          <a:p>
-            <a:fld id="{581BB28B-6C27-444C-B2E2-3960C28AE47A}" type="slidenum">
-              <a:rPr lang="en-GB" smtClean="0"/>
-              <a:t>8</a:t>
-            </a:fld>
+        <p:spPr>
+          <a:xfrm>
+            <a:off x="838200" y="0"/>
+            <a:ext cx="10515600" cy="1325563"/>
+          </a:xfrm>
+        </p:spPr>
+        <p:txBody>
+          <a:bodyPr/>
+          <a:lstStyle/>
+          <a:p>
+            <a:r>
+              <a:rPr lang="en-GB" sz="6000" dirty="0" smtClean="0"/>
+              <a:t>2. Problems ELMs cause</a:t>
+            </a:r>
             <a:endParaRPr lang="en-GB" dirty="0"/>
           </a:p>
         </p:txBody>
       </p:sp>
       <p:pic>
         <p:nvPicPr>
-          <p:cNvPr id="1026" name="Picture 2" descr="C:\Users\joe\Documents\GitHub\FFessay\Presentation\RMP_PBprofile.PNG"/>
+          <p:cNvPr id="7" name="Content Placeholder 6"/>
           <p:cNvPicPr>
-            <a:picLocks noChangeAspect="1" noChangeArrowheads="1"/>
+            <a:picLocks noGrp="1" noChangeAspect="1"/>
           </p:cNvPicPr>
-          <p:nvPr/>
+          <p:nvPr>
+            <p:ph idx="1"/>
+          </p:nvPr>
         </p:nvPicPr>
         <p:blipFill>
-          <a:blip r:embed="rId3">
+          <a:blip r:embed="rId2">
             <a:extLst>
               <a:ext uri="{28A0092B-C50C-407E-A947-70E740481C1C}">
                 <a14:useLocalDpi xmlns:a14="http://schemas.microsoft.com/office/drawing/2010/main" val="0"/>
               </a:ext>
             </a:extLst>
           </a:blip>
-          <a:srcRect/>
           <a:stretch>
             <a:fillRect/>
           </a:stretch>
         </p:blipFill>
-        <p:spPr bwMode="auto">
-          <a:xfrm>
-            <a:off x="7267575" y="941867"/>
-            <a:ext cx="4625016" cy="4956013"/>
-          </a:xfrm>
-          <a:prstGeom prst="rect">
+        <p:spPr>
+          <a:xfrm>
+            <a:off x="2032041" y="1047749"/>
+            <a:ext cx="8127918" cy="5491163"/>
+          </a:xfrm>
+        </p:spPr>
+      </p:pic>
+      <p:sp>
+        <p:nvSpPr>
+          <p:cNvPr id="4" name="Date Placeholder 3"/>
+          <p:cNvSpPr>
+            <a:spLocks noGrp="1"/>
+          </p:cNvSpPr>
+          <p:nvPr>
+            <p:ph type="dt" sz="half" idx="10"/>
+          </p:nvPr>
+        </p:nvSpPr>
+        <p:spPr/>
+        <p:txBody>
+          <a:bodyPr/>
+          <a:lstStyle/>
+          <a:p>
+            <a:r>
+              <a:rPr lang="en-GB" smtClean="0"/>
+              <a:t>31/05/2016</a:t>
+            </a:r>
+            <a:endParaRPr lang="en-GB" dirty="0"/>
+          </a:p>
+        </p:txBody>
+      </p:sp>
+      <p:sp>
+        <p:nvSpPr>
+          <p:cNvPr id="5" name="Footer Placeholder 4"/>
+          <p:cNvSpPr>
+            <a:spLocks noGrp="1"/>
+          </p:cNvSpPr>
+          <p:nvPr>
+            <p:ph type="ftr" sz="quarter" idx="3"/>
+          </p:nvPr>
+        </p:nvSpPr>
+        <p:spPr>
+          <a:xfrm>
+            <a:off x="7912100" y="6343650"/>
+            <a:ext cx="4114800" cy="365125"/>
+          </a:xfrm>
+        </p:spPr>
+        <p:txBody>
+          <a:bodyPr/>
+          <a:lstStyle/>
+          <a:p>
+            <a:r>
+              <a:rPr lang="en-GB" smtClean="0"/>
+              <a:t>JOA509 – Frontiers of Fusion</a:t>
+            </a:r>
+            <a:endParaRPr lang="en-GB" dirty="0"/>
+          </a:p>
+        </p:txBody>
+      </p:sp>
+      <p:sp>
+        <p:nvSpPr>
+          <p:cNvPr id="6" name="Slide Number Placeholder 5"/>
+          <p:cNvSpPr>
+            <a:spLocks noGrp="1"/>
+          </p:cNvSpPr>
+          <p:nvPr>
+            <p:ph type="sldNum" sz="quarter" idx="12"/>
+          </p:nvPr>
+        </p:nvSpPr>
+        <p:spPr>
+          <a:xfrm>
+            <a:off x="4724400" y="6356350"/>
+            <a:ext cx="2743200" cy="365125"/>
+          </a:xfrm>
+        </p:spPr>
+        <p:txBody>
+          <a:bodyPr/>
+          <a:lstStyle/>
+          <a:p>
+            <a:fld id="{581BB28B-6C27-444C-B2E2-3960C28AE47A}" type="slidenum">
+              <a:rPr lang="en-GB" smtClean="0"/>
+              <a:t>8</a:t>
+            </a:fld>
+            <a:endParaRPr lang="en-GB" dirty="0"/>
+          </a:p>
+        </p:txBody>
+      </p:sp>
+      <p:sp>
+        <p:nvSpPr>
+          <p:cNvPr id="8" name="TextBox 7"/>
+          <p:cNvSpPr txBox="1"/>
+          <p:nvPr/>
+        </p:nvSpPr>
+        <p:spPr>
+          <a:xfrm>
+            <a:off x="2567455" y="1610018"/>
+            <a:ext cx="7100015" cy="1055608"/>
+          </a:xfrm>
+          <a:prstGeom prst="roundRect">
             <a:avLst/>
           </a:prstGeom>
-          <a:noFill/>
-          <a:extLst>
-            <a:ext uri="{909E8E84-426E-40DD-AFC4-6F175D3DCCD1}">
-              <a14:hiddenFill xmlns:a14="http://schemas.microsoft.com/office/drawing/2010/main">
-                <a:solidFill>
-                  <a:srgbClr val="FFFFFF"/>
-                </a:solidFill>
-              </a14:hiddenFill>
-            </a:ext>
-          </a:extLst>
-        </p:spPr>
-      </p:pic>
-      <p:sp>
-        <p:nvSpPr>
-          <p:cNvPr id="9" name="TextBox 8"/>
-          <p:cNvSpPr txBox="1"/>
-          <p:nvPr/>
-        </p:nvSpPr>
-        <p:spPr>
-          <a:xfrm>
-            <a:off x="7267574" y="5898524"/>
-            <a:ext cx="4758415" cy="338554"/>
-          </a:xfrm>
-          <a:prstGeom prst="rect">
-            <a:avLst/>
-          </a:prstGeom>
-          <a:noFill/>
+          <a:solidFill>
+            <a:schemeClr val="bg1">
+              <a:alpha val="94000"/>
+            </a:schemeClr>
+          </a:solidFill>
         </p:spPr>
         <p:txBody>
           <a:bodyPr wrap="square" rtlCol="0">
@@ -6775,24 +9338,88 @@
           </a:bodyPr>
           <a:lstStyle/>
           <a:p>
-            <a:r>
-              <a:rPr lang="en-GB" sz="1600" dirty="0" smtClean="0">
-                <a:latin typeface="Batang" panose="02030600000101010101" pitchFamily="18" charset="-127"/>
-                <a:ea typeface="Batang" panose="02030600000101010101" pitchFamily="18" charset="-127"/>
-              </a:rPr>
-              <a:t>A Kirk Frontiers Lectures 2016</a:t>
-            </a:r>
-            <a:endParaRPr lang="en-GB" sz="1600" dirty="0">
-              <a:latin typeface="Batang" panose="02030600000101010101" pitchFamily="18" charset="-127"/>
-              <a:ea typeface="Batang" panose="02030600000101010101" pitchFamily="18" charset="-127"/>
+            <a:pPr marL="457200" indent="-457200">
+              <a:buSzPct val="120000"/>
+              <a:buFont typeface="Wingdings" panose="05000000000000000000" pitchFamily="2" charset="2"/>
+              <a:buChar char="Ø"/>
+            </a:pPr>
+            <a:r>
+              <a:rPr lang="en-GB" sz="2800" dirty="0" smtClean="0">
+                <a:latin typeface="Baskerville Old Face" panose="02020602080505020303" pitchFamily="18" charset="0"/>
+              </a:rPr>
+              <a:t>Loss of </a:t>
+            </a:r>
+            <a:r>
+              <a:rPr lang="en-GB" sz="2800" dirty="0" smtClean="0">
+                <a:latin typeface="Baskerville Old Face" panose="02020602080505020303" pitchFamily="18" charset="0"/>
+              </a:rPr>
+              <a:t>confinement</a:t>
+            </a:r>
+          </a:p>
+          <a:p>
+            <a:pPr marL="457200" indent="-457200">
+              <a:buSzPct val="120000"/>
+              <a:buFont typeface="Wingdings" panose="05000000000000000000" pitchFamily="2" charset="2"/>
+              <a:buChar char="Ø"/>
+            </a:pPr>
+            <a:endParaRPr lang="en-GB" sz="2800" dirty="0" smtClean="0">
+              <a:latin typeface="Baskerville Old Face" panose="02020602080505020303" pitchFamily="18" charset="0"/>
             </a:endParaRPr>
+          </a:p>
+        </p:txBody>
+      </p:sp>
+      <p:sp>
+        <p:nvSpPr>
+          <p:cNvPr id="3" name="Multiply 2"/>
+          <p:cNvSpPr/>
+          <p:nvPr/>
+        </p:nvSpPr>
+        <p:spPr>
+          <a:xfrm>
+            <a:off x="6190033" y="1549767"/>
+            <a:ext cx="1133341" cy="1159096"/>
+          </a:xfrm>
+          <a:prstGeom prst="mathMultiply">
+            <a:avLst/>
+          </a:prstGeom>
+          <a:solidFill>
+            <a:srgbClr val="FF0000"/>
+          </a:solidFill>
+          <a:ln>
+            <a:solidFill>
+              <a:srgbClr val="FF0000"/>
+            </a:solidFill>
+          </a:ln>
+        </p:spPr>
+        <p:style>
+          <a:lnRef idx="2">
+            <a:schemeClr val="accent1">
+              <a:shade val="50000"/>
+            </a:schemeClr>
+          </a:lnRef>
+          <a:fillRef idx="1">
+            <a:schemeClr val="accent1"/>
+          </a:fillRef>
+          <a:effectRef idx="0">
+            <a:schemeClr val="accent1"/>
+          </a:effectRef>
+          <a:fontRef idx="minor">
+            <a:schemeClr val="lt1"/>
+          </a:fontRef>
+        </p:style>
+        <p:txBody>
+          <a:bodyPr rtlCol="0" anchor="ctr"/>
+          <a:lstStyle/>
+          <a:p>
+            <a:pPr algn="ctr"/>
+            <a:endParaRPr lang="en-GB"/>
           </a:p>
         </p:txBody>
       </p:sp>
     </p:spTree>
     <p:extLst>
       <p:ext uri="{BB962C8B-B14F-4D97-AF65-F5344CB8AC3E}">
-        <p14:creationId xmlns:p14="http://schemas.microsoft.com/office/powerpoint/2010/main" val="3862240862"/>
+        <p14:creationId xmlns:p14="http://schemas.microsoft.com/office/powerpoint/2010/main" val="347671375"/>
       </p:ext>
     </p:extLst>
   </p:cSld>
@@ -6828,247 +9455,140 @@
       </p:grpSpPr>
       <p:sp>
         <p:nvSpPr>
-          <p:cNvPr id="3" name="Content Placeholder 2"/>
-          <p:cNvSpPr>
-            <a:spLocks noGrp="1"/>
-          </p:cNvSpPr>
-          <p:nvPr>
-            <p:ph idx="1"/>
-          </p:nvPr>
-        </p:nvSpPr>
-        <p:spPr>
-          <a:xfrm>
-            <a:off x="696532" y="1057186"/>
-            <a:ext cx="10804302" cy="2034357"/>
-          </a:xfrm>
-        </p:spPr>
-        <p:txBody>
-          <a:bodyPr>
-            <a:normAutofit/>
-          </a:bodyPr>
-          <a:lstStyle/>
-          <a:p>
-            <a:r>
-              <a:rPr lang="en-GB" sz="2400" dirty="0" smtClean="0"/>
-              <a:t> Mitigation </a:t>
-            </a:r>
-            <a:r>
-              <a:rPr lang="en-GB" sz="2400" dirty="0"/>
-              <a:t>by increasing </a:t>
-            </a:r>
-            <a:r>
-              <a:rPr lang="en-GB" sz="2400" dirty="0" err="1"/>
-              <a:t>f_ELM</a:t>
-            </a:r>
-            <a:r>
-              <a:rPr lang="en-GB" sz="2400" dirty="0"/>
-              <a:t> </a:t>
-            </a:r>
-            <a:r>
-              <a:rPr lang="en-GB" sz="2400" dirty="0">
-                <a:sym typeface="Wingdings" panose="05000000000000000000" pitchFamily="2" charset="2"/>
-              </a:rPr>
-              <a:t> less damage to </a:t>
-            </a:r>
-            <a:r>
-              <a:rPr lang="en-GB" sz="2400" dirty="0" smtClean="0">
-                <a:sym typeface="Wingdings" panose="05000000000000000000" pitchFamily="2" charset="2"/>
-              </a:rPr>
-              <a:t>PFCs</a:t>
-            </a:r>
-          </a:p>
-          <a:p>
-            <a:r>
-              <a:rPr lang="en-GB" sz="2400" dirty="0" smtClean="0">
-                <a:sym typeface="Wingdings" panose="05000000000000000000" pitchFamily="2" charset="2"/>
-              </a:rPr>
-              <a:t>Mechanism not fully understood</a:t>
-            </a:r>
-            <a:endParaRPr lang="en-GB" sz="2400" dirty="0">
-              <a:sym typeface="Wingdings" panose="05000000000000000000" pitchFamily="2" charset="2"/>
-            </a:endParaRPr>
-          </a:p>
-          <a:p>
-            <a:r>
-              <a:rPr lang="en-GB" sz="2400" dirty="0" smtClean="0">
-                <a:sym typeface="Wingdings" panose="05000000000000000000" pitchFamily="2" charset="2"/>
-              </a:rPr>
-              <a:t>Heavily dependent on time since</a:t>
-            </a:r>
-          </a:p>
-          <a:p>
-            <a:pPr marL="0" indent="0">
-              <a:buNone/>
-            </a:pPr>
-            <a:r>
-              <a:rPr lang="en-GB" sz="2400" dirty="0" smtClean="0">
-                <a:sym typeface="Wingdings" panose="05000000000000000000" pitchFamily="2" charset="2"/>
-              </a:rPr>
-              <a:t>last ELM</a:t>
-            </a:r>
-            <a:endParaRPr lang="en-GB" sz="2400" dirty="0">
-              <a:sym typeface="Wingdings" panose="05000000000000000000" pitchFamily="2" charset="2"/>
-            </a:endParaRPr>
-          </a:p>
-          <a:p>
-            <a:endParaRPr lang="en-GB" sz="2400" dirty="0"/>
-          </a:p>
-        </p:txBody>
-      </p:sp>
-      <p:sp>
-        <p:nvSpPr>
-          <p:cNvPr id="4" name="Date Placeholder 3"/>
-          <p:cNvSpPr>
-            <a:spLocks noGrp="1"/>
-          </p:cNvSpPr>
-          <p:nvPr>
-            <p:ph type="dt" sz="half" idx="10"/>
-          </p:nvPr>
-        </p:nvSpPr>
-        <p:spPr/>
-        <p:txBody>
-          <a:bodyPr/>
-          <a:lstStyle/>
-          <a:p>
-            <a:r>
-              <a:rPr lang="en-GB" smtClean="0"/>
-              <a:t>31/05/2016</a:t>
+          <p:cNvPr id="2" name="Title 1"/>
+          <p:cNvSpPr>
+            <a:spLocks noGrp="1"/>
+          </p:cNvSpPr>
+          <p:nvPr>
+            <p:ph type="title"/>
+          </p:nvPr>
+        </p:nvSpPr>
+        <p:spPr>
+          <a:xfrm>
+            <a:off x="838200" y="0"/>
+            <a:ext cx="10515600" cy="1325563"/>
+          </a:xfrm>
+        </p:spPr>
+        <p:txBody>
+          <a:bodyPr/>
+          <a:lstStyle/>
+          <a:p>
+            <a:r>
+              <a:rPr lang="en-GB" sz="6000" dirty="0" smtClean="0"/>
+              <a:t>2. Problems ELMs cause</a:t>
             </a:r>
             <a:endParaRPr lang="en-GB" dirty="0"/>
-          </a:p>
-        </p:txBody>
-      </p:sp>
-      <p:sp>
-        <p:nvSpPr>
-          <p:cNvPr id="5" name="Footer Placeholder 4"/>
-          <p:cNvSpPr>
-            <a:spLocks noGrp="1"/>
-          </p:cNvSpPr>
-          <p:nvPr>
-            <p:ph type="ftr" sz="quarter" idx="3"/>
-          </p:nvPr>
-        </p:nvSpPr>
-        <p:spPr>
-          <a:xfrm>
-            <a:off x="7912100" y="6343650"/>
-            <a:ext cx="4114800" cy="365125"/>
-          </a:xfrm>
-        </p:spPr>
-        <p:txBody>
-          <a:bodyPr/>
-          <a:lstStyle/>
-          <a:p>
-            <a:r>
-              <a:rPr lang="en-GB" smtClean="0"/>
-              <a:t>JOA509 – Frontiers of Fusion</a:t>
-            </a:r>
-            <a:endParaRPr lang="en-GB" dirty="0"/>
-          </a:p>
-        </p:txBody>
-      </p:sp>
-      <p:sp>
-        <p:nvSpPr>
-          <p:cNvPr id="6" name="Slide Number Placeholder 5"/>
-          <p:cNvSpPr>
-            <a:spLocks noGrp="1"/>
-          </p:cNvSpPr>
-          <p:nvPr>
-            <p:ph type="sldNum" sz="quarter" idx="12"/>
-          </p:nvPr>
-        </p:nvSpPr>
-        <p:spPr>
-          <a:xfrm>
-            <a:off x="4724400" y="6356350"/>
-            <a:ext cx="2743200" cy="365125"/>
-          </a:xfrm>
-        </p:spPr>
-        <p:txBody>
-          <a:bodyPr/>
-          <a:lstStyle/>
-          <a:p>
-            <a:fld id="{581BB28B-6C27-444C-B2E2-3960C28AE47A}" type="slidenum">
-              <a:rPr lang="en-GB" smtClean="0"/>
-              <a:t>9</a:t>
-            </a:fld>
-            <a:endParaRPr lang="en-GB" dirty="0"/>
-          </a:p>
-        </p:txBody>
-      </p:sp>
-      <p:sp>
-        <p:nvSpPr>
-          <p:cNvPr id="7" name="Title 1"/>
-          <p:cNvSpPr>
-            <a:spLocks noGrp="1"/>
-          </p:cNvSpPr>
-          <p:nvPr>
-            <p:ph type="title"/>
-          </p:nvPr>
-        </p:nvSpPr>
-        <p:spPr>
-          <a:xfrm>
-            <a:off x="0" y="0"/>
-            <a:ext cx="10515600" cy="1325563"/>
-          </a:xfrm>
-        </p:spPr>
-        <p:txBody>
-          <a:bodyPr>
-            <a:normAutofit/>
-          </a:bodyPr>
-          <a:lstStyle/>
-          <a:p>
-            <a:r>
-              <a:rPr lang="en-GB" sz="4800" dirty="0" smtClean="0"/>
-              <a:t>3. </a:t>
-            </a:r>
-            <a:r>
-              <a:rPr lang="en-GB" sz="4800" dirty="0" smtClean="0"/>
-              <a:t>ii) Pellet Injection (PI)</a:t>
-            </a:r>
-            <a:endParaRPr lang="en-GB" sz="4800" dirty="0"/>
           </a:p>
         </p:txBody>
       </p:sp>
       <p:pic>
         <p:nvPicPr>
-          <p:cNvPr id="2050" name="Picture 2" descr="C:\Users\joe\Documents\GitHub\FFessay\Latex_documents\Figures\PI_ELMprob.PNG"/>
+          <p:cNvPr id="7" name="Content Placeholder 6"/>
           <p:cNvPicPr>
-            <a:picLocks noChangeAspect="1" noChangeArrowheads="1"/>
+            <a:picLocks noGrp="1" noChangeAspect="1"/>
           </p:cNvPicPr>
-          <p:nvPr/>
+          <p:nvPr>
+            <p:ph idx="1"/>
+          </p:nvPr>
         </p:nvPicPr>
         <p:blipFill>
-          <a:blip r:embed="rId3">
+          <a:blip r:embed="rId2">
             <a:extLst>
               <a:ext uri="{28A0092B-C50C-407E-A947-70E740481C1C}">
                 <a14:useLocalDpi xmlns:a14="http://schemas.microsoft.com/office/drawing/2010/main" val="0"/>
               </a:ext>
             </a:extLst>
           </a:blip>
-          <a:srcRect/>
           <a:stretch>
             <a:fillRect/>
           </a:stretch>
         </p:blipFill>
-        <p:spPr bwMode="auto">
-          <a:xfrm>
-            <a:off x="6440714" y="1441271"/>
-            <a:ext cx="5316761" cy="3563824"/>
-          </a:xfrm>
-          <a:prstGeom prst="rect">
-            <a:avLst/>
-          </a:prstGeom>
-          <a:noFill/>
-          <a:extLst>
-            <a:ext uri="{909E8E84-426E-40DD-AFC4-6F175D3DCCD1}">
-              <a14:hiddenFill xmlns:a14="http://schemas.microsoft.com/office/drawing/2010/main">
-                <a:solidFill>
-                  <a:srgbClr val="FFFFFF"/>
-                </a:solidFill>
-              </a14:hiddenFill>
-            </a:ext>
-          </a:extLst>
+        <p:spPr>
+          <a:xfrm>
+            <a:off x="2032041" y="1047749"/>
+            <a:ext cx="8127918" cy="5491163"/>
+          </a:xfrm>
         </p:spPr>
       </p:pic>
+      <p:sp>
+        <p:nvSpPr>
+          <p:cNvPr id="4" name="Date Placeholder 3"/>
+          <p:cNvSpPr>
+            <a:spLocks noGrp="1"/>
+          </p:cNvSpPr>
+          <p:nvPr>
+            <p:ph type="dt" sz="half" idx="10"/>
+          </p:nvPr>
+        </p:nvSpPr>
+        <p:spPr/>
+        <p:txBody>
+          <a:bodyPr/>
+          <a:lstStyle/>
+          <a:p>
+            <a:r>
+              <a:rPr lang="en-GB" smtClean="0"/>
+              <a:t>31/05/2016</a:t>
+            </a:r>
+            <a:endParaRPr lang="en-GB" dirty="0"/>
+          </a:p>
+        </p:txBody>
+      </p:sp>
+      <p:sp>
+        <p:nvSpPr>
+          <p:cNvPr id="5" name="Footer Placeholder 4"/>
+          <p:cNvSpPr>
+            <a:spLocks noGrp="1"/>
+          </p:cNvSpPr>
+          <p:nvPr>
+            <p:ph type="ftr" sz="quarter" idx="3"/>
+          </p:nvPr>
+        </p:nvSpPr>
+        <p:spPr>
+          <a:xfrm>
+            <a:off x="7912100" y="6343650"/>
+            <a:ext cx="4114800" cy="365125"/>
+          </a:xfrm>
+        </p:spPr>
+        <p:txBody>
+          <a:bodyPr/>
+          <a:lstStyle/>
+          <a:p>
+            <a:r>
+              <a:rPr lang="en-GB" smtClean="0"/>
+              <a:t>JOA509 – Frontiers of Fusion</a:t>
+            </a:r>
+            <a:endParaRPr lang="en-GB" dirty="0"/>
+          </a:p>
+        </p:txBody>
+      </p:sp>
+      <p:sp>
+        <p:nvSpPr>
+          <p:cNvPr id="6" name="Slide Number Placeholder 5"/>
+          <p:cNvSpPr>
+            <a:spLocks noGrp="1"/>
+          </p:cNvSpPr>
+          <p:nvPr>
+            <p:ph type="sldNum" sz="quarter" idx="12"/>
+          </p:nvPr>
+        </p:nvSpPr>
+        <p:spPr>
+          <a:xfrm>
+            <a:off x="4724400" y="6356350"/>
+            <a:ext cx="2743200" cy="365125"/>
+          </a:xfrm>
+        </p:spPr>
+        <p:txBody>
+          <a:bodyPr/>
+          <a:lstStyle/>
+          <a:p>
+            <a:fld id="{581BB28B-6C27-444C-B2E2-3960C28AE47A}" type="slidenum">
+              <a:rPr lang="en-GB" smtClean="0"/>
+              <a:t>9</a:t>
+            </a:fld>
+            <a:endParaRPr lang="en-GB" dirty="0"/>
+          </a:p>
+        </p:txBody>
+      </p:sp>
       <p:sp>
         <p:nvSpPr>
           <p:cNvPr id="8" name="TextBox 7"/>
@@ -7077,13 +9597,17 @@
         </p:nvSpPr>
         <p:spPr>
           <a:xfrm>
-            <a:off x="6440714" y="5005095"/>
-            <a:ext cx="5170715" cy="338554"/>
-          </a:xfrm>
-          <a:prstGeom prst="rect">
+            <a:off x="2567455" y="1610018"/>
+            <a:ext cx="7100015" cy="2485787"/>
+          </a:xfrm>
+          <a:prstGeom prst="roundRect">
             <a:avLst/>
           </a:prstGeom>
-          <a:noFill/>
+          <a:solidFill>
+            <a:schemeClr val="bg1">
+              <a:alpha val="94000"/>
+            </a:schemeClr>
+          </a:solidFill>
         </p:spPr>
         <p:txBody>
           <a:bodyPr wrap="square" rtlCol="0">
@@ -7091,342 +9615,166 @@
           </a:bodyPr>
           <a:lstStyle/>
           <a:p>
-            <a:r>
-              <a:rPr lang="en-GB" sz="1600" dirty="0" smtClean="0">
-                <a:latin typeface="Batang" panose="02030600000101010101" pitchFamily="18" charset="-127"/>
-                <a:ea typeface="Batang" panose="02030600000101010101" pitchFamily="18" charset="-127"/>
-              </a:rPr>
-              <a:t>I. Chapman </a:t>
-            </a:r>
-            <a:r>
-              <a:rPr lang="en-GB" sz="1600" i="1" dirty="0" err="1" smtClean="0">
-                <a:latin typeface="Batang" panose="02030600000101010101" pitchFamily="18" charset="-127"/>
-                <a:ea typeface="Batang" panose="02030600000101010101" pitchFamily="18" charset="-127"/>
-              </a:rPr>
-              <a:t>Plas</a:t>
-            </a:r>
-            <a:r>
-              <a:rPr lang="en-GB" sz="1600" i="1" dirty="0" smtClean="0">
-                <a:latin typeface="Batang" panose="02030600000101010101" pitchFamily="18" charset="-127"/>
-                <a:ea typeface="Batang" panose="02030600000101010101" pitchFamily="18" charset="-127"/>
-              </a:rPr>
-              <a:t>. Phys. Cont. </a:t>
-            </a:r>
-            <a:r>
-              <a:rPr lang="en-GB" sz="1600" i="1" dirty="0" err="1" smtClean="0">
-                <a:latin typeface="Batang" panose="02030600000101010101" pitchFamily="18" charset="-127"/>
-                <a:ea typeface="Batang" panose="02030600000101010101" pitchFamily="18" charset="-127"/>
-              </a:rPr>
-              <a:t>Fus</a:t>
-            </a:r>
-            <a:r>
-              <a:rPr lang="en-GB" sz="1600" i="1" dirty="0" smtClean="0">
-                <a:latin typeface="Batang" panose="02030600000101010101" pitchFamily="18" charset="-127"/>
-                <a:ea typeface="Batang" panose="02030600000101010101" pitchFamily="18" charset="-127"/>
-              </a:rPr>
-              <a:t>. </a:t>
-            </a:r>
-            <a:r>
-              <a:rPr lang="en-GB" sz="1600" dirty="0" smtClean="0">
-                <a:latin typeface="Batang" panose="02030600000101010101" pitchFamily="18" charset="-127"/>
-                <a:ea typeface="Batang" panose="02030600000101010101" pitchFamily="18" charset="-127"/>
-              </a:rPr>
-              <a:t>58 1 2016 </a:t>
-            </a:r>
-            <a:endParaRPr lang="en-GB" sz="1600" dirty="0">
-              <a:latin typeface="Batang" panose="02030600000101010101" pitchFamily="18" charset="-127"/>
-              <a:ea typeface="Batang" panose="02030600000101010101" pitchFamily="18" charset="-127"/>
-            </a:endParaRPr>
-          </a:p>
-        </p:txBody>
-      </p:sp>
-      <p:sp>
-        <p:nvSpPr>
-          <p:cNvPr id="10" name="Content Placeholder 2"/>
-          <p:cNvSpPr txBox="1">
-            <a:spLocks/>
-          </p:cNvSpPr>
-          <p:nvPr/>
-        </p:nvSpPr>
-        <p:spPr>
-          <a:xfrm>
-            <a:off x="769258" y="3964949"/>
-            <a:ext cx="4643188" cy="2398032"/>
-          </a:xfrm>
-          <a:prstGeom prst="rect">
-            <a:avLst/>
-          </a:prstGeom>
-        </p:spPr>
-        <p:txBody>
-          <a:bodyPr vert="horz" lIns="91440" tIns="45720" rIns="91440" bIns="45720" rtlCol="0">
-            <a:normAutofit/>
-          </a:bodyPr>
-          <a:lstStyle>
-            <a:lvl1pPr marL="228600" indent="-228600" algn="l" defTabSz="914400" rtl="0" eaLnBrk="1" latinLnBrk="0" hangingPunct="1">
-              <a:lnSpc>
-                <a:spcPct val="90000"/>
-              </a:lnSpc>
-              <a:spcBef>
-                <a:spcPts val="1000"/>
-              </a:spcBef>
+            <a:pPr marL="457200" indent="-457200">
               <a:buSzPct val="120000"/>
               <a:buFont typeface="Wingdings" panose="05000000000000000000" pitchFamily="2" charset="2"/>
               <a:buChar char="Ø"/>
-              <a:defRPr sz="2800" kern="1200">
-                <a:solidFill>
-                  <a:schemeClr val="tx1"/>
-                </a:solidFill>
+            </a:pPr>
+            <a:r>
+              <a:rPr lang="en-GB" sz="2800" dirty="0" smtClean="0">
                 <a:latin typeface="Baskerville Old Face" panose="02020602080505020303" pitchFamily="18" charset="0"/>
-                <a:ea typeface="+mn-ea"/>
-                <a:cs typeface="+mn-cs"/>
-              </a:defRPr>
-            </a:lvl1pPr>
-            <a:lvl2pPr marL="685800" indent="-228600" algn="l" defTabSz="914400" rtl="0" eaLnBrk="1" latinLnBrk="0" hangingPunct="1">
-              <a:lnSpc>
-                <a:spcPct val="90000"/>
-              </a:lnSpc>
-              <a:spcBef>
-                <a:spcPts val="500"/>
-              </a:spcBef>
+              </a:rPr>
+              <a:t>Loss of confinement</a:t>
+            </a:r>
+          </a:p>
+          <a:p>
+            <a:pPr marL="457200" indent="-457200">
               <a:buSzPct val="120000"/>
               <a:buFont typeface="Wingdings" panose="05000000000000000000" pitchFamily="2" charset="2"/>
               <a:buChar char="Ø"/>
-              <a:defRPr sz="2400" kern="1200">
-                <a:solidFill>
-                  <a:schemeClr val="tx1"/>
-                </a:solidFill>
-                <a:latin typeface="Baskerville Old Face" panose="02020602080505020303" pitchFamily="18" charset="0"/>
-                <a:ea typeface="+mn-ea"/>
-                <a:cs typeface="+mn-cs"/>
-              </a:defRPr>
-            </a:lvl2pPr>
-            <a:lvl3pPr marL="1143000" indent="-228600" algn="l" defTabSz="914400" rtl="0" eaLnBrk="1" latinLnBrk="0" hangingPunct="1">
-              <a:lnSpc>
-                <a:spcPct val="90000"/>
-              </a:lnSpc>
-              <a:spcBef>
-                <a:spcPts val="500"/>
-              </a:spcBef>
+            </a:pPr>
+            <a:endParaRPr lang="en-GB" sz="2800" dirty="0" smtClean="0">
+              <a:latin typeface="Baskerville Old Face" panose="02020602080505020303" pitchFamily="18" charset="0"/>
+            </a:endParaRPr>
+          </a:p>
+          <a:p>
+            <a:pPr marL="457200" indent="-457200">
               <a:buSzPct val="120000"/>
               <a:buFont typeface="Wingdings" panose="05000000000000000000" pitchFamily="2" charset="2"/>
               <a:buChar char="Ø"/>
-              <a:defRPr sz="2000" kern="1200">
-                <a:solidFill>
-                  <a:schemeClr val="tx1"/>
-                </a:solidFill>
+            </a:pPr>
+            <a:r>
+              <a:rPr lang="en-GB" sz="2800" dirty="0" smtClean="0">
                 <a:latin typeface="Baskerville Old Face" panose="02020602080505020303" pitchFamily="18" charset="0"/>
-                <a:ea typeface="+mn-ea"/>
-                <a:cs typeface="+mn-cs"/>
-              </a:defRPr>
-            </a:lvl3pPr>
-            <a:lvl4pPr marL="1600200" indent="-228600" algn="l" defTabSz="914400" rtl="0" eaLnBrk="1" latinLnBrk="0" hangingPunct="1">
-              <a:lnSpc>
-                <a:spcPct val="90000"/>
-              </a:lnSpc>
-              <a:spcBef>
-                <a:spcPts val="500"/>
-              </a:spcBef>
+              </a:rPr>
+              <a:t>High heat flux expelled from the plasma</a:t>
+            </a:r>
+          </a:p>
+          <a:p>
+            <a:pPr marL="914400" lvl="1" indent="-457200">
               <a:buSzPct val="120000"/>
               <a:buFont typeface="Wingdings" panose="05000000000000000000" pitchFamily="2" charset="2"/>
               <a:buChar char="Ø"/>
-              <a:defRPr sz="1800" kern="1200">
-                <a:solidFill>
-                  <a:schemeClr val="tx1"/>
-                </a:solidFill>
+            </a:pPr>
+            <a:r>
+              <a:rPr lang="en-GB" sz="2800" dirty="0" smtClean="0">
                 <a:latin typeface="Baskerville Old Face" panose="02020602080505020303" pitchFamily="18" charset="0"/>
-                <a:ea typeface="+mn-ea"/>
-                <a:cs typeface="+mn-cs"/>
-              </a:defRPr>
-            </a:lvl4pPr>
-            <a:lvl5pPr marL="2057400" indent="-228600" algn="l" defTabSz="914400" rtl="0" eaLnBrk="1" latinLnBrk="0" hangingPunct="1">
-              <a:lnSpc>
-                <a:spcPct val="90000"/>
-              </a:lnSpc>
-              <a:spcBef>
-                <a:spcPts val="500"/>
-              </a:spcBef>
+              </a:rPr>
+              <a:t>Can cause critical damage to PFCs</a:t>
+            </a:r>
+          </a:p>
+          <a:p>
+            <a:pPr marL="457200" indent="-457200">
               <a:buSzPct val="120000"/>
               <a:buFont typeface="Wingdings" panose="05000000000000000000" pitchFamily="2" charset="2"/>
               <a:buChar char="Ø"/>
-              <a:defRPr sz="1800" kern="1200">
-                <a:solidFill>
-                  <a:schemeClr val="tx1"/>
-                </a:solidFill>
-                <a:latin typeface="Baskerville Old Face" panose="02020602080505020303" pitchFamily="18" charset="0"/>
-                <a:ea typeface="+mn-ea"/>
-                <a:cs typeface="+mn-cs"/>
-              </a:defRPr>
-            </a:lvl5pPr>
-            <a:lvl6pPr marL="2514600" indent="-228600" algn="l" defTabSz="914400" rtl="0" eaLnBrk="1" latinLnBrk="0" hangingPunct="1">
-              <a:lnSpc>
-                <a:spcPct val="90000"/>
-              </a:lnSpc>
-              <a:spcBef>
-                <a:spcPts val="500"/>
-              </a:spcBef>
-              <a:buFont typeface="Arial" panose="020B0604020202020204" pitchFamily="34" charset="0"/>
-              <a:buChar char="•"/>
-              <a:defRPr sz="1800" kern="1200">
-                <a:solidFill>
-                  <a:schemeClr val="tx1"/>
-                </a:solidFill>
-                <a:latin typeface="+mn-lt"/>
-                <a:ea typeface="+mn-ea"/>
-                <a:cs typeface="+mn-cs"/>
-              </a:defRPr>
-            </a:lvl6pPr>
-            <a:lvl7pPr marL="2971800" indent="-228600" algn="l" defTabSz="914400" rtl="0" eaLnBrk="1" latinLnBrk="0" hangingPunct="1">
-              <a:lnSpc>
-                <a:spcPct val="90000"/>
-              </a:lnSpc>
-              <a:spcBef>
-                <a:spcPts val="500"/>
-              </a:spcBef>
-              <a:buFont typeface="Arial" panose="020B0604020202020204" pitchFamily="34" charset="0"/>
-              <a:buChar char="•"/>
-              <a:defRPr sz="1800" kern="1200">
-                <a:solidFill>
-                  <a:schemeClr val="tx1"/>
-                </a:solidFill>
-                <a:latin typeface="+mn-lt"/>
-                <a:ea typeface="+mn-ea"/>
-                <a:cs typeface="+mn-cs"/>
-              </a:defRPr>
-            </a:lvl7pPr>
-            <a:lvl8pPr marL="3429000" indent="-228600" algn="l" defTabSz="914400" rtl="0" eaLnBrk="1" latinLnBrk="0" hangingPunct="1">
-              <a:lnSpc>
-                <a:spcPct val="90000"/>
-              </a:lnSpc>
-              <a:spcBef>
-                <a:spcPts val="500"/>
-              </a:spcBef>
-              <a:buFont typeface="Arial" panose="020B0604020202020204" pitchFamily="34" charset="0"/>
-              <a:buChar char="•"/>
-              <a:defRPr sz="1800" kern="1200">
-                <a:solidFill>
-                  <a:schemeClr val="tx1"/>
-                </a:solidFill>
-                <a:latin typeface="+mn-lt"/>
-                <a:ea typeface="+mn-ea"/>
-                <a:cs typeface="+mn-cs"/>
-              </a:defRPr>
-            </a:lvl8pPr>
-            <a:lvl9pPr marL="3886200" indent="-228600" algn="l" defTabSz="914400" rtl="0" eaLnBrk="1" latinLnBrk="0" hangingPunct="1">
-              <a:lnSpc>
-                <a:spcPct val="90000"/>
-              </a:lnSpc>
-              <a:spcBef>
-                <a:spcPts val="500"/>
-              </a:spcBef>
-              <a:buFont typeface="Arial" panose="020B0604020202020204" pitchFamily="34" charset="0"/>
-              <a:buChar char="•"/>
-              <a:defRPr sz="1800" kern="1200">
-                <a:solidFill>
-                  <a:schemeClr val="tx1"/>
-                </a:solidFill>
-                <a:latin typeface="+mn-lt"/>
-                <a:ea typeface="+mn-ea"/>
-                <a:cs typeface="+mn-cs"/>
-              </a:defRPr>
-            </a:lvl9pPr>
-          </a:lstStyle>
-          <a:p>
-            <a:r>
-              <a:rPr lang="en-GB" sz="2400" dirty="0" smtClean="0"/>
-              <a:t>Control by pacing the frequency of ELMs</a:t>
-            </a:r>
-          </a:p>
-          <a:p>
-            <a:r>
-              <a:rPr lang="en-GB" sz="2400" dirty="0" smtClean="0">
-                <a:sym typeface="Wingdings" panose="05000000000000000000" pitchFamily="2" charset="2"/>
-              </a:rPr>
-              <a:t>Vertical stability coils</a:t>
-            </a:r>
-          </a:p>
-          <a:p>
-            <a:r>
-              <a:rPr lang="en-GB" sz="2400" dirty="0" smtClean="0">
-                <a:sym typeface="Wingdings" panose="05000000000000000000" pitchFamily="2" charset="2"/>
-              </a:rPr>
-              <a:t>Plasma moves </a:t>
-            </a:r>
-            <a:r>
-              <a:rPr lang="en-GB" b="1" dirty="0" smtClean="0">
-                <a:sym typeface="Wingdings" panose="05000000000000000000" pitchFamily="2" charset="2"/>
-              </a:rPr>
-              <a:t>≈ </a:t>
-            </a:r>
-            <a:r>
-              <a:rPr lang="en-GB" sz="2400" dirty="0" smtClean="0">
-                <a:sym typeface="Wingdings" panose="05000000000000000000" pitchFamily="2" charset="2"/>
-              </a:rPr>
-              <a:t>2% of minor radius</a:t>
-            </a:r>
-          </a:p>
-          <a:p>
-            <a:endParaRPr lang="en-GB" sz="2400" dirty="0" smtClean="0">
-              <a:sym typeface="Wingdings" panose="05000000000000000000" pitchFamily="2" charset="2"/>
+            </a:pPr>
+            <a:endParaRPr lang="en-GB" sz="2800" dirty="0">
+              <a:latin typeface="Baskerville Old Face" panose="02020602080505020303" pitchFamily="18" charset="0"/>
             </a:endParaRPr>
           </a:p>
-          <a:p>
-            <a:endParaRPr lang="en-GB" sz="2400" dirty="0"/>
-          </a:p>
-        </p:txBody>
-      </p:sp>
-      <p:sp>
-        <p:nvSpPr>
-          <p:cNvPr id="11" name="Title 1"/>
-          <p:cNvSpPr txBox="1">
-            <a:spLocks/>
-          </p:cNvSpPr>
+        </p:txBody>
+      </p:sp>
+      <p:sp>
+        <p:nvSpPr>
+          <p:cNvPr id="3" name="Multiply 2"/>
+          <p:cNvSpPr/>
           <p:nvPr/>
         </p:nvSpPr>
         <p:spPr>
           <a:xfrm>
-            <a:off x="507990" y="2808515"/>
-            <a:ext cx="6440714" cy="1325563"/>
-          </a:xfrm>
-          <a:prstGeom prst="rect">
+            <a:off x="6190033" y="1549767"/>
+            <a:ext cx="1133341" cy="1159096"/>
+          </a:xfrm>
+          <a:prstGeom prst="mathMultiply">
             <a:avLst/>
           </a:prstGeom>
-        </p:spPr>
-        <p:txBody>
-          <a:bodyPr vert="horz" lIns="91440" tIns="45720" rIns="91440" bIns="45720" rtlCol="0" anchor="ctr">
-            <a:normAutofit/>
-          </a:bodyPr>
-          <a:lstStyle>
-            <a:lvl1pPr algn="l" defTabSz="914400" rtl="0" eaLnBrk="1" latinLnBrk="0" hangingPunct="1">
-              <a:lnSpc>
-                <a:spcPct val="90000"/>
-              </a:lnSpc>
-              <a:spcBef>
-                <a:spcPct val="0"/>
-              </a:spcBef>
-              <a:buNone/>
-              <a:defRPr sz="6000" kern="1200">
-                <a:solidFill>
-                  <a:schemeClr val="tx1"/>
-                </a:solidFill>
-                <a:latin typeface="Baskerville Old Face" panose="02020602080505020303" pitchFamily="18" charset="0"/>
-                <a:ea typeface="+mj-ea"/>
-                <a:cs typeface="+mj-cs"/>
-              </a:defRPr>
-            </a:lvl1pPr>
-          </a:lstStyle>
-          <a:p>
-            <a:r>
-              <a:rPr lang="en-GB" sz="4800" dirty="0" smtClean="0"/>
-              <a:t>iii) Vertical Kicks (VKs)</a:t>
-            </a:r>
-            <a:endParaRPr lang="en-GB" sz="4800" dirty="0"/>
+          <a:solidFill>
+            <a:srgbClr val="FF0000"/>
+          </a:solidFill>
+          <a:ln>
+            <a:solidFill>
+              <a:srgbClr val="FF0000"/>
+            </a:solidFill>
+          </a:ln>
+        </p:spPr>
+        <p:style>
+          <a:lnRef idx="2">
+            <a:schemeClr val="accent1">
+              <a:shade val="50000"/>
+            </a:schemeClr>
+          </a:lnRef>
+          <a:fillRef idx="1">
+            <a:schemeClr val="accent1"/>
+          </a:fillRef>
+          <a:effectRef idx="0">
+            <a:schemeClr val="accent1"/>
+          </a:effectRef>
+          <a:fontRef idx="minor">
+            <a:schemeClr val="lt1"/>
+          </a:fontRef>
+        </p:style>
+        <p:txBody>
+          <a:bodyPr rtlCol="0" anchor="ctr"/>
+          <a:lstStyle/>
+          <a:p>
+            <a:pPr algn="ctr"/>
+            <a:endParaRPr lang="en-GB"/>
+          </a:p>
+        </p:txBody>
+      </p:sp>
+      <p:sp>
+        <p:nvSpPr>
+          <p:cNvPr id="9" name="Multiply 8"/>
+          <p:cNvSpPr/>
+          <p:nvPr/>
+        </p:nvSpPr>
+        <p:spPr>
+          <a:xfrm>
+            <a:off x="8758118" y="2468407"/>
+            <a:ext cx="1045336" cy="1026783"/>
+          </a:xfrm>
+          <a:prstGeom prst="mathMultiply">
+            <a:avLst/>
+          </a:prstGeom>
+          <a:solidFill>
+            <a:srgbClr val="FF0000"/>
+          </a:solidFill>
+          <a:ln>
+            <a:solidFill>
+              <a:srgbClr val="FF0000"/>
+            </a:solidFill>
+          </a:ln>
+        </p:spPr>
+        <p:style>
+          <a:lnRef idx="2">
+            <a:schemeClr val="accent1">
+              <a:shade val="50000"/>
+            </a:schemeClr>
+          </a:lnRef>
+          <a:fillRef idx="1">
+            <a:schemeClr val="accent1"/>
+          </a:fillRef>
+          <a:effectRef idx="0">
+            <a:schemeClr val="accent1"/>
+          </a:effectRef>
+          <a:fontRef idx="minor">
+            <a:schemeClr val="lt1"/>
+          </a:fontRef>
+        </p:style>
+        <p:txBody>
+          <a:bodyPr rtlCol="0" anchor="ctr"/>
+          <a:lstStyle/>
+          <a:p>
+            <a:pPr algn="ctr"/>
+            <a:endParaRPr lang="en-GB"/>
           </a:p>
         </p:txBody>
       </p:sp>
     </p:spTree>
     <p:extLst>
       <p:ext uri="{BB962C8B-B14F-4D97-AF65-F5344CB8AC3E}">
-        <p14:creationId xmlns:p14="http://schemas.microsoft.com/office/powerpoint/2010/main" val="3428766812"/>
+        <p14:creationId xmlns:p14="http://schemas.microsoft.com/office/powerpoint/2010/main" val="1750642746"/>
       </p:ext>
     </p:extLst>
   </p:cSld>
